--- a/教學簡報/JavaScript - 1.pptx
+++ b/教學簡報/JavaScript - 1.pptx
@@ -270,7 +270,7 @@
             <a:fld id="{A5DCF4EA-E40D-43F8-B4CB-7F82BC812DB7}" type="datetimeFigureOut">
               <a:rPr lang="zh-TW" altLang="en-US" smtClean="0"/>
               <a:pPr/>
-              <a:t>2020/7/8</a:t>
+              <a:t>2020/7/24</a:t>
             </a:fld>
             <a:endParaRPr lang="zh-TW" altLang="en-US" dirty="0"/>
           </a:p>
@@ -3461,7 +3461,7 @@
           <a:p>
             <a:fld id="{3D8CBC75-8284-403E-92F0-16B75D676E39}" type="datetimeFigureOut">
               <a:rPr lang="zh-TW" altLang="en-US" smtClean="0"/>
-              <a:t>2020/7/8</a:t>
+              <a:t>2020/7/24</a:t>
             </a:fld>
             <a:endParaRPr lang="zh-TW" altLang="en-US"/>
           </a:p>
@@ -3589,7 +3589,7 @@
           <a:p>
             <a:fld id="{3D8CBC75-8284-403E-92F0-16B75D676E39}" type="datetimeFigureOut">
               <a:rPr lang="zh-TW" altLang="en-US" smtClean="0"/>
-              <a:t>2020/7/8</a:t>
+              <a:t>2020/7/24</a:t>
             </a:fld>
             <a:endParaRPr lang="zh-TW" altLang="en-US"/>
           </a:p>
@@ -3932,7 +3932,7 @@
           <a:p>
             <a:fld id="{3D8CBC75-8284-403E-92F0-16B75D676E39}" type="datetimeFigureOut">
               <a:rPr lang="zh-TW" altLang="en-US" smtClean="0"/>
-              <a:t>2020/7/8</a:t>
+              <a:t>2020/7/24</a:t>
             </a:fld>
             <a:endParaRPr lang="zh-TW" altLang="en-US"/>
           </a:p>
@@ -4265,7 +4265,7 @@
           <a:p>
             <a:fld id="{3D8CBC75-8284-403E-92F0-16B75D676E39}" type="datetimeFigureOut">
               <a:rPr lang="zh-TW" altLang="en-US" smtClean="0"/>
-              <a:t>2020/7/8</a:t>
+              <a:t>2020/7/24</a:t>
             </a:fld>
             <a:endParaRPr lang="zh-TW" altLang="en-US"/>
           </a:p>
@@ -4634,7 +4634,7 @@
           <a:p>
             <a:fld id="{3D8CBC75-8284-403E-92F0-16B75D676E39}" type="datetimeFigureOut">
               <a:rPr lang="zh-TW" altLang="en-US" smtClean="0"/>
-              <a:t>2020/7/8</a:t>
+              <a:t>2020/7/24</a:t>
             </a:fld>
             <a:endParaRPr lang="zh-TW" altLang="en-US"/>
           </a:p>
@@ -4857,7 +4857,7 @@
           <a:p>
             <a:fld id="{3D8CBC75-8284-403E-92F0-16B75D676E39}" type="datetimeFigureOut">
               <a:rPr lang="zh-TW" altLang="en-US" smtClean="0"/>
-              <a:t>2020/7/8</a:t>
+              <a:t>2020/7/24</a:t>
             </a:fld>
             <a:endParaRPr lang="zh-TW" altLang="en-US"/>
           </a:p>
@@ -5387,7 +5387,7 @@
           <a:p>
             <a:fld id="{3D8CBC75-8284-403E-92F0-16B75D676E39}" type="datetimeFigureOut">
               <a:rPr lang="zh-TW" altLang="en-US" smtClean="0"/>
-              <a:t>2020/7/8</a:t>
+              <a:t>2020/7/24</a:t>
             </a:fld>
             <a:endParaRPr lang="zh-TW" altLang="en-US"/>
           </a:p>
@@ -5668,7 +5668,7 @@
           <a:p>
             <a:fld id="{3D8CBC75-8284-403E-92F0-16B75D676E39}" type="datetimeFigureOut">
               <a:rPr lang="zh-TW" altLang="en-US" smtClean="0"/>
-              <a:t>2020/7/8</a:t>
+              <a:t>2020/7/24</a:t>
             </a:fld>
             <a:endParaRPr lang="zh-TW" altLang="en-US"/>
           </a:p>
@@ -5855,7 +5855,7 @@
           <a:p>
             <a:fld id="{3D8CBC75-8284-403E-92F0-16B75D676E39}" type="datetimeFigureOut">
               <a:rPr lang="zh-TW" altLang="en-US" smtClean="0"/>
-              <a:t>2020/7/8</a:t>
+              <a:t>2020/7/24</a:t>
             </a:fld>
             <a:endParaRPr lang="zh-TW" altLang="en-US"/>
           </a:p>
@@ -6257,7 +6257,7 @@
           <a:p>
             <a:fld id="{3D8CBC75-8284-403E-92F0-16B75D676E39}" type="datetimeFigureOut">
               <a:rPr lang="zh-TW" altLang="en-US" smtClean="0"/>
-              <a:t>2020/7/8</a:t>
+              <a:t>2020/7/24</a:t>
             </a:fld>
             <a:endParaRPr lang="zh-TW" altLang="en-US"/>
           </a:p>
@@ -6677,7 +6677,7 @@
           <a:p>
             <a:fld id="{3D8CBC75-8284-403E-92F0-16B75D676E39}" type="datetimeFigureOut">
               <a:rPr lang="zh-TW" altLang="en-US" smtClean="0"/>
-              <a:t>2020/7/8</a:t>
+              <a:t>2020/7/24</a:t>
             </a:fld>
             <a:endParaRPr lang="zh-TW" altLang="en-US"/>
           </a:p>
@@ -7064,7 +7064,7 @@
             <a:fld id="{3D8CBC75-8284-403E-92F0-16B75D676E39}" type="datetimeFigureOut">
               <a:rPr lang="zh-TW" altLang="en-US" smtClean="0"/>
               <a:pPr/>
-              <a:t>2020/7/8</a:t>
+              <a:t>2020/7/24</a:t>
             </a:fld>
             <a:endParaRPr lang="zh-TW" altLang="en-US" dirty="0"/>
           </a:p>
@@ -8463,15 +8463,22 @@
           <a:p>
             <a:pPr algn="ctr"/>
             <a:r>
-              <a:rPr lang="zh-TW" altLang="en-US" sz="4000" dirty="0">
+              <a:rPr lang="zh-TW" altLang="en-US" sz="4000">
                 <a:solidFill>
                   <a:srgbClr val="0070C0"/>
                 </a:solidFill>
                 <a:latin typeface="微軟正黑體" panose="020B0604030504040204" pitchFamily="34" charset="-120"/>
                 <a:ea typeface="微軟正黑體" panose="020B0604030504040204" pitchFamily="34" charset="-120"/>
               </a:rPr>
-              <a:t>回家作業</a:t>
-            </a:r>
+              <a:t>作業</a:t>
+            </a:r>
+            <a:endParaRPr lang="zh-TW" altLang="en-US" sz="4000" dirty="0">
+              <a:solidFill>
+                <a:srgbClr val="0070C0"/>
+              </a:solidFill>
+              <a:latin typeface="微軟正黑體" panose="020B0604030504040204" pitchFamily="34" charset="-120"/>
+              <a:ea typeface="微軟正黑體" panose="020B0604030504040204" pitchFamily="34" charset="-120"/>
+            </a:endParaRPr>
           </a:p>
         </p:txBody>
       </p:sp>
@@ -9702,7 +9709,7 @@
           <p:nvPr/>
         </p:nvPicPr>
         <p:blipFill>
-          <a:blip r:embed="rId4">
+          <a:blip r:embed="rId4" cstate="print">
             <a:extLst>
               <a:ext uri="{28A0092B-C50C-407E-A947-70E740481C1C}">
                 <a14:useLocalDpi xmlns:a14="http://schemas.microsoft.com/office/drawing/2010/main" val="0"/>

--- a/教學簡報/JavaScript - 1.pptx
+++ b/教學簡報/JavaScript - 1.pptx
@@ -5,7 +5,7 @@
     <p:sldMasterId id="2147484070" r:id="rId1"/>
   </p:sldMasterIdLst>
   <p:notesMasterIdLst>
-    <p:notesMasterId r:id="rId19"/>
+    <p:notesMasterId r:id="rId21"/>
   </p:notesMasterIdLst>
   <p:sldIdLst>
     <p:sldId id="259" r:id="rId2"/>
@@ -20,11 +20,13 @@
     <p:sldId id="309" r:id="rId11"/>
     <p:sldId id="320" r:id="rId12"/>
     <p:sldId id="267" r:id="rId13"/>
-    <p:sldId id="321" r:id="rId14"/>
-    <p:sldId id="322" r:id="rId15"/>
+    <p:sldId id="356" r:id="rId14"/>
+    <p:sldId id="358" r:id="rId15"/>
     <p:sldId id="324" r:id="rId16"/>
-    <p:sldId id="354" r:id="rId17"/>
-    <p:sldId id="289" r:id="rId18"/>
+    <p:sldId id="321" r:id="rId17"/>
+    <p:sldId id="322" r:id="rId18"/>
+    <p:sldId id="354" r:id="rId19"/>
+    <p:sldId id="289" r:id="rId20"/>
   </p:sldIdLst>
   <p:sldSz cx="9144000" cy="6858000" type="screen4x3"/>
   <p:notesSz cx="6858000" cy="9144000"/>
@@ -152,9 +154,11 @@
           <p14:sldIdLst>
             <p14:sldId id="320"/>
             <p14:sldId id="267"/>
+            <p14:sldId id="356"/>
+            <p14:sldId id="358"/>
+            <p14:sldId id="324"/>
             <p14:sldId id="321"/>
             <p14:sldId id="322"/>
-            <p14:sldId id="324"/>
             <p14:sldId id="354"/>
           </p14:sldIdLst>
         </p14:section>
@@ -270,7 +274,7 @@
             <a:fld id="{A5DCF4EA-E40D-43F8-B4CB-7F82BC812DB7}" type="datetimeFigureOut">
               <a:rPr lang="zh-TW" altLang="en-US" smtClean="0"/>
               <a:pPr/>
-              <a:t>2020/7/24</a:t>
+              <a:t>2020/10/20</a:t>
             </a:fld>
             <a:endParaRPr lang="zh-TW" altLang="en-US" dirty="0"/>
           </a:p>
@@ -838,7 +842,45 @@
           <a:bodyPr/>
           <a:lstStyle/>
           <a:p>
-            <a:endParaRPr lang="en-US" altLang="zh-TW" dirty="0"/>
+            <a:pPr marL="0" marR="0" lvl="0" indent="0" algn="l" defTabSz="914400" rtl="0" eaLnBrk="1" fontAlgn="auto" latinLnBrk="0" hangingPunct="1">
+              <a:lnSpc>
+                <a:spcPct val="100000"/>
+              </a:lnSpc>
+              <a:spcBef>
+                <a:spcPts val="0"/>
+              </a:spcBef>
+              <a:spcAft>
+                <a:spcPts val="0"/>
+              </a:spcAft>
+              <a:buClrTx/>
+              <a:buSzTx/>
+              <a:buFontTx/>
+              <a:buNone/>
+              <a:tabLst/>
+              <a:defRPr/>
+            </a:pPr>
+            <a:r>
+              <a:rPr lang="en-US" altLang="zh-TW" dirty="0"/>
+              <a:t>JS</a:t>
+            </a:r>
+            <a:r>
+              <a:rPr lang="zh-TW" altLang="en-US" dirty="0"/>
+              <a:t>為輕量級的手稿語言，手稿語言是為了縮短傳統的編寫、</a:t>
+            </a:r>
+            <a:r>
+              <a:rPr lang="zh-TW" altLang="en-US" u="sng" dirty="0"/>
+              <a:t>編譯、連結、執行，過程而建立的電腦編程語言，所以才會易上手、語法簡易</a:t>
+            </a:r>
+            <a:br>
+              <a:rPr lang="en-US" altLang="zh-TW" u="sng" dirty="0"/>
+            </a:br>
+            <a:r>
+              <a:rPr lang="zh-TW" altLang="en-US" dirty="0"/>
+              <a:t>弱型別的特性就是，變數宣告時無需宣告型態，他會自動根據變數被賦予的值，來判斷當前變數的型態</a:t>
+            </a:r>
+          </a:p>
+          <a:p>
+            <a:endParaRPr lang="en-US" altLang="zh-TW" u="sng" dirty="0"/>
           </a:p>
         </p:txBody>
       </p:sp>
@@ -1061,320 +1103,16 @@
           <a:lstStyle/>
           <a:p>
             <a:r>
-              <a:rPr lang="en" altLang="zh-TW" sz="1200" dirty="0">
-                <a:solidFill>
-                  <a:srgbClr val="569CD6"/>
-                </a:solidFill>
-                <a:latin typeface="Menlo" panose="020B0609030804020204" pitchFamily="49" charset="0"/>
-              </a:rPr>
+              <a:rPr lang="zh-TW" altLang="en-US" dirty="0"/>
+              <a:t>正常來說宣告時需要加</a:t>
+            </a:r>
+            <a:r>
+              <a:rPr lang="en-US" altLang="zh-TW" dirty="0"/>
               <a:t>var</a:t>
             </a:r>
             <a:r>
-              <a:rPr lang="en" altLang="zh-TW" sz="1200" dirty="0">
-                <a:solidFill>
-                  <a:srgbClr val="D4D4D4"/>
-                </a:solidFill>
-                <a:latin typeface="Menlo" panose="020B0609030804020204" pitchFamily="49" charset="0"/>
-              </a:rPr>
-              <a:t> </a:t>
-            </a:r>
-            <a:r>
-              <a:rPr lang="en" altLang="zh-TW" sz="1200" dirty="0">
-                <a:solidFill>
-                  <a:srgbClr val="9CDCFE"/>
-                </a:solidFill>
-                <a:latin typeface="Menlo" panose="020B0609030804020204" pitchFamily="49" charset="0"/>
-              </a:rPr>
-              <a:t>age</a:t>
-            </a:r>
-            <a:r>
-              <a:rPr lang="en" altLang="zh-TW" sz="1200" dirty="0">
-                <a:solidFill>
-                  <a:srgbClr val="D4D4D4"/>
-                </a:solidFill>
-                <a:latin typeface="Menlo" panose="020B0609030804020204" pitchFamily="49" charset="0"/>
-              </a:rPr>
-              <a:t> = </a:t>
-            </a:r>
-            <a:r>
-              <a:rPr lang="en" altLang="zh-TW" sz="1200" dirty="0">
-                <a:solidFill>
-                  <a:srgbClr val="B5CEA8"/>
-                </a:solidFill>
-                <a:latin typeface="Menlo" panose="020B0609030804020204" pitchFamily="49" charset="0"/>
-              </a:rPr>
-              <a:t>22</a:t>
-            </a:r>
-            <a:r>
-              <a:rPr lang="en" altLang="zh-TW" sz="1200" dirty="0">
-                <a:solidFill>
-                  <a:srgbClr val="D4D4D4"/>
-                </a:solidFill>
-                <a:latin typeface="Menlo" panose="020B0609030804020204" pitchFamily="49" charset="0"/>
-              </a:rPr>
-              <a:t>;</a:t>
-            </a:r>
-          </a:p>
-          <a:p>
-            <a:r>
-              <a:rPr lang="en" altLang="zh-TW" sz="1200" dirty="0">
-                <a:solidFill>
-                  <a:srgbClr val="C586C0"/>
-                </a:solidFill>
-                <a:latin typeface="Menlo" panose="020B0609030804020204" pitchFamily="49" charset="0"/>
-              </a:rPr>
-              <a:t>if</a:t>
-            </a:r>
-            <a:r>
-              <a:rPr lang="en" altLang="zh-TW" sz="1200" dirty="0">
-                <a:solidFill>
-                  <a:srgbClr val="D4D4D4"/>
-                </a:solidFill>
-                <a:latin typeface="Menlo" panose="020B0609030804020204" pitchFamily="49" charset="0"/>
-              </a:rPr>
-              <a:t>(</a:t>
-            </a:r>
-            <a:r>
-              <a:rPr lang="en" altLang="zh-TW" sz="1200" dirty="0">
-                <a:solidFill>
-                  <a:srgbClr val="9CDCFE"/>
-                </a:solidFill>
-                <a:latin typeface="Menlo" panose="020B0609030804020204" pitchFamily="49" charset="0"/>
-              </a:rPr>
-              <a:t>age</a:t>
-            </a:r>
-            <a:r>
-              <a:rPr lang="en" altLang="zh-TW" sz="1200" dirty="0">
-                <a:solidFill>
-                  <a:srgbClr val="D4D4D4"/>
-                </a:solidFill>
-                <a:latin typeface="Menlo" panose="020B0609030804020204" pitchFamily="49" charset="0"/>
-              </a:rPr>
-              <a:t> &lt; </a:t>
-            </a:r>
-            <a:r>
-              <a:rPr lang="en" altLang="zh-TW" sz="1200" dirty="0">
-                <a:solidFill>
-                  <a:srgbClr val="B5CEA8"/>
-                </a:solidFill>
-                <a:latin typeface="Menlo" panose="020B0609030804020204" pitchFamily="49" charset="0"/>
-              </a:rPr>
-              <a:t>18</a:t>
-            </a:r>
-            <a:r>
-              <a:rPr lang="en" altLang="zh-TW" sz="1200" dirty="0">
-                <a:solidFill>
-                  <a:srgbClr val="D4D4D4"/>
-                </a:solidFill>
-                <a:latin typeface="Menlo" panose="020B0609030804020204" pitchFamily="49" charset="0"/>
-              </a:rPr>
-              <a:t>){</a:t>
-            </a:r>
-          </a:p>
-          <a:p>
-            <a:r>
-              <a:rPr lang="en" altLang="zh-TW" sz="1200" dirty="0">
-                <a:solidFill>
-                  <a:srgbClr val="9CDCFE"/>
-                </a:solidFill>
-                <a:latin typeface="Menlo" panose="020B0609030804020204" pitchFamily="49" charset="0"/>
-              </a:rPr>
-              <a:t>        </a:t>
-            </a:r>
-            <a:r>
-              <a:rPr lang="en" altLang="zh-TW" sz="1200" dirty="0" err="1">
-                <a:solidFill>
-                  <a:srgbClr val="9CDCFE"/>
-                </a:solidFill>
-                <a:latin typeface="Menlo" panose="020B0609030804020204" pitchFamily="49" charset="0"/>
-              </a:rPr>
-              <a:t>console</a:t>
-            </a:r>
-            <a:r>
-              <a:rPr lang="en" altLang="zh-TW" sz="1200" dirty="0" err="1">
-                <a:solidFill>
-                  <a:srgbClr val="D4D4D4"/>
-                </a:solidFill>
-                <a:latin typeface="Menlo" panose="020B0609030804020204" pitchFamily="49" charset="0"/>
-              </a:rPr>
-              <a:t>.</a:t>
-            </a:r>
-            <a:r>
-              <a:rPr lang="en" altLang="zh-TW" sz="1200" dirty="0" err="1">
-                <a:solidFill>
-                  <a:srgbClr val="DCDCAA"/>
-                </a:solidFill>
-                <a:latin typeface="Menlo" panose="020B0609030804020204" pitchFamily="49" charset="0"/>
-              </a:rPr>
-              <a:t>log</a:t>
-            </a:r>
-            <a:r>
-              <a:rPr lang="en" altLang="zh-TW" sz="1200" dirty="0">
-                <a:solidFill>
-                  <a:srgbClr val="D4D4D4"/>
-                </a:solidFill>
-                <a:latin typeface="Menlo" panose="020B0609030804020204" pitchFamily="49" charset="0"/>
-              </a:rPr>
-              <a:t>(</a:t>
-            </a:r>
-            <a:r>
-              <a:rPr lang="en" altLang="zh-TW" sz="1200" dirty="0">
-                <a:solidFill>
-                  <a:srgbClr val="CE9178"/>
-                </a:solidFill>
-                <a:latin typeface="Menlo" panose="020B0609030804020204" pitchFamily="49" charset="0"/>
-              </a:rPr>
-              <a:t>"</a:t>
-            </a:r>
-            <a:r>
-              <a:rPr lang="zh-TW" altLang="en-US" sz="1200" dirty="0">
-                <a:solidFill>
-                  <a:srgbClr val="CE9178"/>
-                </a:solidFill>
-                <a:latin typeface="Menlo" panose="020B0609030804020204" pitchFamily="49" charset="0"/>
-              </a:rPr>
-              <a:t>未成年</a:t>
-            </a:r>
-            <a:r>
-              <a:rPr lang="en-US" altLang="zh-TW" sz="1200" dirty="0">
-                <a:solidFill>
-                  <a:srgbClr val="CE9178"/>
-                </a:solidFill>
-                <a:latin typeface="Menlo" panose="020B0609030804020204" pitchFamily="49" charset="0"/>
-              </a:rPr>
-              <a:t>"</a:t>
-            </a:r>
-            <a:r>
-              <a:rPr lang="en-US" altLang="zh-TW" sz="1200" dirty="0">
-                <a:solidFill>
-                  <a:srgbClr val="D4D4D4"/>
-                </a:solidFill>
-                <a:latin typeface="Menlo" panose="020B0609030804020204" pitchFamily="49" charset="0"/>
-              </a:rPr>
-              <a:t>);</a:t>
-            </a:r>
-          </a:p>
-          <a:p>
-            <a:r>
-              <a:rPr lang="en-US" altLang="zh-TW" sz="1200" dirty="0">
-                <a:solidFill>
-                  <a:srgbClr val="D4D4D4"/>
-                </a:solidFill>
-                <a:latin typeface="Menlo" panose="020B0609030804020204" pitchFamily="49" charset="0"/>
-              </a:rPr>
-              <a:t>}</a:t>
-            </a:r>
-            <a:r>
-              <a:rPr lang="en" altLang="zh-TW" sz="1200" dirty="0">
-                <a:solidFill>
-                  <a:srgbClr val="C586C0"/>
-                </a:solidFill>
-                <a:latin typeface="Menlo" panose="020B0609030804020204" pitchFamily="49" charset="0"/>
-              </a:rPr>
-              <a:t>else</a:t>
-            </a:r>
-            <a:r>
-              <a:rPr lang="en" altLang="zh-TW" sz="1200" dirty="0">
-                <a:solidFill>
-                  <a:srgbClr val="D4D4D4"/>
-                </a:solidFill>
-                <a:latin typeface="Menlo" panose="020B0609030804020204" pitchFamily="49" charset="0"/>
-              </a:rPr>
-              <a:t>{</a:t>
-            </a:r>
-          </a:p>
-          <a:p>
-            <a:r>
-              <a:rPr lang="en" altLang="zh-TW" sz="1200" dirty="0">
-                <a:solidFill>
-                  <a:srgbClr val="D4D4D4"/>
-                </a:solidFill>
-                <a:latin typeface="Menlo" panose="020B0609030804020204" pitchFamily="49" charset="0"/>
-              </a:rPr>
-              <a:t>        </a:t>
-            </a:r>
-            <a:r>
-              <a:rPr lang="en" altLang="zh-TW" sz="1200" dirty="0" err="1">
-                <a:solidFill>
-                  <a:srgbClr val="9CDCFE"/>
-                </a:solidFill>
-                <a:latin typeface="Menlo" panose="020B0609030804020204" pitchFamily="49" charset="0"/>
-              </a:rPr>
-              <a:t>console</a:t>
-            </a:r>
-            <a:r>
-              <a:rPr lang="en" altLang="zh-TW" sz="1200" dirty="0" err="1">
-                <a:solidFill>
-                  <a:srgbClr val="D4D4D4"/>
-                </a:solidFill>
-                <a:latin typeface="Menlo" panose="020B0609030804020204" pitchFamily="49" charset="0"/>
-              </a:rPr>
-              <a:t>.</a:t>
-            </a:r>
-            <a:r>
-              <a:rPr lang="en" altLang="zh-TW" sz="1200" dirty="0" err="1">
-                <a:solidFill>
-                  <a:srgbClr val="DCDCAA"/>
-                </a:solidFill>
-                <a:latin typeface="Menlo" panose="020B0609030804020204" pitchFamily="49" charset="0"/>
-              </a:rPr>
-              <a:t>log</a:t>
-            </a:r>
-            <a:r>
-              <a:rPr lang="en" altLang="zh-TW" sz="1200" dirty="0">
-                <a:solidFill>
-                  <a:srgbClr val="D4D4D4"/>
-                </a:solidFill>
-                <a:latin typeface="Menlo" panose="020B0609030804020204" pitchFamily="49" charset="0"/>
-              </a:rPr>
-              <a:t>(</a:t>
-            </a:r>
-            <a:r>
-              <a:rPr lang="en" altLang="zh-TW" sz="1200" dirty="0">
-                <a:solidFill>
-                  <a:srgbClr val="CE9178"/>
-                </a:solidFill>
-                <a:latin typeface="Menlo" panose="020B0609030804020204" pitchFamily="49" charset="0"/>
-              </a:rPr>
-              <a:t>"</a:t>
-            </a:r>
-            <a:r>
-              <a:rPr lang="zh-TW" altLang="en-US" sz="1200" dirty="0">
-                <a:solidFill>
-                  <a:srgbClr val="CE9178"/>
-                </a:solidFill>
-                <a:latin typeface="Menlo" panose="020B0609030804020204" pitchFamily="49" charset="0"/>
-              </a:rPr>
-              <a:t>開始老了</a:t>
-            </a:r>
-            <a:r>
-              <a:rPr lang="en-US" altLang="zh-TW" sz="1200" dirty="0">
-                <a:solidFill>
-                  <a:srgbClr val="CE9178"/>
-                </a:solidFill>
-                <a:latin typeface="Menlo" panose="020B0609030804020204" pitchFamily="49" charset="0"/>
-              </a:rPr>
-              <a:t>"</a:t>
-            </a:r>
-            <a:r>
-              <a:rPr lang="en-US" altLang="zh-TW" sz="1200" dirty="0">
-                <a:solidFill>
-                  <a:srgbClr val="D4D4D4"/>
-                </a:solidFill>
-                <a:latin typeface="Menlo" panose="020B0609030804020204" pitchFamily="49" charset="0"/>
-              </a:rPr>
-              <a:t>);</a:t>
-            </a:r>
-          </a:p>
-          <a:p>
-            <a:r>
-              <a:rPr lang="en-US" altLang="zh-TW" sz="1200" dirty="0">
-                <a:solidFill>
-                  <a:srgbClr val="D4D4D4"/>
-                </a:solidFill>
-                <a:latin typeface="Menlo" panose="020B0609030804020204" pitchFamily="49" charset="0"/>
-              </a:rPr>
-              <a:t>}</a:t>
+              <a:rPr lang="zh-TW" altLang="en-US" dirty="0"/>
+              <a:t>，雖然不加也可以，但正確是要加上的</a:t>
             </a:r>
           </a:p>
         </p:txBody>
@@ -1405,7 +1143,7 @@
     </p:spTree>
     <p:extLst>
       <p:ext uri="{BB962C8B-B14F-4D97-AF65-F5344CB8AC3E}">
-        <p14:creationId xmlns:p14="http://schemas.microsoft.com/office/powerpoint/2010/main" val="1774085133"/>
+        <p14:creationId xmlns:p14="http://schemas.microsoft.com/office/powerpoint/2010/main" val="2052095121"/>
       </p:ext>
     </p:extLst>
   </p:cSld>
@@ -1460,232 +1198,60 @@
           <a:lstStyle/>
           <a:p>
             <a:r>
-              <a:rPr lang="en" altLang="zh-TW" sz="1200" dirty="0">
-                <a:solidFill>
-                  <a:srgbClr val="C586C0"/>
-                </a:solidFill>
-                <a:latin typeface="Menlo" panose="020B0609030804020204" pitchFamily="49" charset="0"/>
-              </a:rPr>
-              <a:t>for</a:t>
-            </a:r>
-            <a:r>
-              <a:rPr lang="en" altLang="zh-TW" sz="1200" dirty="0">
-                <a:solidFill>
-                  <a:srgbClr val="D4D4D4"/>
-                </a:solidFill>
-                <a:latin typeface="Menlo" panose="020B0609030804020204" pitchFamily="49" charset="0"/>
-              </a:rPr>
-              <a:t> (</a:t>
-            </a:r>
-            <a:r>
-              <a:rPr lang="en" altLang="zh-TW" sz="1200" dirty="0">
-                <a:solidFill>
-                  <a:srgbClr val="569CD6"/>
-                </a:solidFill>
-                <a:latin typeface="Menlo" panose="020B0609030804020204" pitchFamily="49" charset="0"/>
-              </a:rPr>
-              <a:t>var</a:t>
-            </a:r>
-            <a:r>
-              <a:rPr lang="en" altLang="zh-TW" sz="1200" dirty="0">
-                <a:solidFill>
-                  <a:srgbClr val="D4D4D4"/>
-                </a:solidFill>
-                <a:latin typeface="Menlo" panose="020B0609030804020204" pitchFamily="49" charset="0"/>
-              </a:rPr>
-              <a:t> </a:t>
-            </a:r>
-            <a:r>
-              <a:rPr lang="en" altLang="zh-TW" sz="1200" dirty="0" err="1">
-                <a:solidFill>
-                  <a:srgbClr val="9CDCFE"/>
-                </a:solidFill>
-                <a:latin typeface="Menlo" panose="020B0609030804020204" pitchFamily="49" charset="0"/>
-              </a:rPr>
-              <a:t>i</a:t>
-            </a:r>
-            <a:r>
-              <a:rPr lang="en" altLang="zh-TW" sz="1200" dirty="0">
-                <a:solidFill>
-                  <a:srgbClr val="D4D4D4"/>
-                </a:solidFill>
-                <a:latin typeface="Menlo" panose="020B0609030804020204" pitchFamily="49" charset="0"/>
-              </a:rPr>
-              <a:t> = </a:t>
-            </a:r>
-            <a:r>
-              <a:rPr lang="en" altLang="zh-TW" sz="1200" dirty="0">
-                <a:solidFill>
-                  <a:srgbClr val="B5CEA8"/>
-                </a:solidFill>
-                <a:latin typeface="Menlo" panose="020B0609030804020204" pitchFamily="49" charset="0"/>
-              </a:rPr>
-              <a:t>1</a:t>
-            </a:r>
-            <a:r>
-              <a:rPr lang="en" altLang="zh-TW" sz="1200" dirty="0">
-                <a:solidFill>
-                  <a:srgbClr val="D4D4D4"/>
-                </a:solidFill>
-                <a:latin typeface="Menlo" panose="020B0609030804020204" pitchFamily="49" charset="0"/>
-              </a:rPr>
-              <a:t>; </a:t>
-            </a:r>
-            <a:r>
-              <a:rPr lang="en" altLang="zh-TW" sz="1200" dirty="0" err="1">
-                <a:solidFill>
-                  <a:srgbClr val="9CDCFE"/>
-                </a:solidFill>
-                <a:latin typeface="Menlo" panose="020B0609030804020204" pitchFamily="49" charset="0"/>
-              </a:rPr>
-              <a:t>i</a:t>
-            </a:r>
-            <a:r>
-              <a:rPr lang="en" altLang="zh-TW" sz="1200" dirty="0">
-                <a:solidFill>
-                  <a:srgbClr val="D4D4D4"/>
-                </a:solidFill>
-                <a:latin typeface="Menlo" panose="020B0609030804020204" pitchFamily="49" charset="0"/>
-              </a:rPr>
-              <a:t> &lt; </a:t>
-            </a:r>
-            <a:r>
-              <a:rPr lang="en" altLang="zh-TW" sz="1200" dirty="0">
-                <a:solidFill>
-                  <a:srgbClr val="B5CEA8"/>
-                </a:solidFill>
-                <a:latin typeface="Menlo" panose="020B0609030804020204" pitchFamily="49" charset="0"/>
-              </a:rPr>
-              <a:t>10</a:t>
-            </a:r>
-            <a:r>
-              <a:rPr lang="en" altLang="zh-TW" sz="1200" dirty="0">
-                <a:solidFill>
-                  <a:srgbClr val="D4D4D4"/>
-                </a:solidFill>
-                <a:latin typeface="Menlo" panose="020B0609030804020204" pitchFamily="49" charset="0"/>
-              </a:rPr>
-              <a:t>; </a:t>
-            </a:r>
-            <a:r>
-              <a:rPr lang="en" altLang="zh-TW" sz="1200" dirty="0" err="1">
-                <a:solidFill>
-                  <a:srgbClr val="9CDCFE"/>
-                </a:solidFill>
-                <a:latin typeface="Menlo" panose="020B0609030804020204" pitchFamily="49" charset="0"/>
-              </a:rPr>
-              <a:t>i</a:t>
-            </a:r>
-            <a:r>
-              <a:rPr lang="en" altLang="zh-TW" sz="1200" dirty="0">
-                <a:solidFill>
-                  <a:srgbClr val="D4D4D4"/>
-                </a:solidFill>
-                <a:latin typeface="Menlo" panose="020B0609030804020204" pitchFamily="49" charset="0"/>
-              </a:rPr>
-              <a:t>++)</a:t>
-            </a:r>
-            <a:r>
-              <a:rPr lang="zh-TW" altLang="en-US" sz="1200" dirty="0">
-                <a:solidFill>
-                  <a:srgbClr val="D4D4D4"/>
-                </a:solidFill>
-                <a:latin typeface="Menlo" panose="020B0609030804020204" pitchFamily="49" charset="0"/>
-              </a:rPr>
-              <a:t> </a:t>
-            </a:r>
-            <a:endParaRPr lang="en-US" altLang="zh-TW" sz="1200" dirty="0">
-              <a:solidFill>
-                <a:srgbClr val="D4D4D4"/>
-              </a:solidFill>
-              <a:latin typeface="Menlo" panose="020B0609030804020204" pitchFamily="49" charset="0"/>
-            </a:endParaRPr>
-          </a:p>
-          <a:p>
-            <a:r>
-              <a:rPr lang="en" altLang="zh-TW" sz="1200" dirty="0">
-                <a:solidFill>
-                  <a:srgbClr val="D4D4D4"/>
-                </a:solidFill>
-                <a:latin typeface="Menlo" panose="020B0609030804020204" pitchFamily="49" charset="0"/>
-              </a:rPr>
-              <a:t>{</a:t>
-            </a:r>
-          </a:p>
-          <a:p>
-            <a:r>
-              <a:rPr lang="en" altLang="zh-TW" sz="1200" dirty="0">
-                <a:solidFill>
-                  <a:srgbClr val="9CDCFE"/>
-                </a:solidFill>
-                <a:latin typeface="Menlo" panose="020B0609030804020204" pitchFamily="49" charset="0"/>
-              </a:rPr>
-              <a:t>        </a:t>
-            </a:r>
-            <a:r>
-              <a:rPr lang="en" altLang="zh-TW" sz="1200" dirty="0" err="1">
-                <a:solidFill>
-                  <a:srgbClr val="9CDCFE"/>
-                </a:solidFill>
-                <a:latin typeface="Menlo" panose="020B0609030804020204" pitchFamily="49" charset="0"/>
-              </a:rPr>
-              <a:t>console</a:t>
-            </a:r>
-            <a:r>
-              <a:rPr lang="en" altLang="zh-TW" sz="1200" dirty="0" err="1">
-                <a:solidFill>
-                  <a:srgbClr val="D4D4D4"/>
-                </a:solidFill>
-                <a:latin typeface="Menlo" panose="020B0609030804020204" pitchFamily="49" charset="0"/>
-              </a:rPr>
-              <a:t>.</a:t>
-            </a:r>
-            <a:r>
-              <a:rPr lang="en" altLang="zh-TW" sz="1200" dirty="0" err="1">
-                <a:solidFill>
-                  <a:srgbClr val="DCDCAA"/>
-                </a:solidFill>
-                <a:latin typeface="Menlo" panose="020B0609030804020204" pitchFamily="49" charset="0"/>
-              </a:rPr>
-              <a:t>log</a:t>
-            </a:r>
-            <a:r>
-              <a:rPr lang="en" altLang="zh-TW" sz="1200" dirty="0">
-                <a:solidFill>
-                  <a:srgbClr val="D4D4D4"/>
-                </a:solidFill>
-                <a:latin typeface="Menlo" panose="020B0609030804020204" pitchFamily="49" charset="0"/>
-              </a:rPr>
-              <a:t>(</a:t>
-            </a:r>
-            <a:r>
-              <a:rPr lang="en" altLang="zh-TW" sz="1200" dirty="0" err="1">
-                <a:solidFill>
-                  <a:srgbClr val="9CDCFE"/>
-                </a:solidFill>
-                <a:latin typeface="Menlo" panose="020B0609030804020204" pitchFamily="49" charset="0"/>
-              </a:rPr>
-              <a:t>i</a:t>
-            </a:r>
-            <a:r>
-              <a:rPr lang="en" altLang="zh-TW" sz="1200" dirty="0">
-                <a:solidFill>
-                  <a:srgbClr val="D4D4D4"/>
-                </a:solidFill>
-                <a:latin typeface="Menlo" panose="020B0609030804020204" pitchFamily="49" charset="0"/>
-              </a:rPr>
-              <a:t>);</a:t>
-            </a:r>
-          </a:p>
-          <a:p>
-            <a:r>
-              <a:rPr lang="en" altLang="zh-TW" sz="1200" dirty="0">
-                <a:solidFill>
-                  <a:srgbClr val="D4D4D4"/>
-                </a:solidFill>
-                <a:latin typeface="Menlo" panose="020B0609030804020204" pitchFamily="49" charset="0"/>
-              </a:rPr>
-              <a:t>}</a:t>
+              <a:rPr lang="en-US" altLang="zh-TW" sz="2000" dirty="0"/>
+              <a:t>JS</a:t>
+            </a:r>
+            <a:r>
+              <a:rPr lang="zh-TW" altLang="en-US" sz="2000" dirty="0"/>
+              <a:t>的算術其實跟各位所寫的</a:t>
+            </a:r>
+            <a:r>
+              <a:rPr lang="en-US" altLang="zh-TW" sz="2000" dirty="0"/>
+              <a:t>Java</a:t>
+            </a:r>
+            <a:r>
+              <a:rPr lang="zh-TW" altLang="en-US" sz="2000" dirty="0"/>
+              <a:t>沒有太大不同，也是使用</a:t>
+            </a:r>
+            <a:r>
+              <a:rPr lang="en-US" altLang="zh-TW" sz="2000" dirty="0"/>
+              <a:t> +</a:t>
+            </a:r>
+            <a:r>
+              <a:rPr lang="zh-TW" altLang="en-US" sz="2000" dirty="0"/>
+              <a:t>、</a:t>
+            </a:r>
+            <a:r>
+              <a:rPr lang="en-US" altLang="zh-TW" sz="2000" dirty="0"/>
+              <a:t>-</a:t>
+            </a:r>
+            <a:r>
+              <a:rPr lang="zh-TW" altLang="en-US" sz="2000" dirty="0"/>
+              <a:t>、</a:t>
+            </a:r>
+            <a:r>
+              <a:rPr lang="en-US" altLang="zh-TW" sz="2000" dirty="0"/>
+              <a:t>*</a:t>
+            </a:r>
+            <a:r>
+              <a:rPr lang="zh-TW" altLang="en-US" sz="2000" dirty="0"/>
+              <a:t>、</a:t>
+            </a:r>
+            <a:r>
+              <a:rPr lang="en-US" altLang="zh-TW" sz="2000" dirty="0"/>
+              <a:t>/</a:t>
+            </a:r>
+            <a:r>
+              <a:rPr lang="zh-TW" altLang="en-US" sz="2000" dirty="0"/>
+              <a:t>，但</a:t>
+            </a:r>
+            <a:r>
+              <a:rPr lang="en-US" altLang="zh-TW" sz="2000" dirty="0"/>
+              <a:t>+</a:t>
+            </a:r>
+            <a:r>
+              <a:rPr lang="zh-TW" altLang="en-US" sz="2000" dirty="0"/>
+              <a:t>可以用來做字符串接</a:t>
             </a:r>
           </a:p>
         </p:txBody>
@@ -1716,7 +1282,7 @@
     </p:spTree>
     <p:extLst>
       <p:ext uri="{BB962C8B-B14F-4D97-AF65-F5344CB8AC3E}">
-        <p14:creationId xmlns:p14="http://schemas.microsoft.com/office/powerpoint/2010/main" val="697546235"/>
+        <p14:creationId xmlns:p14="http://schemas.microsoft.com/office/powerpoint/2010/main" val="3560062510"/>
       </p:ext>
     </p:extLst>
   </p:cSld>
@@ -1780,7 +1346,7 @@
                 <a:ea typeface="微軟正黑體" panose="020B0604030504040204" pitchFamily="34" charset="-120"/>
                 <a:cs typeface="+mn-cs"/>
               </a:rPr>
-              <a:t>document.write</a:t>
+              <a:t>console.log</a:t>
             </a:r>
             <a:r>
               <a:rPr lang="en" altLang="zh-TW" sz="1200" b="0" kern="1200" dirty="0">
@@ -1804,67 +1370,7 @@
                 <a:ea typeface="微軟正黑體" panose="020B0604030504040204" pitchFamily="34" charset="-120"/>
                 <a:cs typeface="+mn-cs"/>
               </a:rPr>
-              <a:t>可以用來顯示字串又或是</a:t>
-            </a:r>
-            <a:r>
-              <a:rPr lang="en-US" altLang="zh-TW" sz="1200" b="0" kern="1200" dirty="0">
-                <a:solidFill>
-                  <a:schemeClr val="tx1"/>
-                </a:solidFill>
-                <a:effectLst/>
-                <a:latin typeface="+mn-lt"/>
-                <a:ea typeface="微軟正黑體" panose="020B0604030504040204" pitchFamily="34" charset="-120"/>
-                <a:cs typeface="+mn-cs"/>
-              </a:rPr>
-              <a:t>HTML</a:t>
-            </a:r>
-            <a:r>
-              <a:rPr lang="zh-TW" altLang="en-US" sz="1200" b="0" kern="1200" dirty="0">
-                <a:solidFill>
-                  <a:schemeClr val="tx1"/>
-                </a:solidFill>
-                <a:effectLst/>
-                <a:latin typeface="+mn-lt"/>
-                <a:ea typeface="微軟正黑體" panose="020B0604030504040204" pitchFamily="34" charset="-120"/>
-                <a:cs typeface="+mn-cs"/>
-              </a:rPr>
-              <a:t>標籤也可以，要串接個字串可以使用</a:t>
-            </a:r>
-            <a:r>
-              <a:rPr lang="en-US" altLang="zh-TW" sz="1200" b="0" kern="1200" dirty="0">
-                <a:solidFill>
-                  <a:schemeClr val="tx1"/>
-                </a:solidFill>
-                <a:effectLst/>
-                <a:latin typeface="+mn-lt"/>
-                <a:ea typeface="微軟正黑體" panose="020B0604030504040204" pitchFamily="34" charset="-120"/>
-                <a:cs typeface="+mn-cs"/>
-              </a:rPr>
-              <a:t>" + "</a:t>
-            </a:r>
-            <a:r>
-              <a:rPr lang="zh-TW" altLang="en-US" sz="1200" b="0" kern="1200" dirty="0">
-                <a:solidFill>
-                  <a:schemeClr val="tx1"/>
-                </a:solidFill>
-                <a:effectLst/>
-                <a:latin typeface="+mn-lt"/>
-                <a:ea typeface="微軟正黑體" panose="020B0604030504040204" pitchFamily="34" charset="-120"/>
-                <a:cs typeface="+mn-cs"/>
-              </a:rPr>
-              <a:t>來串接</a:t>
-            </a:r>
-            <a:r>
-              <a:rPr lang="en-US" altLang="zh-TW" sz="1200" b="0" kern="1200" dirty="0">
-                <a:solidFill>
-                  <a:schemeClr val="tx1"/>
-                </a:solidFill>
-                <a:effectLst/>
-                <a:latin typeface="+mn-lt"/>
-                <a:ea typeface="微軟正黑體" panose="020B0604030504040204" pitchFamily="34" charset="-120"/>
-                <a:cs typeface="+mn-cs"/>
-              </a:rPr>
-              <a:t> </a:t>
+              <a:t> 只會顯示於瀏覽器主控台，並不會造成什麼其他事情，所以很常拿來做除錯使用</a:t>
             </a:r>
             <a:endParaRPr lang="en" altLang="zh-TW" sz="1200" b="0" kern="1200" dirty="0">
               <a:solidFill>
@@ -1958,7 +1464,322 @@
           <a:bodyPr/>
           <a:lstStyle/>
           <a:p>
-            <a:endParaRPr lang="zh-TW" altLang="en-US" dirty="0"/>
+            <a:r>
+              <a:rPr lang="en" altLang="zh-TW" sz="1200" dirty="0">
+                <a:solidFill>
+                  <a:srgbClr val="569CD6"/>
+                </a:solidFill>
+                <a:latin typeface="Menlo" panose="020B0609030804020204" pitchFamily="49" charset="0"/>
+              </a:rPr>
+              <a:t>var</a:t>
+            </a:r>
+            <a:r>
+              <a:rPr lang="en" altLang="zh-TW" sz="1200" dirty="0">
+                <a:solidFill>
+                  <a:srgbClr val="D4D4D4"/>
+                </a:solidFill>
+                <a:latin typeface="Menlo" panose="020B0609030804020204" pitchFamily="49" charset="0"/>
+              </a:rPr>
+              <a:t> </a:t>
+            </a:r>
+            <a:r>
+              <a:rPr lang="en" altLang="zh-TW" sz="1200" dirty="0">
+                <a:solidFill>
+                  <a:srgbClr val="9CDCFE"/>
+                </a:solidFill>
+                <a:latin typeface="Menlo" panose="020B0609030804020204" pitchFamily="49" charset="0"/>
+              </a:rPr>
+              <a:t>age</a:t>
+            </a:r>
+            <a:r>
+              <a:rPr lang="en" altLang="zh-TW" sz="1200" dirty="0">
+                <a:solidFill>
+                  <a:srgbClr val="D4D4D4"/>
+                </a:solidFill>
+                <a:latin typeface="Menlo" panose="020B0609030804020204" pitchFamily="49" charset="0"/>
+              </a:rPr>
+              <a:t> = </a:t>
+            </a:r>
+            <a:r>
+              <a:rPr lang="en" altLang="zh-TW" sz="1200" dirty="0">
+                <a:solidFill>
+                  <a:srgbClr val="B5CEA8"/>
+                </a:solidFill>
+                <a:latin typeface="Menlo" panose="020B0609030804020204" pitchFamily="49" charset="0"/>
+              </a:rPr>
+              <a:t>22</a:t>
+            </a:r>
+            <a:r>
+              <a:rPr lang="en" altLang="zh-TW" sz="1200" dirty="0">
+                <a:solidFill>
+                  <a:srgbClr val="D4D4D4"/>
+                </a:solidFill>
+                <a:latin typeface="Menlo" panose="020B0609030804020204" pitchFamily="49" charset="0"/>
+              </a:rPr>
+              <a:t>;</a:t>
+            </a:r>
+          </a:p>
+          <a:p>
+            <a:r>
+              <a:rPr lang="en" altLang="zh-TW" sz="1200" dirty="0">
+                <a:solidFill>
+                  <a:srgbClr val="C586C0"/>
+                </a:solidFill>
+                <a:latin typeface="Menlo" panose="020B0609030804020204" pitchFamily="49" charset="0"/>
+              </a:rPr>
+              <a:t>if</a:t>
+            </a:r>
+            <a:r>
+              <a:rPr lang="en" altLang="zh-TW" sz="1200" dirty="0">
+                <a:solidFill>
+                  <a:srgbClr val="D4D4D4"/>
+                </a:solidFill>
+                <a:latin typeface="Menlo" panose="020B0609030804020204" pitchFamily="49" charset="0"/>
+              </a:rPr>
+              <a:t>(</a:t>
+            </a:r>
+            <a:r>
+              <a:rPr lang="en" altLang="zh-TW" sz="1200" dirty="0">
+                <a:solidFill>
+                  <a:srgbClr val="9CDCFE"/>
+                </a:solidFill>
+                <a:latin typeface="Menlo" panose="020B0609030804020204" pitchFamily="49" charset="0"/>
+              </a:rPr>
+              <a:t>age</a:t>
+            </a:r>
+            <a:r>
+              <a:rPr lang="en" altLang="zh-TW" sz="1200" dirty="0">
+                <a:solidFill>
+                  <a:srgbClr val="D4D4D4"/>
+                </a:solidFill>
+                <a:latin typeface="Menlo" panose="020B0609030804020204" pitchFamily="49" charset="0"/>
+              </a:rPr>
+              <a:t> &lt; </a:t>
+            </a:r>
+            <a:r>
+              <a:rPr lang="en" altLang="zh-TW" sz="1200" dirty="0">
+                <a:solidFill>
+                  <a:srgbClr val="B5CEA8"/>
+                </a:solidFill>
+                <a:latin typeface="Menlo" panose="020B0609030804020204" pitchFamily="49" charset="0"/>
+              </a:rPr>
+              <a:t>18</a:t>
+            </a:r>
+            <a:r>
+              <a:rPr lang="en" altLang="zh-TW" sz="1200" dirty="0">
+                <a:solidFill>
+                  <a:srgbClr val="D4D4D4"/>
+                </a:solidFill>
+                <a:latin typeface="Menlo" panose="020B0609030804020204" pitchFamily="49" charset="0"/>
+              </a:rPr>
+              <a:t>){</a:t>
+            </a:r>
+          </a:p>
+          <a:p>
+            <a:r>
+              <a:rPr lang="en" altLang="zh-TW" sz="1200" dirty="0">
+                <a:solidFill>
+                  <a:srgbClr val="9CDCFE"/>
+                </a:solidFill>
+                <a:latin typeface="Menlo" panose="020B0609030804020204" pitchFamily="49" charset="0"/>
+              </a:rPr>
+              <a:t>        </a:t>
+            </a:r>
+            <a:r>
+              <a:rPr lang="en" altLang="zh-TW" sz="1200" dirty="0" err="1">
+                <a:solidFill>
+                  <a:srgbClr val="9CDCFE"/>
+                </a:solidFill>
+                <a:latin typeface="Menlo" panose="020B0609030804020204" pitchFamily="49" charset="0"/>
+              </a:rPr>
+              <a:t>console</a:t>
+            </a:r>
+            <a:r>
+              <a:rPr lang="en" altLang="zh-TW" sz="1200" dirty="0" err="1">
+                <a:solidFill>
+                  <a:srgbClr val="D4D4D4"/>
+                </a:solidFill>
+                <a:latin typeface="Menlo" panose="020B0609030804020204" pitchFamily="49" charset="0"/>
+              </a:rPr>
+              <a:t>.</a:t>
+            </a:r>
+            <a:r>
+              <a:rPr lang="en" altLang="zh-TW" sz="1200" dirty="0" err="1">
+                <a:solidFill>
+                  <a:srgbClr val="DCDCAA"/>
+                </a:solidFill>
+                <a:latin typeface="Menlo" panose="020B0609030804020204" pitchFamily="49" charset="0"/>
+              </a:rPr>
+              <a:t>log</a:t>
+            </a:r>
+            <a:r>
+              <a:rPr lang="en" altLang="zh-TW" sz="1200" dirty="0">
+                <a:solidFill>
+                  <a:srgbClr val="D4D4D4"/>
+                </a:solidFill>
+                <a:latin typeface="Menlo" panose="020B0609030804020204" pitchFamily="49" charset="0"/>
+              </a:rPr>
+              <a:t>(</a:t>
+            </a:r>
+            <a:r>
+              <a:rPr lang="en" altLang="zh-TW" sz="1200" dirty="0">
+                <a:solidFill>
+                  <a:srgbClr val="CE9178"/>
+                </a:solidFill>
+                <a:latin typeface="Menlo" panose="020B0609030804020204" pitchFamily="49" charset="0"/>
+              </a:rPr>
+              <a:t>"</a:t>
+            </a:r>
+            <a:r>
+              <a:rPr lang="zh-TW" altLang="en-US" sz="1200" dirty="0">
+                <a:solidFill>
+                  <a:srgbClr val="CE9178"/>
+                </a:solidFill>
+                <a:latin typeface="Menlo" panose="020B0609030804020204" pitchFamily="49" charset="0"/>
+              </a:rPr>
+              <a:t>未成年</a:t>
+            </a:r>
+            <a:r>
+              <a:rPr lang="en-US" altLang="zh-TW" sz="1200" dirty="0">
+                <a:solidFill>
+                  <a:srgbClr val="CE9178"/>
+                </a:solidFill>
+                <a:latin typeface="Menlo" panose="020B0609030804020204" pitchFamily="49" charset="0"/>
+              </a:rPr>
+              <a:t>"</a:t>
+            </a:r>
+            <a:r>
+              <a:rPr lang="en-US" altLang="zh-TW" sz="1200" dirty="0">
+                <a:solidFill>
+                  <a:srgbClr val="D4D4D4"/>
+                </a:solidFill>
+                <a:latin typeface="Menlo" panose="020B0609030804020204" pitchFamily="49" charset="0"/>
+              </a:rPr>
+              <a:t>);</a:t>
+            </a:r>
+          </a:p>
+          <a:p>
+            <a:r>
+              <a:rPr lang="en-US" altLang="zh-TW" sz="1200" dirty="0">
+                <a:solidFill>
+                  <a:srgbClr val="D4D4D4"/>
+                </a:solidFill>
+                <a:latin typeface="Menlo" panose="020B0609030804020204" pitchFamily="49" charset="0"/>
+              </a:rPr>
+              <a:t>}</a:t>
+            </a:r>
+            <a:r>
+              <a:rPr lang="en" altLang="zh-TW" sz="1200" dirty="0">
+                <a:solidFill>
+                  <a:srgbClr val="C586C0"/>
+                </a:solidFill>
+                <a:latin typeface="Menlo" panose="020B0609030804020204" pitchFamily="49" charset="0"/>
+              </a:rPr>
+              <a:t>else</a:t>
+            </a:r>
+            <a:r>
+              <a:rPr lang="en" altLang="zh-TW" sz="1200" dirty="0">
+                <a:solidFill>
+                  <a:srgbClr val="D4D4D4"/>
+                </a:solidFill>
+                <a:latin typeface="Menlo" panose="020B0609030804020204" pitchFamily="49" charset="0"/>
+              </a:rPr>
+              <a:t>{</a:t>
+            </a:r>
+          </a:p>
+          <a:p>
+            <a:r>
+              <a:rPr lang="en" altLang="zh-TW" sz="1200" dirty="0">
+                <a:solidFill>
+                  <a:srgbClr val="D4D4D4"/>
+                </a:solidFill>
+                <a:latin typeface="Menlo" panose="020B0609030804020204" pitchFamily="49" charset="0"/>
+              </a:rPr>
+              <a:t>        </a:t>
+            </a:r>
+            <a:r>
+              <a:rPr lang="en" altLang="zh-TW" sz="1200" dirty="0" err="1">
+                <a:solidFill>
+                  <a:srgbClr val="9CDCFE"/>
+                </a:solidFill>
+                <a:latin typeface="Menlo" panose="020B0609030804020204" pitchFamily="49" charset="0"/>
+              </a:rPr>
+              <a:t>console</a:t>
+            </a:r>
+            <a:r>
+              <a:rPr lang="en" altLang="zh-TW" sz="1200" dirty="0" err="1">
+                <a:solidFill>
+                  <a:srgbClr val="D4D4D4"/>
+                </a:solidFill>
+                <a:latin typeface="Menlo" panose="020B0609030804020204" pitchFamily="49" charset="0"/>
+              </a:rPr>
+              <a:t>.</a:t>
+            </a:r>
+            <a:r>
+              <a:rPr lang="en" altLang="zh-TW" sz="1200" dirty="0" err="1">
+                <a:solidFill>
+                  <a:srgbClr val="DCDCAA"/>
+                </a:solidFill>
+                <a:latin typeface="Menlo" panose="020B0609030804020204" pitchFamily="49" charset="0"/>
+              </a:rPr>
+              <a:t>log</a:t>
+            </a:r>
+            <a:r>
+              <a:rPr lang="en" altLang="zh-TW" sz="1200" dirty="0">
+                <a:solidFill>
+                  <a:srgbClr val="D4D4D4"/>
+                </a:solidFill>
+                <a:latin typeface="Menlo" panose="020B0609030804020204" pitchFamily="49" charset="0"/>
+              </a:rPr>
+              <a:t>(</a:t>
+            </a:r>
+            <a:r>
+              <a:rPr lang="en" altLang="zh-TW" sz="1200" dirty="0">
+                <a:solidFill>
+                  <a:srgbClr val="CE9178"/>
+                </a:solidFill>
+                <a:latin typeface="Menlo" panose="020B0609030804020204" pitchFamily="49" charset="0"/>
+              </a:rPr>
+              <a:t>"</a:t>
+            </a:r>
+            <a:r>
+              <a:rPr lang="zh-TW" altLang="en-US" sz="1200" dirty="0">
+                <a:solidFill>
+                  <a:srgbClr val="CE9178"/>
+                </a:solidFill>
+                <a:latin typeface="Menlo" panose="020B0609030804020204" pitchFamily="49" charset="0"/>
+              </a:rPr>
+              <a:t>開始老了</a:t>
+            </a:r>
+            <a:r>
+              <a:rPr lang="en-US" altLang="zh-TW" sz="1200" dirty="0">
+                <a:solidFill>
+                  <a:srgbClr val="CE9178"/>
+                </a:solidFill>
+                <a:latin typeface="Menlo" panose="020B0609030804020204" pitchFamily="49" charset="0"/>
+              </a:rPr>
+              <a:t>"</a:t>
+            </a:r>
+            <a:r>
+              <a:rPr lang="en-US" altLang="zh-TW" sz="1200" dirty="0">
+                <a:solidFill>
+                  <a:srgbClr val="D4D4D4"/>
+                </a:solidFill>
+                <a:latin typeface="Menlo" panose="020B0609030804020204" pitchFamily="49" charset="0"/>
+              </a:rPr>
+              <a:t>);</a:t>
+            </a:r>
+          </a:p>
+          <a:p>
+            <a:r>
+              <a:rPr lang="en-US" altLang="zh-TW" sz="1200" dirty="0">
+                <a:solidFill>
+                  <a:srgbClr val="D4D4D4"/>
+                </a:solidFill>
+                <a:latin typeface="Menlo" panose="020B0609030804020204" pitchFamily="49" charset="0"/>
+              </a:rPr>
+              <a:t>}</a:t>
+            </a:r>
           </a:p>
         </p:txBody>
       </p:sp>
@@ -1988,7 +1809,7 @@
     </p:spTree>
     <p:extLst>
       <p:ext uri="{BB962C8B-B14F-4D97-AF65-F5344CB8AC3E}">
-        <p14:creationId xmlns:p14="http://schemas.microsoft.com/office/powerpoint/2010/main" val="2777034489"/>
+        <p14:creationId xmlns:p14="http://schemas.microsoft.com/office/powerpoint/2010/main" val="1774085133"/>
       </p:ext>
     </p:extLst>
   </p:cSld>
@@ -2042,7 +1863,234 @@
           <a:bodyPr/>
           <a:lstStyle/>
           <a:p>
-            <a:endParaRPr lang="zh-TW" altLang="en-US"/>
+            <a:r>
+              <a:rPr lang="en" altLang="zh-TW" sz="1200" dirty="0">
+                <a:solidFill>
+                  <a:srgbClr val="C586C0"/>
+                </a:solidFill>
+                <a:latin typeface="Menlo" panose="020B0609030804020204" pitchFamily="49" charset="0"/>
+              </a:rPr>
+              <a:t>for</a:t>
+            </a:r>
+            <a:r>
+              <a:rPr lang="en" altLang="zh-TW" sz="1200" dirty="0">
+                <a:solidFill>
+                  <a:srgbClr val="D4D4D4"/>
+                </a:solidFill>
+                <a:latin typeface="Menlo" panose="020B0609030804020204" pitchFamily="49" charset="0"/>
+              </a:rPr>
+              <a:t> (</a:t>
+            </a:r>
+            <a:r>
+              <a:rPr lang="en" altLang="zh-TW" sz="1200" dirty="0">
+                <a:solidFill>
+                  <a:srgbClr val="569CD6"/>
+                </a:solidFill>
+                <a:latin typeface="Menlo" panose="020B0609030804020204" pitchFamily="49" charset="0"/>
+              </a:rPr>
+              <a:t>var</a:t>
+            </a:r>
+            <a:r>
+              <a:rPr lang="en" altLang="zh-TW" sz="1200" dirty="0">
+                <a:solidFill>
+                  <a:srgbClr val="D4D4D4"/>
+                </a:solidFill>
+                <a:latin typeface="Menlo" panose="020B0609030804020204" pitchFamily="49" charset="0"/>
+              </a:rPr>
+              <a:t> </a:t>
+            </a:r>
+            <a:r>
+              <a:rPr lang="en" altLang="zh-TW" sz="1200" dirty="0" err="1">
+                <a:solidFill>
+                  <a:srgbClr val="9CDCFE"/>
+                </a:solidFill>
+                <a:latin typeface="Menlo" panose="020B0609030804020204" pitchFamily="49" charset="0"/>
+              </a:rPr>
+              <a:t>i</a:t>
+            </a:r>
+            <a:r>
+              <a:rPr lang="en" altLang="zh-TW" sz="1200" dirty="0">
+                <a:solidFill>
+                  <a:srgbClr val="D4D4D4"/>
+                </a:solidFill>
+                <a:latin typeface="Menlo" panose="020B0609030804020204" pitchFamily="49" charset="0"/>
+              </a:rPr>
+              <a:t> = </a:t>
+            </a:r>
+            <a:r>
+              <a:rPr lang="en" altLang="zh-TW" sz="1200" dirty="0">
+                <a:solidFill>
+                  <a:srgbClr val="B5CEA8"/>
+                </a:solidFill>
+                <a:latin typeface="Menlo" panose="020B0609030804020204" pitchFamily="49" charset="0"/>
+              </a:rPr>
+              <a:t>1</a:t>
+            </a:r>
+            <a:r>
+              <a:rPr lang="en" altLang="zh-TW" sz="1200" dirty="0">
+                <a:solidFill>
+                  <a:srgbClr val="D4D4D4"/>
+                </a:solidFill>
+                <a:latin typeface="Menlo" panose="020B0609030804020204" pitchFamily="49" charset="0"/>
+              </a:rPr>
+              <a:t>; </a:t>
+            </a:r>
+            <a:r>
+              <a:rPr lang="en" altLang="zh-TW" sz="1200" dirty="0" err="1">
+                <a:solidFill>
+                  <a:srgbClr val="9CDCFE"/>
+                </a:solidFill>
+                <a:latin typeface="Menlo" panose="020B0609030804020204" pitchFamily="49" charset="0"/>
+              </a:rPr>
+              <a:t>i</a:t>
+            </a:r>
+            <a:r>
+              <a:rPr lang="en" altLang="zh-TW" sz="1200" dirty="0">
+                <a:solidFill>
+                  <a:srgbClr val="D4D4D4"/>
+                </a:solidFill>
+                <a:latin typeface="Menlo" panose="020B0609030804020204" pitchFamily="49" charset="0"/>
+              </a:rPr>
+              <a:t> &lt; </a:t>
+            </a:r>
+            <a:r>
+              <a:rPr lang="en" altLang="zh-TW" sz="1200" dirty="0">
+                <a:solidFill>
+                  <a:srgbClr val="B5CEA8"/>
+                </a:solidFill>
+                <a:latin typeface="Menlo" panose="020B0609030804020204" pitchFamily="49" charset="0"/>
+              </a:rPr>
+              <a:t>10</a:t>
+            </a:r>
+            <a:r>
+              <a:rPr lang="en" altLang="zh-TW" sz="1200" dirty="0">
+                <a:solidFill>
+                  <a:srgbClr val="D4D4D4"/>
+                </a:solidFill>
+                <a:latin typeface="Menlo" panose="020B0609030804020204" pitchFamily="49" charset="0"/>
+              </a:rPr>
+              <a:t>; </a:t>
+            </a:r>
+            <a:r>
+              <a:rPr lang="en" altLang="zh-TW" sz="1200" dirty="0" err="1">
+                <a:solidFill>
+                  <a:srgbClr val="9CDCFE"/>
+                </a:solidFill>
+                <a:latin typeface="Menlo" panose="020B0609030804020204" pitchFamily="49" charset="0"/>
+              </a:rPr>
+              <a:t>i</a:t>
+            </a:r>
+            <a:r>
+              <a:rPr lang="en" altLang="zh-TW" sz="1200" dirty="0">
+                <a:solidFill>
+                  <a:srgbClr val="D4D4D4"/>
+                </a:solidFill>
+                <a:latin typeface="Menlo" panose="020B0609030804020204" pitchFamily="49" charset="0"/>
+              </a:rPr>
+              <a:t>++)</a:t>
+            </a:r>
+            <a:r>
+              <a:rPr lang="zh-TW" altLang="en-US" sz="1200" dirty="0">
+                <a:solidFill>
+                  <a:srgbClr val="D4D4D4"/>
+                </a:solidFill>
+                <a:latin typeface="Menlo" panose="020B0609030804020204" pitchFamily="49" charset="0"/>
+              </a:rPr>
+              <a:t> </a:t>
+            </a:r>
+            <a:endParaRPr lang="en-US" altLang="zh-TW" sz="1200" dirty="0">
+              <a:solidFill>
+                <a:srgbClr val="D4D4D4"/>
+              </a:solidFill>
+              <a:latin typeface="Menlo" panose="020B0609030804020204" pitchFamily="49" charset="0"/>
+            </a:endParaRPr>
+          </a:p>
+          <a:p>
+            <a:r>
+              <a:rPr lang="en" altLang="zh-TW" sz="1200" dirty="0">
+                <a:solidFill>
+                  <a:srgbClr val="D4D4D4"/>
+                </a:solidFill>
+                <a:latin typeface="Menlo" panose="020B0609030804020204" pitchFamily="49" charset="0"/>
+              </a:rPr>
+              <a:t>{</a:t>
+            </a:r>
+          </a:p>
+          <a:p>
+            <a:r>
+              <a:rPr lang="en" altLang="zh-TW" sz="1200" dirty="0">
+                <a:solidFill>
+                  <a:srgbClr val="9CDCFE"/>
+                </a:solidFill>
+                <a:latin typeface="Menlo" panose="020B0609030804020204" pitchFamily="49" charset="0"/>
+              </a:rPr>
+              <a:t>        </a:t>
+            </a:r>
+            <a:r>
+              <a:rPr lang="en" altLang="zh-TW" sz="1200" dirty="0" err="1">
+                <a:solidFill>
+                  <a:srgbClr val="9CDCFE"/>
+                </a:solidFill>
+                <a:latin typeface="Menlo" panose="020B0609030804020204" pitchFamily="49" charset="0"/>
+              </a:rPr>
+              <a:t>console</a:t>
+            </a:r>
+            <a:r>
+              <a:rPr lang="en" altLang="zh-TW" sz="1200" dirty="0" err="1">
+                <a:solidFill>
+                  <a:srgbClr val="D4D4D4"/>
+                </a:solidFill>
+                <a:latin typeface="Menlo" panose="020B0609030804020204" pitchFamily="49" charset="0"/>
+              </a:rPr>
+              <a:t>.</a:t>
+            </a:r>
+            <a:r>
+              <a:rPr lang="en" altLang="zh-TW" sz="1200" dirty="0" err="1">
+                <a:solidFill>
+                  <a:srgbClr val="DCDCAA"/>
+                </a:solidFill>
+                <a:latin typeface="Menlo" panose="020B0609030804020204" pitchFamily="49" charset="0"/>
+              </a:rPr>
+              <a:t>log</a:t>
+            </a:r>
+            <a:r>
+              <a:rPr lang="en" altLang="zh-TW" sz="1200" dirty="0">
+                <a:solidFill>
+                  <a:srgbClr val="D4D4D4"/>
+                </a:solidFill>
+                <a:latin typeface="Menlo" panose="020B0609030804020204" pitchFamily="49" charset="0"/>
+              </a:rPr>
+              <a:t>(</a:t>
+            </a:r>
+            <a:r>
+              <a:rPr lang="en" altLang="zh-TW" sz="1200" dirty="0" err="1">
+                <a:solidFill>
+                  <a:srgbClr val="9CDCFE"/>
+                </a:solidFill>
+                <a:latin typeface="Menlo" panose="020B0609030804020204" pitchFamily="49" charset="0"/>
+              </a:rPr>
+              <a:t>i</a:t>
+            </a:r>
+            <a:r>
+              <a:rPr lang="en" altLang="zh-TW" sz="1200" dirty="0">
+                <a:solidFill>
+                  <a:srgbClr val="D4D4D4"/>
+                </a:solidFill>
+                <a:latin typeface="Menlo" panose="020B0609030804020204" pitchFamily="49" charset="0"/>
+              </a:rPr>
+              <a:t>);</a:t>
+            </a:r>
+          </a:p>
+          <a:p>
+            <a:r>
+              <a:rPr lang="en" altLang="zh-TW" sz="1200" dirty="0">
+                <a:solidFill>
+                  <a:srgbClr val="D4D4D4"/>
+                </a:solidFill>
+                <a:latin typeface="Menlo" panose="020B0609030804020204" pitchFamily="49" charset="0"/>
+              </a:rPr>
+              <a:t>}</a:t>
+            </a:r>
           </a:p>
         </p:txBody>
       </p:sp>
@@ -2064,6 +2112,174 @@
             <a:fld id="{288A6225-17E4-4F1A-9B1B-5D6F54C0EC31}" type="slidenum">
               <a:rPr lang="zh-TW" altLang="en-US" smtClean="0"/>
               <a:t>17</a:t>
+            </a:fld>
+            <a:endParaRPr lang="zh-TW" altLang="en-US"/>
+          </a:p>
+        </p:txBody>
+      </p:sp>
+    </p:spTree>
+    <p:extLst>
+      <p:ext uri="{BB962C8B-B14F-4D97-AF65-F5344CB8AC3E}">
+        <p14:creationId xmlns:p14="http://schemas.microsoft.com/office/powerpoint/2010/main" val="697546235"/>
+      </p:ext>
+    </p:extLst>
+  </p:cSld>
+  <p:clrMapOvr>
+    <a:masterClrMapping/>
+  </p:clrMapOvr>
+</p:notes>
+</file>
+
+<file path=ppt/notesSlides/notesSlide18.xml><?xml version="1.0" encoding="utf-8"?>
+<p:notes xmlns:a="http://schemas.openxmlformats.org/drawingml/2006/main" xmlns:r="http://schemas.openxmlformats.org/officeDocument/2006/relationships" xmlns:p="http://schemas.openxmlformats.org/presentationml/2006/main">
+  <p:cSld>
+    <p:spTree>
+      <p:nvGrpSpPr>
+        <p:cNvPr id="1" name=""/>
+        <p:cNvGrpSpPr/>
+        <p:nvPr/>
+      </p:nvGrpSpPr>
+      <p:grpSpPr>
+        <a:xfrm>
+          <a:off x="0" y="0"/>
+          <a:ext cx="0" cy="0"/>
+          <a:chOff x="0" y="0"/>
+          <a:chExt cx="0" cy="0"/>
+        </a:xfrm>
+      </p:grpSpPr>
+      <p:sp>
+        <p:nvSpPr>
+          <p:cNvPr id="2" name="投影片圖像版面配置區 1"/>
+          <p:cNvSpPr>
+            <a:spLocks noGrp="1" noRot="1" noChangeAspect="1"/>
+          </p:cNvSpPr>
+          <p:nvPr>
+            <p:ph type="sldImg"/>
+          </p:nvPr>
+        </p:nvSpPr>
+        <p:spPr/>
+      </p:sp>
+      <p:sp>
+        <p:nvSpPr>
+          <p:cNvPr id="3" name="備忘稿版面配置區 2"/>
+          <p:cNvSpPr>
+            <a:spLocks noGrp="1"/>
+          </p:cNvSpPr>
+          <p:nvPr>
+            <p:ph type="body" idx="1"/>
+          </p:nvPr>
+        </p:nvSpPr>
+        <p:spPr/>
+        <p:txBody>
+          <a:bodyPr/>
+          <a:lstStyle/>
+          <a:p>
+            <a:endParaRPr lang="zh-TW" altLang="en-US" dirty="0"/>
+          </a:p>
+        </p:txBody>
+      </p:sp>
+      <p:sp>
+        <p:nvSpPr>
+          <p:cNvPr id="4" name="投影片編號版面配置區 3"/>
+          <p:cNvSpPr>
+            <a:spLocks noGrp="1"/>
+          </p:cNvSpPr>
+          <p:nvPr>
+            <p:ph type="sldNum" sz="quarter" idx="10"/>
+          </p:nvPr>
+        </p:nvSpPr>
+        <p:spPr/>
+        <p:txBody>
+          <a:bodyPr/>
+          <a:lstStyle/>
+          <a:p>
+            <a:fld id="{288A6225-17E4-4F1A-9B1B-5D6F54C0EC31}" type="slidenum">
+              <a:rPr lang="zh-TW" altLang="en-US" smtClean="0"/>
+              <a:t>18</a:t>
+            </a:fld>
+            <a:endParaRPr lang="zh-TW" altLang="en-US"/>
+          </a:p>
+        </p:txBody>
+      </p:sp>
+    </p:spTree>
+    <p:extLst>
+      <p:ext uri="{BB962C8B-B14F-4D97-AF65-F5344CB8AC3E}">
+        <p14:creationId xmlns:p14="http://schemas.microsoft.com/office/powerpoint/2010/main" val="2777034489"/>
+      </p:ext>
+    </p:extLst>
+  </p:cSld>
+  <p:clrMapOvr>
+    <a:masterClrMapping/>
+  </p:clrMapOvr>
+</p:notes>
+</file>
+
+<file path=ppt/notesSlides/notesSlide19.xml><?xml version="1.0" encoding="utf-8"?>
+<p:notes xmlns:a="http://schemas.openxmlformats.org/drawingml/2006/main" xmlns:r="http://schemas.openxmlformats.org/officeDocument/2006/relationships" xmlns:p="http://schemas.openxmlformats.org/presentationml/2006/main">
+  <p:cSld>
+    <p:spTree>
+      <p:nvGrpSpPr>
+        <p:cNvPr id="1" name=""/>
+        <p:cNvGrpSpPr/>
+        <p:nvPr/>
+      </p:nvGrpSpPr>
+      <p:grpSpPr>
+        <a:xfrm>
+          <a:off x="0" y="0"/>
+          <a:ext cx="0" cy="0"/>
+          <a:chOff x="0" y="0"/>
+          <a:chExt cx="0" cy="0"/>
+        </a:xfrm>
+      </p:grpSpPr>
+      <p:sp>
+        <p:nvSpPr>
+          <p:cNvPr id="2" name="投影片圖像版面配置區 1"/>
+          <p:cNvSpPr>
+            <a:spLocks noGrp="1" noRot="1" noChangeAspect="1"/>
+          </p:cNvSpPr>
+          <p:nvPr>
+            <p:ph type="sldImg"/>
+          </p:nvPr>
+        </p:nvSpPr>
+        <p:spPr/>
+      </p:sp>
+      <p:sp>
+        <p:nvSpPr>
+          <p:cNvPr id="3" name="備忘稿版面配置區 2"/>
+          <p:cNvSpPr>
+            <a:spLocks noGrp="1"/>
+          </p:cNvSpPr>
+          <p:nvPr>
+            <p:ph type="body" idx="1"/>
+          </p:nvPr>
+        </p:nvSpPr>
+        <p:spPr/>
+        <p:txBody>
+          <a:bodyPr/>
+          <a:lstStyle/>
+          <a:p>
+            <a:endParaRPr lang="zh-TW" altLang="en-US"/>
+          </a:p>
+        </p:txBody>
+      </p:sp>
+      <p:sp>
+        <p:nvSpPr>
+          <p:cNvPr id="4" name="投影片編號版面配置區 3"/>
+          <p:cNvSpPr>
+            <a:spLocks noGrp="1"/>
+          </p:cNvSpPr>
+          <p:nvPr>
+            <p:ph type="sldNum" sz="quarter" idx="10"/>
+          </p:nvPr>
+        </p:nvSpPr>
+        <p:spPr/>
+        <p:txBody>
+          <a:bodyPr/>
+          <a:lstStyle/>
+          <a:p>
+            <a:fld id="{288A6225-17E4-4F1A-9B1B-5D6F54C0EC31}" type="slidenum">
+              <a:rPr lang="zh-TW" altLang="en-US" smtClean="0"/>
+              <a:t>19</a:t>
             </a:fld>
             <a:endParaRPr lang="zh-TW" altLang="en-US"/>
           </a:p>
@@ -3112,6 +3328,23 @@
               <a:rPr lang="zh-TW" altLang="en-US" dirty="0"/>
               <a:t>的其中一個特性就是非阻塞</a:t>
             </a:r>
+            <a:endParaRPr lang="en-US" altLang="zh-TW" dirty="0"/>
+          </a:p>
+          <a:p>
+            <a:endParaRPr lang="en-US" altLang="zh-TW" dirty="0"/>
+          </a:p>
+          <a:p>
+            <a:r>
+              <a:rPr lang="en-US" altLang="zh-TW" dirty="0"/>
+              <a:t>JavaScript </a:t>
+            </a:r>
+            <a:r>
+              <a:rPr lang="zh-TW" altLang="en-US" dirty="0"/>
+              <a:t>實際是物件導向，但通常寫函式就可以呼叫</a:t>
+            </a:r>
+            <a:endParaRPr lang="en-US" altLang="zh-TW" dirty="0"/>
+          </a:p>
+          <a:p>
             <a:endParaRPr lang="en-US" altLang="zh-TW" dirty="0"/>
           </a:p>
         </p:txBody>
@@ -3461,7 +3694,7 @@
           <a:p>
             <a:fld id="{3D8CBC75-8284-403E-92F0-16B75D676E39}" type="datetimeFigureOut">
               <a:rPr lang="zh-TW" altLang="en-US" smtClean="0"/>
-              <a:t>2020/7/24</a:t>
+              <a:t>2020/10/20</a:t>
             </a:fld>
             <a:endParaRPr lang="zh-TW" altLang="en-US"/>
           </a:p>
@@ -3589,7 +3822,7 @@
           <a:p>
             <a:fld id="{3D8CBC75-8284-403E-92F0-16B75D676E39}" type="datetimeFigureOut">
               <a:rPr lang="zh-TW" altLang="en-US" smtClean="0"/>
-              <a:t>2020/7/24</a:t>
+              <a:t>2020/10/20</a:t>
             </a:fld>
             <a:endParaRPr lang="zh-TW" altLang="en-US"/>
           </a:p>
@@ -3932,7 +4165,7 @@
           <a:p>
             <a:fld id="{3D8CBC75-8284-403E-92F0-16B75D676E39}" type="datetimeFigureOut">
               <a:rPr lang="zh-TW" altLang="en-US" smtClean="0"/>
-              <a:t>2020/7/24</a:t>
+              <a:t>2020/10/20</a:t>
             </a:fld>
             <a:endParaRPr lang="zh-TW" altLang="en-US"/>
           </a:p>
@@ -4265,7 +4498,7 @@
           <a:p>
             <a:fld id="{3D8CBC75-8284-403E-92F0-16B75D676E39}" type="datetimeFigureOut">
               <a:rPr lang="zh-TW" altLang="en-US" smtClean="0"/>
-              <a:t>2020/7/24</a:t>
+              <a:t>2020/10/20</a:t>
             </a:fld>
             <a:endParaRPr lang="zh-TW" altLang="en-US"/>
           </a:p>
@@ -4634,7 +4867,7 @@
           <a:p>
             <a:fld id="{3D8CBC75-8284-403E-92F0-16B75D676E39}" type="datetimeFigureOut">
               <a:rPr lang="zh-TW" altLang="en-US" smtClean="0"/>
-              <a:t>2020/7/24</a:t>
+              <a:t>2020/10/20</a:t>
             </a:fld>
             <a:endParaRPr lang="zh-TW" altLang="en-US"/>
           </a:p>
@@ -4857,7 +5090,7 @@
           <a:p>
             <a:fld id="{3D8CBC75-8284-403E-92F0-16B75D676E39}" type="datetimeFigureOut">
               <a:rPr lang="zh-TW" altLang="en-US" smtClean="0"/>
-              <a:t>2020/7/24</a:t>
+              <a:t>2020/10/20</a:t>
             </a:fld>
             <a:endParaRPr lang="zh-TW" altLang="en-US"/>
           </a:p>
@@ -5387,7 +5620,7 @@
           <a:p>
             <a:fld id="{3D8CBC75-8284-403E-92F0-16B75D676E39}" type="datetimeFigureOut">
               <a:rPr lang="zh-TW" altLang="en-US" smtClean="0"/>
-              <a:t>2020/7/24</a:t>
+              <a:t>2020/10/20</a:t>
             </a:fld>
             <a:endParaRPr lang="zh-TW" altLang="en-US"/>
           </a:p>
@@ -5668,7 +5901,7 @@
           <a:p>
             <a:fld id="{3D8CBC75-8284-403E-92F0-16B75D676E39}" type="datetimeFigureOut">
               <a:rPr lang="zh-TW" altLang="en-US" smtClean="0"/>
-              <a:t>2020/7/24</a:t>
+              <a:t>2020/10/20</a:t>
             </a:fld>
             <a:endParaRPr lang="zh-TW" altLang="en-US"/>
           </a:p>
@@ -5855,7 +6088,7 @@
           <a:p>
             <a:fld id="{3D8CBC75-8284-403E-92F0-16B75D676E39}" type="datetimeFigureOut">
               <a:rPr lang="zh-TW" altLang="en-US" smtClean="0"/>
-              <a:t>2020/7/24</a:t>
+              <a:t>2020/10/20</a:t>
             </a:fld>
             <a:endParaRPr lang="zh-TW" altLang="en-US"/>
           </a:p>
@@ -6257,7 +6490,7 @@
           <a:p>
             <a:fld id="{3D8CBC75-8284-403E-92F0-16B75D676E39}" type="datetimeFigureOut">
               <a:rPr lang="zh-TW" altLang="en-US" smtClean="0"/>
-              <a:t>2020/7/24</a:t>
+              <a:t>2020/10/20</a:t>
             </a:fld>
             <a:endParaRPr lang="zh-TW" altLang="en-US"/>
           </a:p>
@@ -6677,7 +6910,7 @@
           <a:p>
             <a:fld id="{3D8CBC75-8284-403E-92F0-16B75D676E39}" type="datetimeFigureOut">
               <a:rPr lang="zh-TW" altLang="en-US" smtClean="0"/>
-              <a:t>2020/7/24</a:t>
+              <a:t>2020/10/20</a:t>
             </a:fld>
             <a:endParaRPr lang="zh-TW" altLang="en-US"/>
           </a:p>
@@ -7064,7 +7297,7 @@
             <a:fld id="{3D8CBC75-8284-403E-92F0-16B75D676E39}" type="datetimeFigureOut">
               <a:rPr lang="zh-TW" altLang="en-US" smtClean="0"/>
               <a:pPr/>
-              <a:t>2020/7/24</a:t>
+              <a:t>2020/10/20</a:t>
             </a:fld>
             <a:endParaRPr lang="zh-TW" altLang="en-US" dirty="0"/>
           </a:p>
@@ -7845,64 +8078,237 @@
         <p:spPr>
           <a:xfrm>
             <a:off x="628650" y="1052736"/>
-            <a:ext cx="7886700" cy="4351338"/>
+            <a:ext cx="7886700" cy="4968552"/>
           </a:xfrm>
         </p:spPr>
         <p:txBody>
           <a:bodyPr>
-            <a:normAutofit/>
+            <a:normAutofit fontScale="92500" lnSpcReduction="10000"/>
           </a:bodyPr>
           <a:lstStyle/>
           <a:p>
             <a:pPr>
               <a:lnSpc>
-                <a:spcPct val="100000"/>
+                <a:spcPct val="150000"/>
               </a:lnSpc>
             </a:pPr>
             <a:r>
-              <a:rPr lang="zh-TW" altLang="en-US" sz="3200">
+              <a:rPr lang="zh-TW" altLang="en-US" sz="3200" dirty="0">
+                <a:solidFill>
+                  <a:srgbClr val="0070C0"/>
+                </a:solidFill>
                 <a:latin typeface="微軟正黑體" panose="020B0604030504040204" pitchFamily="34" charset="-120"/>
               </a:rPr>
-              <a:t>易上手</a:t>
+              <a:t> 易上手</a:t>
             </a:r>
             <a:endParaRPr lang="en-US" altLang="zh-TW" sz="3200" dirty="0">
+              <a:solidFill>
+                <a:srgbClr val="0070C0"/>
+              </a:solidFill>
               <a:latin typeface="微軟正黑體" panose="020B0604030504040204" pitchFamily="34" charset="-120"/>
             </a:endParaRPr>
           </a:p>
           <a:p>
             <a:pPr>
               <a:lnSpc>
-                <a:spcPct val="100000"/>
+                <a:spcPct val="150000"/>
               </a:lnSpc>
             </a:pPr>
             <a:r>
               <a:rPr lang="zh-TW" altLang="en-US" sz="3200" dirty="0">
+                <a:solidFill>
+                  <a:srgbClr val="0070C0"/>
+                </a:solidFill>
                 <a:latin typeface="微軟正黑體" panose="020B0604030504040204" pitchFamily="34" charset="-120"/>
               </a:rPr>
-              <a:t>語法簡易輕鬆</a:t>
+              <a:t> 語法簡易輕鬆</a:t>
             </a:r>
             <a:endParaRPr lang="en-US" altLang="zh-TW" sz="3200" dirty="0">
+              <a:solidFill>
+                <a:srgbClr val="0070C0"/>
+              </a:solidFill>
               <a:latin typeface="微軟正黑體" panose="020B0604030504040204" pitchFamily="34" charset="-120"/>
             </a:endParaRPr>
           </a:p>
           <a:p>
             <a:pPr>
               <a:lnSpc>
-                <a:spcPct val="100000"/>
+                <a:spcPct val="150000"/>
               </a:lnSpc>
             </a:pPr>
             <a:r>
               <a:rPr lang="zh-TW" altLang="en-US" sz="3200" dirty="0">
+                <a:solidFill>
+                  <a:srgbClr val="0070C0"/>
+                </a:solidFill>
                 <a:latin typeface="微軟正黑體" panose="020B0604030504040204" pitchFamily="34" charset="-120"/>
               </a:rPr>
-              <a:t>基礎語法似 </a:t>
+              <a:t> 基礎語法似 </a:t>
             </a:r>
             <a:r>
               <a:rPr lang="en-US" altLang="zh-TW" sz="3200" dirty="0">
+                <a:solidFill>
+                  <a:srgbClr val="0070C0"/>
+                </a:solidFill>
                 <a:latin typeface="微軟正黑體" panose="020B0604030504040204" pitchFamily="34" charset="-120"/>
               </a:rPr>
               <a:t>C / C++ / Java</a:t>
             </a:r>
+          </a:p>
+          <a:p>
+            <a:pPr>
+              <a:lnSpc>
+                <a:spcPct val="150000"/>
+              </a:lnSpc>
+            </a:pPr>
+            <a:r>
+              <a:rPr lang="zh-TW" altLang="en-US" sz="3200" dirty="0">
+                <a:solidFill>
+                  <a:srgbClr val="0070C0"/>
+                </a:solidFill>
+                <a:latin typeface="微軟正黑體" panose="020B0604030504040204" pitchFamily="34" charset="-120"/>
+              </a:rPr>
+              <a:t> 駝峰式命名</a:t>
+            </a:r>
+            <a:endParaRPr lang="en-US" altLang="zh-TW" sz="3200" dirty="0">
+              <a:solidFill>
+                <a:srgbClr val="0070C0"/>
+              </a:solidFill>
+              <a:latin typeface="微軟正黑體" panose="020B0604030504040204" pitchFamily="34" charset="-120"/>
+            </a:endParaRPr>
+          </a:p>
+          <a:p>
+            <a:pPr lvl="1">
+              <a:lnSpc>
+                <a:spcPct val="150000"/>
+              </a:lnSpc>
+            </a:pPr>
+            <a:r>
+              <a:rPr lang="zh-TW" altLang="en-US" sz="2900" dirty="0">
+                <a:solidFill>
+                  <a:srgbClr val="0070C0"/>
+                </a:solidFill>
+                <a:latin typeface="微軟正黑體" panose="020B0604030504040204" pitchFamily="34" charset="-120"/>
+              </a:rPr>
+              <a:t>如 </a:t>
+            </a:r>
+            <a:r>
+              <a:rPr lang="en-US" altLang="zh-TW" sz="2900" dirty="0" err="1">
+                <a:solidFill>
+                  <a:srgbClr val="0070C0"/>
+                </a:solidFill>
+                <a:latin typeface="微軟正黑體" panose="020B0604030504040204" pitchFamily="34" charset="-120"/>
+              </a:rPr>
+              <a:t>className</a:t>
+            </a:r>
+            <a:r>
+              <a:rPr lang="zh-TW" altLang="en-US" sz="2900" dirty="0">
+                <a:solidFill>
+                  <a:srgbClr val="0070C0"/>
+                </a:solidFill>
+                <a:latin typeface="微軟正黑體" panose="020B0604030504040204" pitchFamily="34" charset="-120"/>
+              </a:rPr>
+              <a:t>、</a:t>
+            </a:r>
+            <a:r>
+              <a:rPr lang="en-US" altLang="zh-TW" sz="2900" dirty="0" err="1">
+                <a:solidFill>
+                  <a:srgbClr val="0070C0"/>
+                </a:solidFill>
+                <a:latin typeface="微軟正黑體" panose="020B0604030504040204" pitchFamily="34" charset="-120"/>
+              </a:rPr>
+              <a:t>firstName</a:t>
+            </a:r>
+            <a:endParaRPr lang="en-US" altLang="zh-TW" sz="2900" dirty="0">
+              <a:solidFill>
+                <a:srgbClr val="0070C0"/>
+              </a:solidFill>
+              <a:latin typeface="微軟正黑體" panose="020B0604030504040204" pitchFamily="34" charset="-120"/>
+            </a:endParaRPr>
+          </a:p>
+          <a:p>
+            <a:pPr>
+              <a:lnSpc>
+                <a:spcPct val="150000"/>
+              </a:lnSpc>
+            </a:pPr>
+            <a:r>
+              <a:rPr lang="zh-TW" altLang="en-US" sz="3200" dirty="0">
+                <a:solidFill>
+                  <a:srgbClr val="0070C0"/>
+                </a:solidFill>
+                <a:latin typeface="微軟正黑體" panose="020B0604030504040204" pitchFamily="34" charset="-120"/>
+              </a:rPr>
+              <a:t> </a:t>
+            </a:r>
+            <a:r>
+              <a:rPr lang="zh-TW" altLang="en-US" sz="3200" dirty="0">
+                <a:solidFill>
+                  <a:srgbClr val="FF0000"/>
+                </a:solidFill>
+                <a:latin typeface="微軟正黑體" panose="020B0604030504040204" pitchFamily="34" charset="-120"/>
+              </a:rPr>
+              <a:t>弱型別</a:t>
+            </a:r>
+            <a:r>
+              <a:rPr lang="zh-TW" altLang="en-US" sz="3200" dirty="0">
+                <a:solidFill>
+                  <a:srgbClr val="0070C0"/>
+                </a:solidFill>
+                <a:latin typeface="微軟正黑體" panose="020B0604030504040204" pitchFamily="34" charset="-120"/>
+              </a:rPr>
+              <a:t>的特性</a:t>
+            </a:r>
+            <a:endParaRPr lang="en-US" altLang="zh-TW" sz="3200" dirty="0">
+              <a:solidFill>
+                <a:srgbClr val="0070C0"/>
+              </a:solidFill>
+              <a:latin typeface="微軟正黑體" panose="020B0604030504040204" pitchFamily="34" charset="-120"/>
+            </a:endParaRPr>
+          </a:p>
+          <a:p>
+            <a:pPr lvl="1">
+              <a:lnSpc>
+                <a:spcPct val="150000"/>
+              </a:lnSpc>
+            </a:pPr>
+            <a:r>
+              <a:rPr lang="zh-TW" altLang="en-US" sz="2900" dirty="0">
+                <a:solidFill>
+                  <a:srgbClr val="0070C0"/>
+                </a:solidFill>
+                <a:latin typeface="微軟正黑體" panose="020B0604030504040204" pitchFamily="34" charset="-120"/>
+              </a:rPr>
+              <a:t>變數本身</a:t>
+            </a:r>
+            <a:r>
+              <a:rPr lang="zh-TW" altLang="en-US" sz="2900" dirty="0">
+                <a:solidFill>
+                  <a:srgbClr val="FF0000"/>
+                </a:solidFill>
+                <a:latin typeface="微軟正黑體" panose="020B0604030504040204" pitchFamily="34" charset="-120"/>
+              </a:rPr>
+              <a:t>無需宣告型態</a:t>
+            </a:r>
+            <a:endParaRPr lang="en-US" altLang="zh-TW" sz="2900" dirty="0">
+              <a:solidFill>
+                <a:srgbClr val="FF0000"/>
+              </a:solidFill>
+              <a:latin typeface="微軟正黑體" panose="020B0604030504040204" pitchFamily="34" charset="-120"/>
+            </a:endParaRPr>
+          </a:p>
+          <a:p>
+            <a:pPr lvl="1">
+              <a:lnSpc>
+                <a:spcPct val="150000"/>
+              </a:lnSpc>
+            </a:pPr>
+            <a:endParaRPr lang="en-US" altLang="zh-TW" sz="2900" dirty="0">
+              <a:solidFill>
+                <a:srgbClr val="0070C0"/>
+              </a:solidFill>
+              <a:latin typeface="微軟正黑體" panose="020B0604030504040204" pitchFamily="34" charset="-120"/>
+            </a:endParaRPr>
           </a:p>
         </p:txBody>
       </p:sp>
@@ -8122,6 +8528,922 @@
                 <a:latin typeface="微軟正黑體" panose="020B0604030504040204" pitchFamily="34" charset="-120"/>
                 <a:ea typeface="微軟正黑體" panose="020B0604030504040204" pitchFamily="34" charset="-120"/>
               </a:rPr>
+              <a:t>JavaScript</a:t>
+            </a:r>
+            <a:r>
+              <a:rPr lang="en-US" altLang="zh-TW" sz="4000" dirty="0">
+                <a:solidFill>
+                  <a:srgbClr val="0070C0"/>
+                </a:solidFill>
+                <a:latin typeface="微軟正黑體" panose="020B0604030504040204" pitchFamily="34" charset="-120"/>
+              </a:rPr>
+              <a:t> </a:t>
+            </a:r>
+            <a:r>
+              <a:rPr lang="zh-TW" altLang="en-US" sz="4000" dirty="0">
+                <a:solidFill>
+                  <a:srgbClr val="0070C0"/>
+                </a:solidFill>
+                <a:latin typeface="微軟正黑體" panose="020B0604030504040204" pitchFamily="34" charset="-120"/>
+              </a:rPr>
+              <a:t>變數</a:t>
+            </a:r>
+            <a:endParaRPr lang="zh-TW" altLang="en-US" sz="4000" dirty="0">
+              <a:solidFill>
+                <a:srgbClr val="0070C0"/>
+              </a:solidFill>
+              <a:latin typeface="微軟正黑體" panose="020B0604030504040204" pitchFamily="34" charset="-120"/>
+              <a:ea typeface="微軟正黑體" panose="020B0604030504040204" pitchFamily="34" charset="-120"/>
+            </a:endParaRPr>
+          </a:p>
+        </p:txBody>
+      </p:sp>
+      <p:sp>
+        <p:nvSpPr>
+          <p:cNvPr id="3" name="內容版面配置區 2"/>
+          <p:cNvSpPr>
+            <a:spLocks noGrp="1"/>
+          </p:cNvSpPr>
+          <p:nvPr>
+            <p:ph idx="1"/>
+          </p:nvPr>
+        </p:nvSpPr>
+        <p:spPr>
+          <a:xfrm>
+            <a:off x="1215847" y="1937405"/>
+            <a:ext cx="2664296" cy="3559250"/>
+          </a:xfrm>
+        </p:spPr>
+        <p:txBody>
+          <a:bodyPr>
+            <a:normAutofit/>
+          </a:bodyPr>
+          <a:lstStyle/>
+          <a:p>
+            <a:pPr marL="0" indent="0" algn="ctr">
+              <a:lnSpc>
+                <a:spcPct val="150000"/>
+              </a:lnSpc>
+              <a:buNone/>
+            </a:pPr>
+            <a:r>
+              <a:rPr lang="en-US" altLang="zh-TW" sz="3200" dirty="0">
+                <a:solidFill>
+                  <a:srgbClr val="0070C0"/>
+                </a:solidFill>
+                <a:latin typeface="微軟正黑體" panose="020B0604030504040204" pitchFamily="34" charset="-120"/>
+              </a:rPr>
+              <a:t>var x = 1 ;</a:t>
+            </a:r>
+          </a:p>
+          <a:p>
+            <a:pPr marL="0" indent="0" algn="ctr">
+              <a:lnSpc>
+                <a:spcPct val="150000"/>
+              </a:lnSpc>
+              <a:buNone/>
+            </a:pPr>
+            <a:endParaRPr lang="en-US" altLang="zh-TW" sz="3200" dirty="0">
+              <a:solidFill>
+                <a:srgbClr val="0070C0"/>
+              </a:solidFill>
+              <a:latin typeface="微軟正黑體" panose="020B0604030504040204" pitchFamily="34" charset="-120"/>
+            </a:endParaRPr>
+          </a:p>
+          <a:p>
+            <a:pPr marL="0" indent="0" algn="ctr">
+              <a:lnSpc>
+                <a:spcPct val="150000"/>
+              </a:lnSpc>
+              <a:buNone/>
+            </a:pPr>
+            <a:r>
+              <a:rPr lang="en-US" altLang="zh-TW" sz="3200" dirty="0">
+                <a:solidFill>
+                  <a:srgbClr val="0070C0"/>
+                </a:solidFill>
+                <a:latin typeface="微軟正黑體" panose="020B0604030504040204" pitchFamily="34" charset="-120"/>
+              </a:rPr>
+              <a:t>x = 'Hello' ;</a:t>
+            </a:r>
+          </a:p>
+        </p:txBody>
+      </p:sp>
+      <p:pic>
+        <p:nvPicPr>
+          <p:cNvPr id="8" name="圖片 7">
+            <a:extLst>
+              <a:ext uri="{FF2B5EF4-FFF2-40B4-BE49-F238E27FC236}">
+                <a16:creationId xmlns:a16="http://schemas.microsoft.com/office/drawing/2014/main" id="{B718EE5F-F201-C144-AD15-A8114847FC80}"/>
+              </a:ext>
+            </a:extLst>
+          </p:cNvPr>
+          <p:cNvPicPr>
+            <a:picLocks noChangeAspect="1"/>
+          </p:cNvPicPr>
+          <p:nvPr/>
+        </p:nvPicPr>
+        <p:blipFill rotWithShape="1">
+          <a:blip r:embed="rId3">
+            <a:extLst>
+              <a:ext uri="{28A0092B-C50C-407E-A947-70E740481C1C}">
+                <a14:useLocalDpi xmlns:a14="http://schemas.microsoft.com/office/drawing/2010/main" val="0"/>
+              </a:ext>
+            </a:extLst>
+          </a:blip>
+          <a:srcRect b="58092"/>
+          <a:stretch/>
+        </p:blipFill>
+        <p:spPr>
+          <a:xfrm>
+            <a:off x="4571999" y="1649374"/>
+            <a:ext cx="3668428" cy="1491594"/>
+          </a:xfrm>
+          <a:prstGeom prst="rect">
+            <a:avLst/>
+          </a:prstGeom>
+        </p:spPr>
+      </p:pic>
+      <p:pic>
+        <p:nvPicPr>
+          <p:cNvPr id="10" name="圖片 9" descr="一張含有 文字 的圖片&#10;&#10;自動產生的描述">
+            <a:extLst>
+              <a:ext uri="{FF2B5EF4-FFF2-40B4-BE49-F238E27FC236}">
+                <a16:creationId xmlns:a16="http://schemas.microsoft.com/office/drawing/2014/main" id="{D6AEE952-2C65-2C48-8ACF-7F2257EAF17A}"/>
+              </a:ext>
+            </a:extLst>
+          </p:cNvPr>
+          <p:cNvPicPr>
+            <a:picLocks noChangeAspect="1"/>
+          </p:cNvPicPr>
+          <p:nvPr/>
+        </p:nvPicPr>
+        <p:blipFill>
+          <a:blip r:embed="rId4">
+            <a:extLst>
+              <a:ext uri="{28A0092B-C50C-407E-A947-70E740481C1C}">
+                <a14:useLocalDpi xmlns:a14="http://schemas.microsoft.com/office/drawing/2010/main" val="0"/>
+              </a:ext>
+            </a:extLst>
+          </a:blip>
+          <a:stretch>
+            <a:fillRect/>
+          </a:stretch>
+        </p:blipFill>
+        <p:spPr>
+          <a:xfrm>
+            <a:off x="4572000" y="3429000"/>
+            <a:ext cx="3668428" cy="1491594"/>
+          </a:xfrm>
+          <a:prstGeom prst="rect">
+            <a:avLst/>
+          </a:prstGeom>
+        </p:spPr>
+      </p:pic>
+    </p:spTree>
+    <p:extLst>
+      <p:ext uri="{BB962C8B-B14F-4D97-AF65-F5344CB8AC3E}">
+        <p14:creationId xmlns:p14="http://schemas.microsoft.com/office/powerpoint/2010/main" val="2007256956"/>
+      </p:ext>
+    </p:extLst>
+  </p:cSld>
+  <p:clrMapOvr>
+    <a:masterClrMapping/>
+  </p:clrMapOvr>
+</p:sld>
+</file>
+
+<file path=ppt/slides/slide14.xml><?xml version="1.0" encoding="utf-8"?>
+<p:sld xmlns:a="http://schemas.openxmlformats.org/drawingml/2006/main" xmlns:r="http://schemas.openxmlformats.org/officeDocument/2006/relationships" xmlns:p="http://schemas.openxmlformats.org/presentationml/2006/main">
+  <p:cSld>
+    <p:spTree>
+      <p:nvGrpSpPr>
+        <p:cNvPr id="1" name=""/>
+        <p:cNvGrpSpPr/>
+        <p:nvPr/>
+      </p:nvGrpSpPr>
+      <p:grpSpPr>
+        <a:xfrm>
+          <a:off x="0" y="0"/>
+          <a:ext cx="0" cy="0"/>
+          <a:chOff x="0" y="0"/>
+          <a:chExt cx="0" cy="0"/>
+        </a:xfrm>
+      </p:grpSpPr>
+      <p:sp>
+        <p:nvSpPr>
+          <p:cNvPr id="2" name="標題 1"/>
+          <p:cNvSpPr>
+            <a:spLocks noGrp="1"/>
+          </p:cNvSpPr>
+          <p:nvPr>
+            <p:ph type="title"/>
+          </p:nvPr>
+        </p:nvSpPr>
+        <p:spPr>
+          <a:xfrm>
+            <a:off x="0" y="1"/>
+            <a:ext cx="9144000" cy="836712"/>
+          </a:xfrm>
+        </p:spPr>
+        <p:txBody>
+          <a:bodyPr anchor="b">
+            <a:normAutofit/>
+          </a:bodyPr>
+          <a:lstStyle/>
+          <a:p>
+            <a:pPr algn="ctr"/>
+            <a:r>
+              <a:rPr lang="en-US" altLang="zh-TW" sz="4000" dirty="0">
+                <a:solidFill>
+                  <a:srgbClr val="0070C0"/>
+                </a:solidFill>
+                <a:latin typeface="微軟正黑體" panose="020B0604030504040204" pitchFamily="34" charset="-120"/>
+                <a:ea typeface="微軟正黑體" panose="020B0604030504040204" pitchFamily="34" charset="-120"/>
+              </a:rPr>
+              <a:t>JavaScript</a:t>
+            </a:r>
+            <a:r>
+              <a:rPr lang="en-US" altLang="zh-TW" sz="4000" dirty="0">
+                <a:solidFill>
+                  <a:srgbClr val="0070C0"/>
+                </a:solidFill>
+                <a:latin typeface="微軟正黑體" panose="020B0604030504040204" pitchFamily="34" charset="-120"/>
+              </a:rPr>
+              <a:t> </a:t>
+            </a:r>
+            <a:r>
+              <a:rPr lang="zh-TW" altLang="en-US" sz="4000" dirty="0">
+                <a:solidFill>
+                  <a:srgbClr val="0070C0"/>
+                </a:solidFill>
+                <a:latin typeface="微軟正黑體" panose="020B0604030504040204" pitchFamily="34" charset="-120"/>
+              </a:rPr>
+              <a:t>算術</a:t>
+            </a:r>
+            <a:endParaRPr lang="zh-TW" altLang="en-US" sz="4000" dirty="0">
+              <a:solidFill>
+                <a:srgbClr val="0070C0"/>
+              </a:solidFill>
+              <a:latin typeface="微軟正黑體" panose="020B0604030504040204" pitchFamily="34" charset="-120"/>
+              <a:ea typeface="微軟正黑體" panose="020B0604030504040204" pitchFamily="34" charset="-120"/>
+            </a:endParaRPr>
+          </a:p>
+        </p:txBody>
+      </p:sp>
+      <p:sp>
+        <p:nvSpPr>
+          <p:cNvPr id="3" name="內容版面配置區 2"/>
+          <p:cNvSpPr>
+            <a:spLocks noGrp="1"/>
+          </p:cNvSpPr>
+          <p:nvPr>
+            <p:ph idx="1"/>
+          </p:nvPr>
+        </p:nvSpPr>
+        <p:spPr>
+          <a:xfrm>
+            <a:off x="251520" y="1196752"/>
+            <a:ext cx="8424936" cy="836712"/>
+          </a:xfrm>
+        </p:spPr>
+        <p:txBody>
+          <a:bodyPr>
+            <a:normAutofit/>
+          </a:bodyPr>
+          <a:lstStyle/>
+          <a:p>
+            <a:pPr marL="0" indent="0" algn="ctr">
+              <a:lnSpc>
+                <a:spcPct val="150000"/>
+              </a:lnSpc>
+              <a:buNone/>
+            </a:pPr>
+            <a:r>
+              <a:rPr lang="en-US" altLang="zh-TW" sz="3200" dirty="0">
+                <a:solidFill>
+                  <a:srgbClr val="0070C0"/>
+                </a:solidFill>
+                <a:latin typeface="微軟正黑體" panose="020B0604030504040204" pitchFamily="34" charset="-120"/>
+              </a:rPr>
+              <a:t>JS</a:t>
+            </a:r>
+            <a:r>
+              <a:rPr lang="zh-TW" altLang="en-US" sz="3200" dirty="0">
+                <a:solidFill>
+                  <a:srgbClr val="0070C0"/>
+                </a:solidFill>
+                <a:latin typeface="微軟正黑體" panose="020B0604030504040204" pitchFamily="34" charset="-120"/>
+              </a:rPr>
+              <a:t> 使用的運算符號也是</a:t>
+            </a:r>
+            <a:r>
+              <a:rPr lang="en-US" altLang="zh-TW" sz="3200" dirty="0">
+                <a:solidFill>
+                  <a:srgbClr val="0070C0"/>
+                </a:solidFill>
+                <a:latin typeface="微軟正黑體" panose="020B0604030504040204" pitchFamily="34" charset="-120"/>
+              </a:rPr>
+              <a:t> +</a:t>
+            </a:r>
+            <a:r>
+              <a:rPr lang="zh-TW" altLang="en-US" sz="3200" dirty="0">
+                <a:solidFill>
+                  <a:srgbClr val="0070C0"/>
+                </a:solidFill>
+                <a:latin typeface="微軟正黑體" panose="020B0604030504040204" pitchFamily="34" charset="-120"/>
+              </a:rPr>
+              <a:t>、</a:t>
+            </a:r>
+            <a:r>
+              <a:rPr lang="en-US" altLang="zh-TW" sz="3200" dirty="0">
+                <a:solidFill>
+                  <a:srgbClr val="0070C0"/>
+                </a:solidFill>
+                <a:latin typeface="微軟正黑體" panose="020B0604030504040204" pitchFamily="34" charset="-120"/>
+              </a:rPr>
+              <a:t>-</a:t>
+            </a:r>
+            <a:r>
+              <a:rPr lang="zh-TW" altLang="en-US" sz="3200" dirty="0">
+                <a:solidFill>
+                  <a:srgbClr val="0070C0"/>
+                </a:solidFill>
+                <a:latin typeface="微軟正黑體" panose="020B0604030504040204" pitchFamily="34" charset="-120"/>
+              </a:rPr>
+              <a:t>、</a:t>
+            </a:r>
+            <a:r>
+              <a:rPr lang="en-US" altLang="zh-TW" sz="3200" dirty="0">
+                <a:solidFill>
+                  <a:srgbClr val="0070C0"/>
+                </a:solidFill>
+                <a:latin typeface="微軟正黑體" panose="020B0604030504040204" pitchFamily="34" charset="-120"/>
+              </a:rPr>
+              <a:t>*</a:t>
+            </a:r>
+            <a:r>
+              <a:rPr lang="zh-TW" altLang="en-US" sz="3200" dirty="0">
+                <a:solidFill>
+                  <a:srgbClr val="0070C0"/>
+                </a:solidFill>
+                <a:latin typeface="微軟正黑體" panose="020B0604030504040204" pitchFamily="34" charset="-120"/>
+              </a:rPr>
+              <a:t>、</a:t>
+            </a:r>
+            <a:r>
+              <a:rPr lang="en-US" altLang="zh-TW" sz="3200" dirty="0">
+                <a:solidFill>
+                  <a:srgbClr val="0070C0"/>
+                </a:solidFill>
+                <a:latin typeface="微軟正黑體" panose="020B0604030504040204" pitchFamily="34" charset="-120"/>
+              </a:rPr>
+              <a:t>/</a:t>
+            </a:r>
+            <a:r>
+              <a:rPr lang="zh-TW" altLang="en-US" sz="3200" dirty="0">
+                <a:solidFill>
+                  <a:srgbClr val="0070C0"/>
+                </a:solidFill>
+                <a:latin typeface="微軟正黑體" panose="020B0604030504040204" pitchFamily="34" charset="-120"/>
+              </a:rPr>
+              <a:t>、</a:t>
+            </a:r>
+            <a:r>
+              <a:rPr lang="en-US" altLang="zh-TW" sz="3200" dirty="0">
+                <a:solidFill>
+                  <a:srgbClr val="0070C0"/>
+                </a:solidFill>
+                <a:latin typeface="微軟正黑體" panose="020B0604030504040204" pitchFamily="34" charset="-120"/>
+              </a:rPr>
+              <a:t>%</a:t>
+            </a:r>
+          </a:p>
+        </p:txBody>
+      </p:sp>
+      <p:sp>
+        <p:nvSpPr>
+          <p:cNvPr id="6" name="內容版面配置區 2">
+            <a:extLst>
+              <a:ext uri="{FF2B5EF4-FFF2-40B4-BE49-F238E27FC236}">
+                <a16:creationId xmlns:a16="http://schemas.microsoft.com/office/drawing/2014/main" id="{D3931C57-5A21-3445-A537-3359F0413300}"/>
+              </a:ext>
+            </a:extLst>
+          </p:cNvPr>
+          <p:cNvSpPr txBox="1">
+            <a:spLocks/>
+          </p:cNvSpPr>
+          <p:nvPr/>
+        </p:nvSpPr>
+        <p:spPr>
+          <a:xfrm>
+            <a:off x="359532" y="2232248"/>
+            <a:ext cx="8424936" cy="836712"/>
+          </a:xfrm>
+          <a:prstGeom prst="rect">
+            <a:avLst/>
+          </a:prstGeom>
+        </p:spPr>
+        <p:txBody>
+          <a:bodyPr vert="horz" lIns="91440" tIns="45720" rIns="91440" bIns="45720" rtlCol="0">
+            <a:normAutofit/>
+          </a:bodyPr>
+          <a:lstStyle>
+            <a:lvl1pPr marL="171450" indent="-171450" algn="l" defTabSz="685800" rtl="0" eaLnBrk="1" latinLnBrk="0" hangingPunct="1">
+              <a:lnSpc>
+                <a:spcPct val="90000"/>
+              </a:lnSpc>
+              <a:spcBef>
+                <a:spcPts val="750"/>
+              </a:spcBef>
+              <a:buFont typeface="Arial" panose="020B0604020202020204" pitchFamily="34" charset="0"/>
+              <a:buChar char="•"/>
+              <a:defRPr sz="2100" kern="1200">
+                <a:solidFill>
+                  <a:schemeClr val="tx1"/>
+                </a:solidFill>
+                <a:latin typeface="+mn-lt"/>
+                <a:ea typeface="微軟正黑體" panose="020B0604030504040204" pitchFamily="34" charset="-120"/>
+                <a:cs typeface="+mn-cs"/>
+              </a:defRPr>
+            </a:lvl1pPr>
+            <a:lvl2pPr marL="514350" indent="-171450" algn="l" defTabSz="685800" rtl="0" eaLnBrk="1" latinLnBrk="0" hangingPunct="1">
+              <a:lnSpc>
+                <a:spcPct val="90000"/>
+              </a:lnSpc>
+              <a:spcBef>
+                <a:spcPts val="375"/>
+              </a:spcBef>
+              <a:buFont typeface="Arial" panose="020B0604020202020204" pitchFamily="34" charset="0"/>
+              <a:buChar char="•"/>
+              <a:defRPr sz="1800" kern="1200">
+                <a:solidFill>
+                  <a:schemeClr val="tx1"/>
+                </a:solidFill>
+                <a:latin typeface="+mn-lt"/>
+                <a:ea typeface="微軟正黑體" panose="020B0604030504040204" pitchFamily="34" charset="-120"/>
+                <a:cs typeface="+mn-cs"/>
+              </a:defRPr>
+            </a:lvl2pPr>
+            <a:lvl3pPr marL="857250" indent="-171450" algn="l" defTabSz="685800" rtl="0" eaLnBrk="1" latinLnBrk="0" hangingPunct="1">
+              <a:lnSpc>
+                <a:spcPct val="90000"/>
+              </a:lnSpc>
+              <a:spcBef>
+                <a:spcPts val="375"/>
+              </a:spcBef>
+              <a:buFont typeface="Arial" panose="020B0604020202020204" pitchFamily="34" charset="0"/>
+              <a:buChar char="•"/>
+              <a:defRPr sz="1500" kern="1200">
+                <a:solidFill>
+                  <a:schemeClr val="tx1"/>
+                </a:solidFill>
+                <a:latin typeface="+mn-lt"/>
+                <a:ea typeface="微軟正黑體" panose="020B0604030504040204" pitchFamily="34" charset="-120"/>
+                <a:cs typeface="+mn-cs"/>
+              </a:defRPr>
+            </a:lvl3pPr>
+            <a:lvl4pPr marL="1200150" indent="-171450" algn="l" defTabSz="685800" rtl="0" eaLnBrk="1" latinLnBrk="0" hangingPunct="1">
+              <a:lnSpc>
+                <a:spcPct val="90000"/>
+              </a:lnSpc>
+              <a:spcBef>
+                <a:spcPts val="375"/>
+              </a:spcBef>
+              <a:buFont typeface="Arial" panose="020B0604020202020204" pitchFamily="34" charset="0"/>
+              <a:buChar char="•"/>
+              <a:defRPr sz="1350" kern="1200">
+                <a:solidFill>
+                  <a:schemeClr val="tx1"/>
+                </a:solidFill>
+                <a:latin typeface="+mn-lt"/>
+                <a:ea typeface="微軟正黑體" panose="020B0604030504040204" pitchFamily="34" charset="-120"/>
+                <a:cs typeface="+mn-cs"/>
+              </a:defRPr>
+            </a:lvl4pPr>
+            <a:lvl5pPr marL="1543050" indent="-171450" algn="l" defTabSz="685800" rtl="0" eaLnBrk="1" latinLnBrk="0" hangingPunct="1">
+              <a:lnSpc>
+                <a:spcPct val="90000"/>
+              </a:lnSpc>
+              <a:spcBef>
+                <a:spcPts val="375"/>
+              </a:spcBef>
+              <a:buFont typeface="Arial" panose="020B0604020202020204" pitchFamily="34" charset="0"/>
+              <a:buChar char="•"/>
+              <a:defRPr sz="1350" kern="1200">
+                <a:solidFill>
+                  <a:schemeClr val="tx1"/>
+                </a:solidFill>
+                <a:latin typeface="+mn-lt"/>
+                <a:ea typeface="微軟正黑體" panose="020B0604030504040204" pitchFamily="34" charset="-120"/>
+                <a:cs typeface="+mn-cs"/>
+              </a:defRPr>
+            </a:lvl5pPr>
+            <a:lvl6pPr marL="1885950" indent="-171450" algn="l" defTabSz="685800" rtl="0" eaLnBrk="1" latinLnBrk="0" hangingPunct="1">
+              <a:lnSpc>
+                <a:spcPct val="90000"/>
+              </a:lnSpc>
+              <a:spcBef>
+                <a:spcPts val="375"/>
+              </a:spcBef>
+              <a:buFont typeface="Arial" panose="020B0604020202020204" pitchFamily="34" charset="0"/>
+              <a:buChar char="•"/>
+              <a:defRPr sz="1350" kern="1200">
+                <a:solidFill>
+                  <a:schemeClr val="tx1"/>
+                </a:solidFill>
+                <a:latin typeface="+mn-lt"/>
+                <a:ea typeface="+mn-ea"/>
+                <a:cs typeface="+mn-cs"/>
+              </a:defRPr>
+            </a:lvl6pPr>
+            <a:lvl7pPr marL="2228850" indent="-171450" algn="l" defTabSz="685800" rtl="0" eaLnBrk="1" latinLnBrk="0" hangingPunct="1">
+              <a:lnSpc>
+                <a:spcPct val="90000"/>
+              </a:lnSpc>
+              <a:spcBef>
+                <a:spcPts val="375"/>
+              </a:spcBef>
+              <a:buFont typeface="Arial" panose="020B0604020202020204" pitchFamily="34" charset="0"/>
+              <a:buChar char="•"/>
+              <a:defRPr sz="1350" kern="1200">
+                <a:solidFill>
+                  <a:schemeClr val="tx1"/>
+                </a:solidFill>
+                <a:latin typeface="+mn-lt"/>
+                <a:ea typeface="+mn-ea"/>
+                <a:cs typeface="+mn-cs"/>
+              </a:defRPr>
+            </a:lvl7pPr>
+            <a:lvl8pPr marL="2571750" indent="-171450" algn="l" defTabSz="685800" rtl="0" eaLnBrk="1" latinLnBrk="0" hangingPunct="1">
+              <a:lnSpc>
+                <a:spcPct val="90000"/>
+              </a:lnSpc>
+              <a:spcBef>
+                <a:spcPts val="375"/>
+              </a:spcBef>
+              <a:buFont typeface="Arial" panose="020B0604020202020204" pitchFamily="34" charset="0"/>
+              <a:buChar char="•"/>
+              <a:defRPr sz="1350" kern="1200">
+                <a:solidFill>
+                  <a:schemeClr val="tx1"/>
+                </a:solidFill>
+                <a:latin typeface="+mn-lt"/>
+                <a:ea typeface="+mn-ea"/>
+                <a:cs typeface="+mn-cs"/>
+              </a:defRPr>
+            </a:lvl8pPr>
+            <a:lvl9pPr marL="2914650" indent="-171450" algn="l" defTabSz="685800" rtl="0" eaLnBrk="1" latinLnBrk="0" hangingPunct="1">
+              <a:lnSpc>
+                <a:spcPct val="90000"/>
+              </a:lnSpc>
+              <a:spcBef>
+                <a:spcPts val="375"/>
+              </a:spcBef>
+              <a:buFont typeface="Arial" panose="020B0604020202020204" pitchFamily="34" charset="0"/>
+              <a:buChar char="•"/>
+              <a:defRPr sz="1350" kern="1200">
+                <a:solidFill>
+                  <a:schemeClr val="tx1"/>
+                </a:solidFill>
+                <a:latin typeface="+mn-lt"/>
+                <a:ea typeface="+mn-ea"/>
+                <a:cs typeface="+mn-cs"/>
+              </a:defRPr>
+            </a:lvl9pPr>
+          </a:lstStyle>
+          <a:p>
+            <a:pPr marL="0" indent="0" algn="ctr">
+              <a:lnSpc>
+                <a:spcPct val="150000"/>
+              </a:lnSpc>
+              <a:buFont typeface="Arial" panose="020B0604020202020204" pitchFamily="34" charset="0"/>
+              <a:buNone/>
+            </a:pPr>
+            <a:r>
+              <a:rPr lang="en-US" altLang="zh-TW" sz="3200" dirty="0">
+                <a:solidFill>
+                  <a:srgbClr val="0070C0"/>
+                </a:solidFill>
+                <a:latin typeface="微軟正黑體" panose="020B0604030504040204" pitchFamily="34" charset="-120"/>
+              </a:rPr>
+              <a:t>+ </a:t>
+            </a:r>
+            <a:r>
+              <a:rPr lang="zh-TW" altLang="en-US" sz="3200" dirty="0">
+                <a:solidFill>
+                  <a:srgbClr val="0070C0"/>
+                </a:solidFill>
+                <a:latin typeface="微軟正黑體" panose="020B0604030504040204" pitchFamily="34" charset="-120"/>
+              </a:rPr>
+              <a:t>可以使用在運算，也可以使用在字符串接</a:t>
+            </a:r>
+            <a:endParaRPr lang="en-US" altLang="zh-TW" sz="3200" dirty="0">
+              <a:solidFill>
+                <a:srgbClr val="0070C0"/>
+              </a:solidFill>
+              <a:latin typeface="微軟正黑體" panose="020B0604030504040204" pitchFamily="34" charset="-120"/>
+            </a:endParaRPr>
+          </a:p>
+        </p:txBody>
+      </p:sp>
+      <p:pic>
+        <p:nvPicPr>
+          <p:cNvPr id="5" name="圖片 4" descr="一張含有 文字 的圖片&#10;&#10;自動產生的描述">
+            <a:extLst>
+              <a:ext uri="{FF2B5EF4-FFF2-40B4-BE49-F238E27FC236}">
+                <a16:creationId xmlns:a16="http://schemas.microsoft.com/office/drawing/2014/main" id="{5BEF8157-97CC-A244-AAC2-17FC3192446B}"/>
+              </a:ext>
+            </a:extLst>
+          </p:cNvPr>
+          <p:cNvPicPr>
+            <a:picLocks noChangeAspect="1"/>
+          </p:cNvPicPr>
+          <p:nvPr/>
+        </p:nvPicPr>
+        <p:blipFill>
+          <a:blip r:embed="rId3">
+            <a:extLst>
+              <a:ext uri="{28A0092B-C50C-407E-A947-70E740481C1C}">
+                <a14:useLocalDpi xmlns:a14="http://schemas.microsoft.com/office/drawing/2010/main" val="0"/>
+              </a:ext>
+            </a:extLst>
+          </a:blip>
+          <a:stretch>
+            <a:fillRect/>
+          </a:stretch>
+        </p:blipFill>
+        <p:spPr>
+          <a:xfrm>
+            <a:off x="340899" y="3429000"/>
+            <a:ext cx="3940774" cy="2465510"/>
+          </a:xfrm>
+          <a:prstGeom prst="rect">
+            <a:avLst/>
+          </a:prstGeom>
+        </p:spPr>
+      </p:pic>
+      <p:pic>
+        <p:nvPicPr>
+          <p:cNvPr id="9" name="圖片 8" descr="一張含有 文字 的圖片&#10;&#10;自動產生的描述">
+            <a:extLst>
+              <a:ext uri="{FF2B5EF4-FFF2-40B4-BE49-F238E27FC236}">
+                <a16:creationId xmlns:a16="http://schemas.microsoft.com/office/drawing/2014/main" id="{03161A35-458F-014A-BEBC-53CA5C1E49C1}"/>
+              </a:ext>
+            </a:extLst>
+          </p:cNvPr>
+          <p:cNvPicPr>
+            <a:picLocks noChangeAspect="1"/>
+          </p:cNvPicPr>
+          <p:nvPr/>
+        </p:nvPicPr>
+        <p:blipFill>
+          <a:blip r:embed="rId4">
+            <a:extLst>
+              <a:ext uri="{28A0092B-C50C-407E-A947-70E740481C1C}">
+                <a14:useLocalDpi xmlns:a14="http://schemas.microsoft.com/office/drawing/2010/main" val="0"/>
+              </a:ext>
+            </a:extLst>
+          </a:blip>
+          <a:stretch>
+            <a:fillRect/>
+          </a:stretch>
+        </p:blipFill>
+        <p:spPr>
+          <a:xfrm>
+            <a:off x="4345465" y="3789040"/>
+            <a:ext cx="4619023" cy="1649651"/>
+          </a:xfrm>
+          <a:prstGeom prst="rect">
+            <a:avLst/>
+          </a:prstGeom>
+        </p:spPr>
+      </p:pic>
+    </p:spTree>
+    <p:extLst>
+      <p:ext uri="{BB962C8B-B14F-4D97-AF65-F5344CB8AC3E}">
+        <p14:creationId xmlns:p14="http://schemas.microsoft.com/office/powerpoint/2010/main" val="1980618451"/>
+      </p:ext>
+    </p:extLst>
+  </p:cSld>
+  <p:clrMapOvr>
+    <a:masterClrMapping/>
+  </p:clrMapOvr>
+</p:sld>
+</file>
+
+<file path=ppt/slides/slide15.xml><?xml version="1.0" encoding="utf-8"?>
+<p:sld xmlns:a="http://schemas.openxmlformats.org/drawingml/2006/main" xmlns:r="http://schemas.openxmlformats.org/officeDocument/2006/relationships" xmlns:p="http://schemas.openxmlformats.org/presentationml/2006/main">
+  <p:cSld>
+    <p:spTree>
+      <p:nvGrpSpPr>
+        <p:cNvPr id="1" name=""/>
+        <p:cNvGrpSpPr/>
+        <p:nvPr/>
+      </p:nvGrpSpPr>
+      <p:grpSpPr>
+        <a:xfrm>
+          <a:off x="0" y="0"/>
+          <a:ext cx="0" cy="0"/>
+          <a:chOff x="0" y="0"/>
+          <a:chExt cx="0" cy="0"/>
+        </a:xfrm>
+      </p:grpSpPr>
+      <p:sp>
+        <p:nvSpPr>
+          <p:cNvPr id="2" name="標題 1"/>
+          <p:cNvSpPr>
+            <a:spLocks noGrp="1"/>
+          </p:cNvSpPr>
+          <p:nvPr>
+            <p:ph type="title"/>
+          </p:nvPr>
+        </p:nvSpPr>
+        <p:spPr>
+          <a:xfrm>
+            <a:off x="0" y="1"/>
+            <a:ext cx="9144000" cy="836712"/>
+          </a:xfrm>
+        </p:spPr>
+        <p:txBody>
+          <a:bodyPr anchor="b">
+            <a:normAutofit/>
+          </a:bodyPr>
+          <a:lstStyle/>
+          <a:p>
+            <a:pPr algn="ctr"/>
+            <a:r>
+              <a:rPr lang="en-US" altLang="zh-TW" sz="4000" dirty="0">
+                <a:solidFill>
+                  <a:srgbClr val="0070C0"/>
+                </a:solidFill>
+                <a:latin typeface="微軟正黑體" panose="020B0604030504040204" pitchFamily="34" charset="-120"/>
+                <a:ea typeface="微軟正黑體" panose="020B0604030504040204" pitchFamily="34" charset="-120"/>
+              </a:rPr>
+              <a:t>JavaScript – </a:t>
+            </a:r>
+            <a:r>
+              <a:rPr lang="en-US" altLang="zh-TW" sz="4000" dirty="0" err="1">
+                <a:solidFill>
+                  <a:srgbClr val="0070C0"/>
+                </a:solidFill>
+                <a:latin typeface="微軟正黑體" panose="020B0604030504040204" pitchFamily="34" charset="-120"/>
+                <a:ea typeface="微軟正黑體" panose="020B0604030504040204" pitchFamily="34" charset="-120"/>
+              </a:rPr>
+              <a:t>consol.log</a:t>
+            </a:r>
+            <a:r>
+              <a:rPr lang="en-US" altLang="zh-TW" sz="4000" dirty="0">
+                <a:solidFill>
+                  <a:srgbClr val="0070C0"/>
+                </a:solidFill>
+                <a:latin typeface="微軟正黑體" panose="020B0604030504040204" pitchFamily="34" charset="-120"/>
+              </a:rPr>
+              <a:t>()</a:t>
+            </a:r>
+            <a:endParaRPr lang="zh-TW" altLang="en-US" sz="4000" dirty="0">
+              <a:solidFill>
+                <a:srgbClr val="0070C0"/>
+              </a:solidFill>
+              <a:latin typeface="微軟正黑體" panose="020B0604030504040204" pitchFamily="34" charset="-120"/>
+              <a:ea typeface="微軟正黑體" panose="020B0604030504040204" pitchFamily="34" charset="-120"/>
+            </a:endParaRPr>
+          </a:p>
+        </p:txBody>
+      </p:sp>
+      <p:pic>
+        <p:nvPicPr>
+          <p:cNvPr id="6" name="圖片 5">
+            <a:extLst>
+              <a:ext uri="{FF2B5EF4-FFF2-40B4-BE49-F238E27FC236}">
+                <a16:creationId xmlns:a16="http://schemas.microsoft.com/office/drawing/2014/main" id="{EACA8E2E-C40D-6B47-A2BC-14DFE56DC313}"/>
+              </a:ext>
+            </a:extLst>
+          </p:cNvPr>
+          <p:cNvPicPr>
+            <a:picLocks noChangeAspect="1"/>
+          </p:cNvPicPr>
+          <p:nvPr/>
+        </p:nvPicPr>
+        <p:blipFill>
+          <a:blip r:embed="rId3">
+            <a:extLst>
+              <a:ext uri="{28A0092B-C50C-407E-A947-70E740481C1C}">
+                <a14:useLocalDpi xmlns:a14="http://schemas.microsoft.com/office/drawing/2010/main" val="0"/>
+              </a:ext>
+            </a:extLst>
+          </a:blip>
+          <a:stretch>
+            <a:fillRect/>
+          </a:stretch>
+        </p:blipFill>
+        <p:spPr>
+          <a:xfrm>
+            <a:off x="1598641" y="1268760"/>
+            <a:ext cx="5946717" cy="713606"/>
+          </a:xfrm>
+          <a:prstGeom prst="rect">
+            <a:avLst/>
+          </a:prstGeom>
+        </p:spPr>
+      </p:pic>
+      <p:pic>
+        <p:nvPicPr>
+          <p:cNvPr id="8" name="圖片 7">
+            <a:extLst>
+              <a:ext uri="{FF2B5EF4-FFF2-40B4-BE49-F238E27FC236}">
+                <a16:creationId xmlns:a16="http://schemas.microsoft.com/office/drawing/2014/main" id="{A63343A7-2AA6-CE4F-87C6-5F536912D853}"/>
+              </a:ext>
+            </a:extLst>
+          </p:cNvPr>
+          <p:cNvPicPr>
+            <a:picLocks noChangeAspect="1"/>
+          </p:cNvPicPr>
+          <p:nvPr/>
+        </p:nvPicPr>
+        <p:blipFill>
+          <a:blip r:embed="rId4">
+            <a:extLst>
+              <a:ext uri="{28A0092B-C50C-407E-A947-70E740481C1C}">
+                <a14:useLocalDpi xmlns:a14="http://schemas.microsoft.com/office/drawing/2010/main" val="0"/>
+              </a:ext>
+            </a:extLst>
+          </a:blip>
+          <a:stretch>
+            <a:fillRect/>
+          </a:stretch>
+        </p:blipFill>
+        <p:spPr>
+          <a:xfrm>
+            <a:off x="902436" y="2579180"/>
+            <a:ext cx="7339128" cy="2322935"/>
+          </a:xfrm>
+          <a:prstGeom prst="rect">
+            <a:avLst/>
+          </a:prstGeom>
+        </p:spPr>
+      </p:pic>
+    </p:spTree>
+    <p:extLst>
+      <p:ext uri="{BB962C8B-B14F-4D97-AF65-F5344CB8AC3E}">
+        <p14:creationId xmlns:p14="http://schemas.microsoft.com/office/powerpoint/2010/main" val="3920251046"/>
+      </p:ext>
+    </p:extLst>
+  </p:cSld>
+  <p:clrMapOvr>
+    <a:masterClrMapping/>
+  </p:clrMapOvr>
+</p:sld>
+</file>
+
+<file path=ppt/slides/slide16.xml><?xml version="1.0" encoding="utf-8"?>
+<p:sld xmlns:a="http://schemas.openxmlformats.org/drawingml/2006/main" xmlns:r="http://schemas.openxmlformats.org/officeDocument/2006/relationships" xmlns:p="http://schemas.openxmlformats.org/presentationml/2006/main">
+  <p:cSld>
+    <p:spTree>
+      <p:nvGrpSpPr>
+        <p:cNvPr id="1" name=""/>
+        <p:cNvGrpSpPr/>
+        <p:nvPr/>
+      </p:nvGrpSpPr>
+      <p:grpSpPr>
+        <a:xfrm>
+          <a:off x="0" y="0"/>
+          <a:ext cx="0" cy="0"/>
+          <a:chOff x="0" y="0"/>
+          <a:chExt cx="0" cy="0"/>
+        </a:xfrm>
+      </p:grpSpPr>
+      <p:sp>
+        <p:nvSpPr>
+          <p:cNvPr id="2" name="標題 1"/>
+          <p:cNvSpPr>
+            <a:spLocks noGrp="1"/>
+          </p:cNvSpPr>
+          <p:nvPr>
+            <p:ph type="title"/>
+          </p:nvPr>
+        </p:nvSpPr>
+        <p:spPr>
+          <a:xfrm>
+            <a:off x="0" y="1"/>
+            <a:ext cx="9144000" cy="836712"/>
+          </a:xfrm>
+        </p:spPr>
+        <p:txBody>
+          <a:bodyPr anchor="b">
+            <a:normAutofit/>
+          </a:bodyPr>
+          <a:lstStyle/>
+          <a:p>
+            <a:pPr algn="ctr"/>
+            <a:r>
+              <a:rPr lang="en-US" altLang="zh-TW" sz="4000" dirty="0">
+                <a:solidFill>
+                  <a:srgbClr val="0070C0"/>
+                </a:solidFill>
+                <a:latin typeface="微軟正黑體" panose="020B0604030504040204" pitchFamily="34" charset="-120"/>
+                <a:ea typeface="微軟正黑體" panose="020B0604030504040204" pitchFamily="34" charset="-120"/>
+              </a:rPr>
               <a:t>JavaScript – if else</a:t>
             </a:r>
             <a:endParaRPr lang="zh-TW" altLang="en-US" sz="4000" dirty="0">
@@ -8183,7 +9505,7 @@
 </p:sld>
 </file>
 
-<file path=ppt/slides/slide14.xml><?xml version="1.0" encoding="utf-8"?>
+<file path=ppt/slides/slide17.xml><?xml version="1.0" encoding="utf-8"?>
 <p:sld xmlns:a="http://schemas.openxmlformats.org/drawingml/2006/main" xmlns:r="http://schemas.openxmlformats.org/officeDocument/2006/relationships" xmlns:p="http://schemas.openxmlformats.org/presentationml/2006/main">
   <p:cSld>
     <p:spTree>
@@ -8295,7 +9617,7 @@
 </p:sld>
 </file>
 
-<file path=ppt/slides/slide15.xml><?xml version="1.0" encoding="utf-8"?>
+<file path=ppt/slides/slide18.xml><?xml version="1.0" encoding="utf-8"?>
 <p:sld xmlns:a="http://schemas.openxmlformats.org/drawingml/2006/main" xmlns:r="http://schemas.openxmlformats.org/officeDocument/2006/relationships" xmlns:p="http://schemas.openxmlformats.org/presentationml/2006/main">
   <p:cSld>
     <p:spTree>
@@ -8336,32 +9658,14 @@
           <a:p>
             <a:pPr algn="ctr"/>
             <a:r>
-              <a:rPr lang="en-US" altLang="zh-TW" sz="4000" dirty="0">
+              <a:rPr lang="zh-TW" altLang="en-US" sz="4000">
                 <a:solidFill>
                   <a:srgbClr val="0070C0"/>
                 </a:solidFill>
                 <a:latin typeface="微軟正黑體" panose="020B0604030504040204" pitchFamily="34" charset="-120"/>
                 <a:ea typeface="微軟正黑體" panose="020B0604030504040204" pitchFamily="34" charset="-120"/>
               </a:rPr>
-              <a:t>JavaScript – </a:t>
-            </a:r>
-            <a:r>
-              <a:rPr lang="en-US" altLang="zh-TW" sz="4000" dirty="0" err="1">
-                <a:solidFill>
-                  <a:srgbClr val="0070C0"/>
-                </a:solidFill>
-                <a:latin typeface="微軟正黑體" panose="020B0604030504040204" pitchFamily="34" charset="-120"/>
-              </a:rPr>
-              <a:t>document.write</a:t>
-            </a:r>
-            <a:r>
-              <a:rPr lang="en-US" altLang="zh-TW" sz="4000" dirty="0">
-                <a:solidFill>
-                  <a:srgbClr val="0070C0"/>
-                </a:solidFill>
-                <a:latin typeface="微軟正黑體" panose="020B0604030504040204" pitchFamily="34" charset="-120"/>
-              </a:rPr>
-              <a:t>()</a:t>
+              <a:t>作業</a:t>
             </a:r>
             <a:endParaRPr lang="zh-TW" altLang="en-US" sz="4000" dirty="0">
               <a:solidFill>
@@ -8373,46 +9677,99 @@
           </a:p>
         </p:txBody>
       </p:sp>
-      <p:pic>
-        <p:nvPicPr>
-          <p:cNvPr id="17" name="圖片 16">
-            <a:extLst>
-              <a:ext uri="{FF2B5EF4-FFF2-40B4-BE49-F238E27FC236}">
-                <a16:creationId xmlns:a16="http://schemas.microsoft.com/office/drawing/2014/main" id="{14B8991A-2E41-1149-9BE4-31EEA21230E5}"/>
-              </a:ext>
-            </a:extLst>
-          </p:cNvPr>
-          <p:cNvPicPr>
-            <a:picLocks noChangeAspect="1"/>
-          </p:cNvPicPr>
-          <p:nvPr/>
-        </p:nvPicPr>
-        <p:blipFill>
-          <a:blip r:embed="rId3">
-            <a:extLst>
-              <a:ext uri="{28A0092B-C50C-407E-A947-70E740481C1C}">
-                <a14:useLocalDpi xmlns:a14="http://schemas.microsoft.com/office/drawing/2010/main" val="0"/>
-              </a:ext>
-            </a:extLst>
-          </a:blip>
-          <a:stretch>
-            <a:fillRect/>
-          </a:stretch>
-        </p:blipFill>
+      <p:sp>
+        <p:nvSpPr>
+          <p:cNvPr id="3" name="內容版面配置區 2"/>
+          <p:cNvSpPr>
+            <a:spLocks noGrp="1"/>
+          </p:cNvSpPr>
+          <p:nvPr>
+            <p:ph idx="1"/>
+          </p:nvPr>
+        </p:nvSpPr>
         <p:spPr>
           <a:xfrm>
-            <a:off x="125760" y="3160692"/>
-            <a:ext cx="8892480" cy="536615"/>
+            <a:off x="628650" y="1196752"/>
+            <a:ext cx="7886700" cy="4351338"/>
           </a:xfrm>
-          <a:prstGeom prst="rect">
-            <a:avLst/>
-          </a:prstGeom>
         </p:spPr>
-      </p:pic>
+        <p:txBody>
+          <a:bodyPr/>
+          <a:lstStyle/>
+          <a:p>
+            <a:r>
+              <a:rPr lang="zh-TW" altLang="en-US" dirty="0"/>
+              <a:t>目標：寫出一個九九乘法表顯示於</a:t>
+            </a:r>
+            <a:r>
+              <a:rPr lang="en-US" altLang="zh-TW" dirty="0"/>
+              <a:t>Console</a:t>
+            </a:r>
+            <a:r>
+              <a:rPr lang="zh-TW" altLang="en-US" dirty="0"/>
+              <a:t>中。</a:t>
+            </a:r>
+            <a:endParaRPr lang="en-US" altLang="zh-TW" dirty="0"/>
+          </a:p>
+          <a:p>
+            <a:r>
+              <a:rPr lang="zh-TW" altLang="en-US" dirty="0">
+                <a:latin typeface="Consolas" panose="020B0609020204030204" pitchFamily="49" charset="0"/>
+              </a:rPr>
+              <a:t>所需</a:t>
+            </a:r>
+            <a:r>
+              <a:rPr lang="en-US" altLang="zh-TW" dirty="0">
+                <a:latin typeface="Consolas" panose="020B0609020204030204" pitchFamily="49" charset="0"/>
+              </a:rPr>
+              <a:t>JS</a:t>
+            </a:r>
+            <a:r>
+              <a:rPr lang="zh-TW" altLang="en-US" dirty="0">
+                <a:latin typeface="Consolas" panose="020B0609020204030204" pitchFamily="49" charset="0"/>
+              </a:rPr>
+              <a:t>語法：</a:t>
+            </a:r>
+            <a:r>
+              <a:rPr lang="en-US" altLang="zh-TW" dirty="0" err="1">
+                <a:latin typeface="Consolas" panose="020B0609020204030204" pitchFamily="49" charset="0"/>
+              </a:rPr>
+              <a:t>console.log</a:t>
+            </a:r>
+            <a:r>
+              <a:rPr lang="en-US" altLang="zh-TW" dirty="0">
+                <a:latin typeface="Consolas" panose="020B0609020204030204" pitchFamily="49" charset="0"/>
+              </a:rPr>
+              <a:t>()</a:t>
+            </a:r>
+            <a:r>
+              <a:rPr lang="zh-TW" altLang="en-US" dirty="0">
+                <a:latin typeface="Consolas" panose="020B0609020204030204" pitchFamily="49" charset="0"/>
+              </a:rPr>
+              <a:t>、</a:t>
+            </a:r>
+            <a:r>
+              <a:rPr lang="en-US" altLang="zh-TW" dirty="0">
+                <a:latin typeface="Consolas" panose="020B0609020204030204" pitchFamily="49" charset="0"/>
+              </a:rPr>
+              <a:t>for</a:t>
+            </a:r>
+            <a:r>
+              <a:rPr lang="zh-TW" altLang="en-US" dirty="0">
+                <a:latin typeface="Consolas" panose="020B0609020204030204" pitchFamily="49" charset="0"/>
+              </a:rPr>
+              <a:t>迴圈</a:t>
+            </a:r>
+            <a:endParaRPr lang="en-US" altLang="zh-TW" dirty="0">
+              <a:latin typeface="Consolas" panose="020B0609020204030204" pitchFamily="49" charset="0"/>
+            </a:endParaRPr>
+          </a:p>
+        </p:txBody>
+      </p:sp>
     </p:spTree>
     <p:extLst>
       <p:ext uri="{BB962C8B-B14F-4D97-AF65-F5344CB8AC3E}">
-        <p14:creationId xmlns:p14="http://schemas.microsoft.com/office/powerpoint/2010/main" val="3920251046"/>
+        <p14:creationId xmlns:p14="http://schemas.microsoft.com/office/powerpoint/2010/main" val="1594041963"/>
       </p:ext>
     </p:extLst>
   </p:cSld>
@@ -8422,7 +9779,7 @@
 </p:sld>
 </file>
 
-<file path=ppt/slides/slide16.xml><?xml version="1.0" encoding="utf-8"?>
+<file path=ppt/slides/slide19.xml><?xml version="1.0" encoding="utf-8"?>
 <p:sld xmlns:a="http://schemas.openxmlformats.org/drawingml/2006/main" xmlns:r="http://schemas.openxmlformats.org/officeDocument/2006/relationships" xmlns:p="http://schemas.openxmlformats.org/presentationml/2006/main">
   <p:cSld>
     <p:spTree>
@@ -8463,299 +9820,13 @@
           <a:p>
             <a:pPr algn="ctr"/>
             <a:r>
-              <a:rPr lang="zh-TW" altLang="en-US" sz="4000">
+              <a:rPr lang="zh-TW" altLang="en-US" sz="4000" dirty="0">
                 <a:solidFill>
                   <a:srgbClr val="0070C0"/>
                 </a:solidFill>
                 <a:latin typeface="微軟正黑體" panose="020B0604030504040204" pitchFamily="34" charset="-120"/>
                 <a:ea typeface="微軟正黑體" panose="020B0604030504040204" pitchFamily="34" charset="-120"/>
               </a:rPr>
-              <a:t>作業</a:t>
-            </a:r>
-            <a:endParaRPr lang="zh-TW" altLang="en-US" sz="4000" dirty="0">
-              <a:solidFill>
-                <a:srgbClr val="0070C0"/>
-              </a:solidFill>
-              <a:latin typeface="微軟正黑體" panose="020B0604030504040204" pitchFamily="34" charset="-120"/>
-              <a:ea typeface="微軟正黑體" panose="020B0604030504040204" pitchFamily="34" charset="-120"/>
-            </a:endParaRPr>
-          </a:p>
-        </p:txBody>
-      </p:sp>
-      <p:sp>
-        <p:nvSpPr>
-          <p:cNvPr id="3" name="內容版面配置區 2"/>
-          <p:cNvSpPr>
-            <a:spLocks noGrp="1"/>
-          </p:cNvSpPr>
-          <p:nvPr>
-            <p:ph idx="1"/>
-          </p:nvPr>
-        </p:nvSpPr>
-        <p:spPr>
-          <a:xfrm>
-            <a:off x="628650" y="1196752"/>
-            <a:ext cx="7886700" cy="4351338"/>
-          </a:xfrm>
-        </p:spPr>
-        <p:txBody>
-          <a:bodyPr/>
-          <a:lstStyle/>
-          <a:p>
-            <a:r>
-              <a:rPr lang="zh-TW" altLang="en-US" dirty="0"/>
-              <a:t>目標：寫出一個九九乘法表。</a:t>
-            </a:r>
-            <a:endParaRPr lang="en-US" altLang="zh-TW" dirty="0"/>
-          </a:p>
-          <a:p>
-            <a:r>
-              <a:rPr lang="zh-TW" altLang="en-US" dirty="0"/>
-              <a:t>所需標籤：</a:t>
-            </a:r>
-            <a:r>
-              <a:rPr lang="en-US" altLang="zh-TW" dirty="0">
-                <a:latin typeface="Consolas" panose="020B0609020204030204" pitchFamily="49" charset="0"/>
-              </a:rPr>
-              <a:t>&lt;table&gt;</a:t>
-            </a:r>
-            <a:r>
-              <a:rPr lang="zh-TW" altLang="en-US" dirty="0">
-                <a:latin typeface="Consolas" panose="020B0609020204030204" pitchFamily="49" charset="0"/>
-              </a:rPr>
-              <a:t>、</a:t>
-            </a:r>
-            <a:r>
-              <a:rPr lang="en-US" altLang="zh-TW" dirty="0">
-                <a:latin typeface="Consolas" panose="020B0609020204030204" pitchFamily="49" charset="0"/>
-              </a:rPr>
-              <a:t>&lt;</a:t>
-            </a:r>
-            <a:r>
-              <a:rPr lang="en-US" altLang="zh-TW" dirty="0" err="1">
-                <a:latin typeface="Consolas" panose="020B0609020204030204" pitchFamily="49" charset="0"/>
-              </a:rPr>
-              <a:t>thead</a:t>
-            </a:r>
-            <a:r>
-              <a:rPr lang="en-US" altLang="zh-TW" dirty="0">
-                <a:latin typeface="Consolas" panose="020B0609020204030204" pitchFamily="49" charset="0"/>
-              </a:rPr>
-              <a:t>&gt;</a:t>
-            </a:r>
-            <a:r>
-              <a:rPr lang="zh-TW" altLang="en-US" dirty="0">
-                <a:latin typeface="Consolas" panose="020B0609020204030204" pitchFamily="49" charset="0"/>
-              </a:rPr>
-              <a:t>、</a:t>
-            </a:r>
-            <a:r>
-              <a:rPr lang="en-US" altLang="zh-TW" dirty="0">
-                <a:latin typeface="Consolas" panose="020B0609020204030204" pitchFamily="49" charset="0"/>
-              </a:rPr>
-              <a:t>&lt;</a:t>
-            </a:r>
-            <a:r>
-              <a:rPr lang="en-US" altLang="zh-TW" dirty="0" err="1">
-                <a:latin typeface="Consolas" panose="020B0609020204030204" pitchFamily="49" charset="0"/>
-              </a:rPr>
-              <a:t>tbody</a:t>
-            </a:r>
-            <a:r>
-              <a:rPr lang="en-US" altLang="zh-TW" dirty="0">
-                <a:latin typeface="Consolas" panose="020B0609020204030204" pitchFamily="49" charset="0"/>
-              </a:rPr>
-              <a:t>&gt;</a:t>
-            </a:r>
-            <a:r>
-              <a:rPr lang="zh-TW" altLang="en-US" dirty="0">
-                <a:latin typeface="Consolas" panose="020B0609020204030204" pitchFamily="49" charset="0"/>
-              </a:rPr>
-              <a:t>、</a:t>
-            </a:r>
-            <a:r>
-              <a:rPr lang="en-US" altLang="zh-TW" dirty="0">
-                <a:latin typeface="Consolas" panose="020B0609020204030204" pitchFamily="49" charset="0"/>
-              </a:rPr>
-              <a:t>&lt;</a:t>
-            </a:r>
-            <a:r>
-              <a:rPr lang="en-US" altLang="zh-TW" dirty="0" err="1">
-                <a:latin typeface="Consolas" panose="020B0609020204030204" pitchFamily="49" charset="0"/>
-              </a:rPr>
-              <a:t>tr</a:t>
-            </a:r>
-            <a:r>
-              <a:rPr lang="en-US" altLang="zh-TW" dirty="0">
-                <a:latin typeface="Consolas" panose="020B0609020204030204" pitchFamily="49" charset="0"/>
-              </a:rPr>
-              <a:t>&gt;</a:t>
-            </a:r>
-            <a:r>
-              <a:rPr lang="zh-TW" altLang="en-US" dirty="0">
-                <a:latin typeface="Consolas" panose="020B0609020204030204" pitchFamily="49" charset="0"/>
-              </a:rPr>
-              <a:t>、</a:t>
-            </a:r>
-            <a:r>
-              <a:rPr lang="en-US" altLang="zh-TW" dirty="0">
-                <a:latin typeface="Consolas" panose="020B0609020204030204" pitchFamily="49" charset="0"/>
-              </a:rPr>
-              <a:t>&lt;</a:t>
-            </a:r>
-            <a:r>
-              <a:rPr lang="en-US" altLang="zh-TW" dirty="0" err="1">
-                <a:latin typeface="Consolas" panose="020B0609020204030204" pitchFamily="49" charset="0"/>
-              </a:rPr>
-              <a:t>th</a:t>
-            </a:r>
-            <a:r>
-              <a:rPr lang="en-US" altLang="zh-TW" dirty="0">
-                <a:latin typeface="Consolas" panose="020B0609020204030204" pitchFamily="49" charset="0"/>
-              </a:rPr>
-              <a:t>&gt;</a:t>
-            </a:r>
-            <a:r>
-              <a:rPr lang="zh-TW" altLang="en-US" dirty="0">
-                <a:latin typeface="Consolas" panose="020B0609020204030204" pitchFamily="49" charset="0"/>
-              </a:rPr>
-              <a:t>、</a:t>
-            </a:r>
-            <a:r>
-              <a:rPr lang="en-US" altLang="zh-TW" dirty="0">
-                <a:latin typeface="Consolas" panose="020B0609020204030204" pitchFamily="49" charset="0"/>
-              </a:rPr>
-              <a:t>&lt;td&gt;</a:t>
-            </a:r>
-          </a:p>
-          <a:p>
-            <a:r>
-              <a:rPr lang="zh-TW" altLang="en-US" dirty="0"/>
-              <a:t>所需標籤屬性：</a:t>
-            </a:r>
-            <a:r>
-              <a:rPr lang="en-US" altLang="zh-TW" dirty="0">
-                <a:latin typeface="Consolas" panose="020B0609020204030204" pitchFamily="49" charset="0"/>
-              </a:rPr>
-              <a:t>style</a:t>
-            </a:r>
-          </a:p>
-          <a:p>
-            <a:r>
-              <a:rPr lang="zh-TW" altLang="en-US" dirty="0">
-                <a:latin typeface="Consolas" panose="020B0609020204030204" pitchFamily="49" charset="0"/>
-              </a:rPr>
-              <a:t>所需</a:t>
-            </a:r>
-            <a:r>
-              <a:rPr lang="en-US" altLang="zh-TW" dirty="0">
-                <a:latin typeface="Consolas" panose="020B0609020204030204" pitchFamily="49" charset="0"/>
-              </a:rPr>
-              <a:t>JS</a:t>
-            </a:r>
-            <a:r>
-              <a:rPr lang="zh-TW" altLang="en-US" dirty="0">
-                <a:latin typeface="Consolas" panose="020B0609020204030204" pitchFamily="49" charset="0"/>
-              </a:rPr>
-              <a:t>語法：</a:t>
-            </a:r>
-            <a:r>
-              <a:rPr lang="en-US" altLang="zh-TW" dirty="0" err="1">
-                <a:latin typeface="Consolas" panose="020B0609020204030204" pitchFamily="49" charset="0"/>
-              </a:rPr>
-              <a:t>document.write</a:t>
-            </a:r>
-            <a:r>
-              <a:rPr lang="en-US" altLang="zh-TW" dirty="0">
-                <a:latin typeface="Consolas" panose="020B0609020204030204" pitchFamily="49" charset="0"/>
-              </a:rPr>
-              <a:t>()</a:t>
-            </a:r>
-            <a:r>
-              <a:rPr lang="zh-TW" altLang="en-US" dirty="0">
-                <a:latin typeface="Consolas" panose="020B0609020204030204" pitchFamily="49" charset="0"/>
-              </a:rPr>
-              <a:t>、</a:t>
-            </a:r>
-            <a:r>
-              <a:rPr lang="en-US" altLang="zh-TW" dirty="0">
-                <a:latin typeface="Consolas" panose="020B0609020204030204" pitchFamily="49" charset="0"/>
-              </a:rPr>
-              <a:t>for</a:t>
-            </a:r>
-            <a:r>
-              <a:rPr lang="zh-TW" altLang="en-US" dirty="0">
-                <a:latin typeface="Consolas" panose="020B0609020204030204" pitchFamily="49" charset="0"/>
-              </a:rPr>
-              <a:t>迴圈</a:t>
-            </a:r>
-            <a:endParaRPr lang="en-US" altLang="zh-TW" dirty="0">
-              <a:latin typeface="Consolas" panose="020B0609020204030204" pitchFamily="49" charset="0"/>
-            </a:endParaRPr>
-          </a:p>
-        </p:txBody>
-      </p:sp>
-    </p:spTree>
-    <p:extLst>
-      <p:ext uri="{BB962C8B-B14F-4D97-AF65-F5344CB8AC3E}">
-        <p14:creationId xmlns:p14="http://schemas.microsoft.com/office/powerpoint/2010/main" val="1594041963"/>
-      </p:ext>
-    </p:extLst>
-  </p:cSld>
-  <p:clrMapOvr>
-    <a:masterClrMapping/>
-  </p:clrMapOvr>
-</p:sld>
-</file>
-
-<file path=ppt/slides/slide17.xml><?xml version="1.0" encoding="utf-8"?>
-<p:sld xmlns:a="http://schemas.openxmlformats.org/drawingml/2006/main" xmlns:r="http://schemas.openxmlformats.org/officeDocument/2006/relationships" xmlns:p="http://schemas.openxmlformats.org/presentationml/2006/main">
-  <p:cSld>
-    <p:spTree>
-      <p:nvGrpSpPr>
-        <p:cNvPr id="1" name=""/>
-        <p:cNvGrpSpPr/>
-        <p:nvPr/>
-      </p:nvGrpSpPr>
-      <p:grpSpPr>
-        <a:xfrm>
-          <a:off x="0" y="0"/>
-          <a:ext cx="0" cy="0"/>
-          <a:chOff x="0" y="0"/>
-          <a:chExt cx="0" cy="0"/>
-        </a:xfrm>
-      </p:grpSpPr>
-      <p:sp>
-        <p:nvSpPr>
-          <p:cNvPr id="2" name="標題 1"/>
-          <p:cNvSpPr>
-            <a:spLocks noGrp="1"/>
-          </p:cNvSpPr>
-          <p:nvPr>
-            <p:ph type="title"/>
-          </p:nvPr>
-        </p:nvSpPr>
-        <p:spPr>
-          <a:xfrm>
-            <a:off x="0" y="1"/>
-            <a:ext cx="9144000" cy="836712"/>
-          </a:xfrm>
-        </p:spPr>
-        <p:txBody>
-          <a:bodyPr anchor="b">
-            <a:normAutofit/>
-          </a:bodyPr>
-          <a:lstStyle/>
-          <a:p>
-            <a:pPr algn="ctr"/>
-            <a:r>
-              <a:rPr lang="zh-TW" altLang="en-US" sz="4000" dirty="0">
-                <a:solidFill>
-                  <a:srgbClr val="0070C0"/>
-                </a:solidFill>
-                <a:latin typeface="微軟正黑體" panose="020B0604030504040204" pitchFamily="34" charset="-120"/>
-                <a:ea typeface="微軟正黑體" panose="020B0604030504040204" pitchFamily="34" charset="-120"/>
-              </a:rPr>
               <a:t>心得回饋</a:t>
             </a:r>
           </a:p>
@@ -8763,7 +9834,9 @@
       </p:sp>
       <p:sp>
         <p:nvSpPr>
-          <p:cNvPr id="4" name="矩形 3"/>
+          <p:cNvPr id="4" name="矩形 3">
+            <a:hlinkClick r:id="rId3"/>
+          </p:cNvPr>
           <p:cNvSpPr/>
           <p:nvPr/>
         </p:nvSpPr>
@@ -8782,11 +9855,24 @@
           </a:bodyPr>
           <a:lstStyle/>
           <a:p>
-            <a:r>
-              <a:rPr lang="zh-TW" altLang="en-US" dirty="0">
+            <a:pPr algn="ctr"/>
+            <a:r>
+              <a:rPr lang="en" altLang="zh-TW" dirty="0">
                 <a:hlinkClick r:id="rId3"/>
               </a:rPr>
-              <a:t>https://forms.gle/NdrrW86jgbSJaeYQ7</a:t>
+              <a:t>https://</a:t>
+            </a:r>
+            <a:r>
+              <a:rPr lang="en" altLang="zh-TW" dirty="0" err="1">
+                <a:hlinkClick r:id="rId3"/>
+              </a:rPr>
+              <a:t>forms.gle</a:t>
+            </a:r>
+            <a:r>
+              <a:rPr lang="en" altLang="zh-TW" dirty="0">
+                <a:hlinkClick r:id="rId3"/>
+              </a:rPr>
+              <a:t>/tFxSafyrUcj55jMXA</a:t>
             </a:r>
             <a:endParaRPr lang="zh-TW" altLang="en-US" dirty="0"/>
           </a:p>
@@ -8794,9 +9880,15 @@
       </p:sp>
       <p:pic>
         <p:nvPicPr>
-          <p:cNvPr id="4098" name="Picture 2" descr="http://s04.calm9.com/qrcode/2019-10/TCTZTH0BG2.png"/>
+          <p:cNvPr id="6" name="內容版面配置區 5">
+            <a:extLst>
+              <a:ext uri="{FF2B5EF4-FFF2-40B4-BE49-F238E27FC236}">
+                <a16:creationId xmlns:a16="http://schemas.microsoft.com/office/drawing/2014/main" id="{72B37847-1A51-B743-A6B6-FEB756DDA955}"/>
+              </a:ext>
+            </a:extLst>
+          </p:cNvPr>
           <p:cNvPicPr>
-            <a:picLocks noGrp="1" noChangeAspect="1" noChangeArrowheads="1"/>
+            <a:picLocks noGrp="1" noChangeAspect="1"/>
           </p:cNvPicPr>
           <p:nvPr>
             <p:ph idx="1"/>
@@ -8810,32 +9902,15 @@
               </a:ext>
             </a:extLst>
           </a:blip>
-          <a:srcRect/>
           <a:stretch>
             <a:fillRect/>
           </a:stretch>
         </p:blipFill>
-        <p:spPr bwMode="auto">
+        <p:spPr>
           <a:xfrm>
-            <a:off x="2339751" y="995933"/>
-            <a:ext cx="4464498" cy="4464498"/>
+            <a:off x="2394333" y="1053237"/>
+            <a:ext cx="4355332" cy="4355332"/>
           </a:xfrm>
-          <a:prstGeom prst="rect">
-            <a:avLst/>
-          </a:prstGeom>
-          <a:noFill/>
-          <a:effectLst>
-            <a:softEdge rad="127000"/>
-          </a:effectLst>
-          <a:extLst>
-            <a:ext uri="{909E8E84-426E-40DD-AFC4-6F175D3DCCD1}">
-              <a14:hiddenFill xmlns:a14="http://schemas.microsoft.com/office/drawing/2010/main">
-                <a:solidFill>
-                  <a:srgbClr val="FFFFFF"/>
-                </a:solidFill>
-              </a14:hiddenFill>
-            </a:ext>
-          </a:extLst>
         </p:spPr>
       </p:pic>
     </p:spTree>

--- a/教學簡報/JavaScript - 1.pptx
+++ b/教學簡報/JavaScript - 1.pptx
@@ -5,7 +5,7 @@
     <p:sldMasterId id="2147484070" r:id="rId1"/>
   </p:sldMasterIdLst>
   <p:notesMasterIdLst>
-    <p:notesMasterId r:id="rId21"/>
+    <p:notesMasterId r:id="rId23"/>
   </p:notesMasterIdLst>
   <p:sldIdLst>
     <p:sldId id="259" r:id="rId2"/>
@@ -20,13 +20,15 @@
     <p:sldId id="309" r:id="rId11"/>
     <p:sldId id="320" r:id="rId12"/>
     <p:sldId id="267" r:id="rId13"/>
-    <p:sldId id="356" r:id="rId14"/>
-    <p:sldId id="358" r:id="rId15"/>
-    <p:sldId id="324" r:id="rId16"/>
-    <p:sldId id="321" r:id="rId17"/>
-    <p:sldId id="322" r:id="rId18"/>
-    <p:sldId id="354" r:id="rId19"/>
-    <p:sldId id="289" r:id="rId20"/>
+    <p:sldId id="359" r:id="rId14"/>
+    <p:sldId id="360" r:id="rId15"/>
+    <p:sldId id="356" r:id="rId16"/>
+    <p:sldId id="358" r:id="rId17"/>
+    <p:sldId id="324" r:id="rId18"/>
+    <p:sldId id="321" r:id="rId19"/>
+    <p:sldId id="322" r:id="rId20"/>
+    <p:sldId id="354" r:id="rId21"/>
+    <p:sldId id="289" r:id="rId22"/>
   </p:sldIdLst>
   <p:sldSz cx="9144000" cy="6858000" type="screen4x3"/>
   <p:notesSz cx="6858000" cy="9144000"/>
@@ -154,6 +156,8 @@
           <p14:sldIdLst>
             <p14:sldId id="320"/>
             <p14:sldId id="267"/>
+            <p14:sldId id="359"/>
+            <p14:sldId id="360"/>
             <p14:sldId id="356"/>
             <p14:sldId id="358"/>
             <p14:sldId id="324"/>
@@ -274,7 +278,7 @@
             <a:fld id="{A5DCF4EA-E40D-43F8-B4CB-7F82BC812DB7}" type="datetimeFigureOut">
               <a:rPr lang="zh-TW" altLang="en-US" smtClean="0"/>
               <a:pPr/>
-              <a:t>2020/10/20</a:t>
+              <a:t>2020/10/21</a:t>
             </a:fld>
             <a:endParaRPr lang="zh-TW" altLang="en-US" dirty="0"/>
           </a:p>
@@ -1102,18 +1106,7 @@
           <a:bodyPr/>
           <a:lstStyle/>
           <a:p>
-            <a:r>
-              <a:rPr lang="zh-TW" altLang="en-US" dirty="0"/>
-              <a:t>正常來說宣告時需要加</a:t>
-            </a:r>
-            <a:r>
-              <a:rPr lang="en-US" altLang="zh-TW" dirty="0"/>
-              <a:t>var</a:t>
-            </a:r>
-            <a:r>
-              <a:rPr lang="zh-TW" altLang="en-US" dirty="0"/>
-              <a:t>，雖然不加也可以，但正確是要加上的</a:t>
-            </a:r>
+            <a:endParaRPr lang="zh-TW" altLang="en-US" dirty="0"/>
           </a:p>
         </p:txBody>
       </p:sp>
@@ -1143,7 +1136,7 @@
     </p:spTree>
     <p:extLst>
       <p:ext uri="{BB962C8B-B14F-4D97-AF65-F5344CB8AC3E}">
-        <p14:creationId xmlns:p14="http://schemas.microsoft.com/office/powerpoint/2010/main" val="2052095121"/>
+        <p14:creationId xmlns:p14="http://schemas.microsoft.com/office/powerpoint/2010/main" val="298637946"/>
       </p:ext>
     </p:extLst>
   </p:cSld>
@@ -1197,62 +1190,7 @@
           <a:bodyPr/>
           <a:lstStyle/>
           <a:p>
-            <a:r>
-              <a:rPr lang="en-US" altLang="zh-TW" sz="2000" dirty="0"/>
-              <a:t>JS</a:t>
-            </a:r>
-            <a:r>
-              <a:rPr lang="zh-TW" altLang="en-US" sz="2000" dirty="0"/>
-              <a:t>的算術其實跟各位所寫的</a:t>
-            </a:r>
-            <a:r>
-              <a:rPr lang="en-US" altLang="zh-TW" sz="2000" dirty="0"/>
-              <a:t>Java</a:t>
-            </a:r>
-            <a:r>
-              <a:rPr lang="zh-TW" altLang="en-US" sz="2000" dirty="0"/>
-              <a:t>沒有太大不同，也是使用</a:t>
-            </a:r>
-            <a:r>
-              <a:rPr lang="en-US" altLang="zh-TW" sz="2000" dirty="0"/>
-              <a:t> +</a:t>
-            </a:r>
-            <a:r>
-              <a:rPr lang="zh-TW" altLang="en-US" sz="2000" dirty="0"/>
-              <a:t>、</a:t>
-            </a:r>
-            <a:r>
-              <a:rPr lang="en-US" altLang="zh-TW" sz="2000" dirty="0"/>
-              <a:t>-</a:t>
-            </a:r>
-            <a:r>
-              <a:rPr lang="zh-TW" altLang="en-US" sz="2000" dirty="0"/>
-              <a:t>、</a:t>
-            </a:r>
-            <a:r>
-              <a:rPr lang="en-US" altLang="zh-TW" sz="2000" dirty="0"/>
-              <a:t>*</a:t>
-            </a:r>
-            <a:r>
-              <a:rPr lang="zh-TW" altLang="en-US" sz="2000" dirty="0"/>
-              <a:t>、</a:t>
-            </a:r>
-            <a:r>
-              <a:rPr lang="en-US" altLang="zh-TW" sz="2000" dirty="0"/>
-              <a:t>/</a:t>
-            </a:r>
-            <a:r>
-              <a:rPr lang="zh-TW" altLang="en-US" sz="2000" dirty="0"/>
-              <a:t>，但</a:t>
-            </a:r>
-            <a:r>
-              <a:rPr lang="en-US" altLang="zh-TW" sz="2000" dirty="0"/>
-              <a:t>+</a:t>
-            </a:r>
-            <a:r>
-              <a:rPr lang="zh-TW" altLang="en-US" sz="2000" dirty="0"/>
-              <a:t>可以用來做字符串接</a:t>
-            </a:r>
+            <a:endParaRPr lang="zh-TW" altLang="en-US" dirty="0"/>
           </a:p>
         </p:txBody>
       </p:sp>
@@ -1282,7 +1220,7 @@
     </p:spTree>
     <p:extLst>
       <p:ext uri="{BB962C8B-B14F-4D97-AF65-F5344CB8AC3E}">
-        <p14:creationId xmlns:p14="http://schemas.microsoft.com/office/powerpoint/2010/main" val="3560062510"/>
+        <p14:creationId xmlns:p14="http://schemas.microsoft.com/office/powerpoint/2010/main" val="3078707058"/>
       </p:ext>
     </p:extLst>
   </p:cSld>
@@ -1337,50 +1275,17 @@
           <a:lstStyle/>
           <a:p>
             <a:r>
-              <a:rPr lang="en" altLang="zh-TW" sz="1200" b="0" kern="1200" dirty="0" err="1">
-                <a:solidFill>
-                  <a:schemeClr val="tx1"/>
-                </a:solidFill>
-                <a:effectLst/>
-                <a:latin typeface="+mn-lt"/>
-                <a:ea typeface="微軟正黑體" panose="020B0604030504040204" pitchFamily="34" charset="-120"/>
-                <a:cs typeface="+mn-cs"/>
-              </a:rPr>
-              <a:t>console.log</a:t>
-            </a:r>
-            <a:r>
-              <a:rPr lang="en" altLang="zh-TW" sz="1200" b="0" kern="1200" dirty="0">
-                <a:solidFill>
-                  <a:schemeClr val="tx1"/>
-                </a:solidFill>
-                <a:effectLst/>
-                <a:latin typeface="+mn-lt"/>
-                <a:ea typeface="微軟正黑體" panose="020B0604030504040204" pitchFamily="34" charset="-120"/>
-                <a:cs typeface="+mn-cs"/>
-              </a:rPr>
-              <a:t>()</a:t>
-            </a:r>
-            <a:r>
-              <a:rPr lang="zh-TW" altLang="en-US" sz="1200" b="0" kern="1200" dirty="0">
-                <a:solidFill>
-                  <a:schemeClr val="tx1"/>
-                </a:solidFill>
-                <a:effectLst/>
-                <a:latin typeface="+mn-lt"/>
-                <a:ea typeface="微軟正黑體" panose="020B0604030504040204" pitchFamily="34" charset="-120"/>
-                <a:cs typeface="+mn-cs"/>
-              </a:rPr>
-              <a:t> 只會顯示於瀏覽器主控台，並不會造成什麼其他事情，所以很常拿來做除錯使用</a:t>
-            </a:r>
-            <a:endParaRPr lang="en" altLang="zh-TW" sz="1200" b="0" kern="1200" dirty="0">
-              <a:solidFill>
-                <a:schemeClr val="tx1"/>
-              </a:solidFill>
-              <a:effectLst/>
-              <a:latin typeface="+mn-lt"/>
-              <a:ea typeface="微軟正黑體" panose="020B0604030504040204" pitchFamily="34" charset="-120"/>
-              <a:cs typeface="+mn-cs"/>
-            </a:endParaRPr>
+              <a:rPr lang="zh-TW" altLang="en-US" dirty="0"/>
+              <a:t>正常來說宣告時需要加</a:t>
+            </a:r>
+            <a:r>
+              <a:rPr lang="en-US" altLang="zh-TW" dirty="0"/>
+              <a:t>var</a:t>
+            </a:r>
+            <a:r>
+              <a:rPr lang="zh-TW" altLang="en-US" dirty="0"/>
+              <a:t>，雖然不加也可以，但正確是要加上的</a:t>
+            </a:r>
           </a:p>
         </p:txBody>
       </p:sp>
@@ -1410,7 +1315,7 @@
     </p:spTree>
     <p:extLst>
       <p:ext uri="{BB962C8B-B14F-4D97-AF65-F5344CB8AC3E}">
-        <p14:creationId xmlns:p14="http://schemas.microsoft.com/office/powerpoint/2010/main" val="3171209168"/>
+        <p14:creationId xmlns:p14="http://schemas.microsoft.com/office/powerpoint/2010/main" val="2052095121"/>
       </p:ext>
     </p:extLst>
   </p:cSld>
@@ -1465,320 +1370,60 @@
           <a:lstStyle/>
           <a:p>
             <a:r>
-              <a:rPr lang="en" altLang="zh-TW" sz="1200" dirty="0">
-                <a:solidFill>
-                  <a:srgbClr val="569CD6"/>
-                </a:solidFill>
-                <a:latin typeface="Menlo" panose="020B0609030804020204" pitchFamily="49" charset="0"/>
-              </a:rPr>
-              <a:t>var</a:t>
-            </a:r>
-            <a:r>
-              <a:rPr lang="en" altLang="zh-TW" sz="1200" dirty="0">
-                <a:solidFill>
-                  <a:srgbClr val="D4D4D4"/>
-                </a:solidFill>
-                <a:latin typeface="Menlo" panose="020B0609030804020204" pitchFamily="49" charset="0"/>
-              </a:rPr>
-              <a:t> </a:t>
-            </a:r>
-            <a:r>
-              <a:rPr lang="en" altLang="zh-TW" sz="1200" dirty="0">
-                <a:solidFill>
-                  <a:srgbClr val="9CDCFE"/>
-                </a:solidFill>
-                <a:latin typeface="Menlo" panose="020B0609030804020204" pitchFamily="49" charset="0"/>
-              </a:rPr>
-              <a:t>age</a:t>
-            </a:r>
-            <a:r>
-              <a:rPr lang="en" altLang="zh-TW" sz="1200" dirty="0">
-                <a:solidFill>
-                  <a:srgbClr val="D4D4D4"/>
-                </a:solidFill>
-                <a:latin typeface="Menlo" panose="020B0609030804020204" pitchFamily="49" charset="0"/>
-              </a:rPr>
-              <a:t> = </a:t>
-            </a:r>
-            <a:r>
-              <a:rPr lang="en" altLang="zh-TW" sz="1200" dirty="0">
-                <a:solidFill>
-                  <a:srgbClr val="B5CEA8"/>
-                </a:solidFill>
-                <a:latin typeface="Menlo" panose="020B0609030804020204" pitchFamily="49" charset="0"/>
-              </a:rPr>
-              <a:t>22</a:t>
-            </a:r>
-            <a:r>
-              <a:rPr lang="en" altLang="zh-TW" sz="1200" dirty="0">
-                <a:solidFill>
-                  <a:srgbClr val="D4D4D4"/>
-                </a:solidFill>
-                <a:latin typeface="Menlo" panose="020B0609030804020204" pitchFamily="49" charset="0"/>
-              </a:rPr>
-              <a:t>;</a:t>
-            </a:r>
-          </a:p>
-          <a:p>
-            <a:r>
-              <a:rPr lang="en" altLang="zh-TW" sz="1200" dirty="0">
-                <a:solidFill>
-                  <a:srgbClr val="C586C0"/>
-                </a:solidFill>
-                <a:latin typeface="Menlo" panose="020B0609030804020204" pitchFamily="49" charset="0"/>
-              </a:rPr>
-              <a:t>if</a:t>
-            </a:r>
-            <a:r>
-              <a:rPr lang="en" altLang="zh-TW" sz="1200" dirty="0">
-                <a:solidFill>
-                  <a:srgbClr val="D4D4D4"/>
-                </a:solidFill>
-                <a:latin typeface="Menlo" panose="020B0609030804020204" pitchFamily="49" charset="0"/>
-              </a:rPr>
-              <a:t>(</a:t>
-            </a:r>
-            <a:r>
-              <a:rPr lang="en" altLang="zh-TW" sz="1200" dirty="0">
-                <a:solidFill>
-                  <a:srgbClr val="9CDCFE"/>
-                </a:solidFill>
-                <a:latin typeface="Menlo" panose="020B0609030804020204" pitchFamily="49" charset="0"/>
-              </a:rPr>
-              <a:t>age</a:t>
-            </a:r>
-            <a:r>
-              <a:rPr lang="en" altLang="zh-TW" sz="1200" dirty="0">
-                <a:solidFill>
-                  <a:srgbClr val="D4D4D4"/>
-                </a:solidFill>
-                <a:latin typeface="Menlo" panose="020B0609030804020204" pitchFamily="49" charset="0"/>
-              </a:rPr>
-              <a:t> &lt; </a:t>
-            </a:r>
-            <a:r>
-              <a:rPr lang="en" altLang="zh-TW" sz="1200" dirty="0">
-                <a:solidFill>
-                  <a:srgbClr val="B5CEA8"/>
-                </a:solidFill>
-                <a:latin typeface="Menlo" panose="020B0609030804020204" pitchFamily="49" charset="0"/>
-              </a:rPr>
-              <a:t>18</a:t>
-            </a:r>
-            <a:r>
-              <a:rPr lang="en" altLang="zh-TW" sz="1200" dirty="0">
-                <a:solidFill>
-                  <a:srgbClr val="D4D4D4"/>
-                </a:solidFill>
-                <a:latin typeface="Menlo" panose="020B0609030804020204" pitchFamily="49" charset="0"/>
-              </a:rPr>
-              <a:t>){</a:t>
-            </a:r>
-          </a:p>
-          <a:p>
-            <a:r>
-              <a:rPr lang="en" altLang="zh-TW" sz="1200" dirty="0">
-                <a:solidFill>
-                  <a:srgbClr val="9CDCFE"/>
-                </a:solidFill>
-                <a:latin typeface="Menlo" panose="020B0609030804020204" pitchFamily="49" charset="0"/>
-              </a:rPr>
-              <a:t>        </a:t>
-            </a:r>
-            <a:r>
-              <a:rPr lang="en" altLang="zh-TW" sz="1200" dirty="0" err="1">
-                <a:solidFill>
-                  <a:srgbClr val="9CDCFE"/>
-                </a:solidFill>
-                <a:latin typeface="Menlo" panose="020B0609030804020204" pitchFamily="49" charset="0"/>
-              </a:rPr>
-              <a:t>console</a:t>
-            </a:r>
-            <a:r>
-              <a:rPr lang="en" altLang="zh-TW" sz="1200" dirty="0" err="1">
-                <a:solidFill>
-                  <a:srgbClr val="D4D4D4"/>
-                </a:solidFill>
-                <a:latin typeface="Menlo" panose="020B0609030804020204" pitchFamily="49" charset="0"/>
-              </a:rPr>
-              <a:t>.</a:t>
-            </a:r>
-            <a:r>
-              <a:rPr lang="en" altLang="zh-TW" sz="1200" dirty="0" err="1">
-                <a:solidFill>
-                  <a:srgbClr val="DCDCAA"/>
-                </a:solidFill>
-                <a:latin typeface="Menlo" panose="020B0609030804020204" pitchFamily="49" charset="0"/>
-              </a:rPr>
-              <a:t>log</a:t>
-            </a:r>
-            <a:r>
-              <a:rPr lang="en" altLang="zh-TW" sz="1200" dirty="0">
-                <a:solidFill>
-                  <a:srgbClr val="D4D4D4"/>
-                </a:solidFill>
-                <a:latin typeface="Menlo" panose="020B0609030804020204" pitchFamily="49" charset="0"/>
-              </a:rPr>
-              <a:t>(</a:t>
-            </a:r>
-            <a:r>
-              <a:rPr lang="en" altLang="zh-TW" sz="1200" dirty="0">
-                <a:solidFill>
-                  <a:srgbClr val="CE9178"/>
-                </a:solidFill>
-                <a:latin typeface="Menlo" panose="020B0609030804020204" pitchFamily="49" charset="0"/>
-              </a:rPr>
-              <a:t>"</a:t>
-            </a:r>
-            <a:r>
-              <a:rPr lang="zh-TW" altLang="en-US" sz="1200" dirty="0">
-                <a:solidFill>
-                  <a:srgbClr val="CE9178"/>
-                </a:solidFill>
-                <a:latin typeface="Menlo" panose="020B0609030804020204" pitchFamily="49" charset="0"/>
-              </a:rPr>
-              <a:t>未成年</a:t>
-            </a:r>
-            <a:r>
-              <a:rPr lang="en-US" altLang="zh-TW" sz="1200" dirty="0">
-                <a:solidFill>
-                  <a:srgbClr val="CE9178"/>
-                </a:solidFill>
-                <a:latin typeface="Menlo" panose="020B0609030804020204" pitchFamily="49" charset="0"/>
-              </a:rPr>
-              <a:t>"</a:t>
-            </a:r>
-            <a:r>
-              <a:rPr lang="en-US" altLang="zh-TW" sz="1200" dirty="0">
-                <a:solidFill>
-                  <a:srgbClr val="D4D4D4"/>
-                </a:solidFill>
-                <a:latin typeface="Menlo" panose="020B0609030804020204" pitchFamily="49" charset="0"/>
-              </a:rPr>
-              <a:t>);</a:t>
-            </a:r>
-          </a:p>
-          <a:p>
-            <a:r>
-              <a:rPr lang="en-US" altLang="zh-TW" sz="1200" dirty="0">
-                <a:solidFill>
-                  <a:srgbClr val="D4D4D4"/>
-                </a:solidFill>
-                <a:latin typeface="Menlo" panose="020B0609030804020204" pitchFamily="49" charset="0"/>
-              </a:rPr>
-              <a:t>}</a:t>
-            </a:r>
-            <a:r>
-              <a:rPr lang="en" altLang="zh-TW" sz="1200" dirty="0">
-                <a:solidFill>
-                  <a:srgbClr val="C586C0"/>
-                </a:solidFill>
-                <a:latin typeface="Menlo" panose="020B0609030804020204" pitchFamily="49" charset="0"/>
-              </a:rPr>
-              <a:t>else</a:t>
-            </a:r>
-            <a:r>
-              <a:rPr lang="en" altLang="zh-TW" sz="1200" dirty="0">
-                <a:solidFill>
-                  <a:srgbClr val="D4D4D4"/>
-                </a:solidFill>
-                <a:latin typeface="Menlo" panose="020B0609030804020204" pitchFamily="49" charset="0"/>
-              </a:rPr>
-              <a:t>{</a:t>
-            </a:r>
-          </a:p>
-          <a:p>
-            <a:r>
-              <a:rPr lang="en" altLang="zh-TW" sz="1200" dirty="0">
-                <a:solidFill>
-                  <a:srgbClr val="D4D4D4"/>
-                </a:solidFill>
-                <a:latin typeface="Menlo" panose="020B0609030804020204" pitchFamily="49" charset="0"/>
-              </a:rPr>
-              <a:t>        </a:t>
-            </a:r>
-            <a:r>
-              <a:rPr lang="en" altLang="zh-TW" sz="1200" dirty="0" err="1">
-                <a:solidFill>
-                  <a:srgbClr val="9CDCFE"/>
-                </a:solidFill>
-                <a:latin typeface="Menlo" panose="020B0609030804020204" pitchFamily="49" charset="0"/>
-              </a:rPr>
-              <a:t>console</a:t>
-            </a:r>
-            <a:r>
-              <a:rPr lang="en" altLang="zh-TW" sz="1200" dirty="0" err="1">
-                <a:solidFill>
-                  <a:srgbClr val="D4D4D4"/>
-                </a:solidFill>
-                <a:latin typeface="Menlo" panose="020B0609030804020204" pitchFamily="49" charset="0"/>
-              </a:rPr>
-              <a:t>.</a:t>
-            </a:r>
-            <a:r>
-              <a:rPr lang="en" altLang="zh-TW" sz="1200" dirty="0" err="1">
-                <a:solidFill>
-                  <a:srgbClr val="DCDCAA"/>
-                </a:solidFill>
-                <a:latin typeface="Menlo" panose="020B0609030804020204" pitchFamily="49" charset="0"/>
-              </a:rPr>
-              <a:t>log</a:t>
-            </a:r>
-            <a:r>
-              <a:rPr lang="en" altLang="zh-TW" sz="1200" dirty="0">
-                <a:solidFill>
-                  <a:srgbClr val="D4D4D4"/>
-                </a:solidFill>
-                <a:latin typeface="Menlo" panose="020B0609030804020204" pitchFamily="49" charset="0"/>
-              </a:rPr>
-              <a:t>(</a:t>
-            </a:r>
-            <a:r>
-              <a:rPr lang="en" altLang="zh-TW" sz="1200" dirty="0">
-                <a:solidFill>
-                  <a:srgbClr val="CE9178"/>
-                </a:solidFill>
-                <a:latin typeface="Menlo" panose="020B0609030804020204" pitchFamily="49" charset="0"/>
-              </a:rPr>
-              <a:t>"</a:t>
-            </a:r>
-            <a:r>
-              <a:rPr lang="zh-TW" altLang="en-US" sz="1200" dirty="0">
-                <a:solidFill>
-                  <a:srgbClr val="CE9178"/>
-                </a:solidFill>
-                <a:latin typeface="Menlo" panose="020B0609030804020204" pitchFamily="49" charset="0"/>
-              </a:rPr>
-              <a:t>開始老了</a:t>
-            </a:r>
-            <a:r>
-              <a:rPr lang="en-US" altLang="zh-TW" sz="1200" dirty="0">
-                <a:solidFill>
-                  <a:srgbClr val="CE9178"/>
-                </a:solidFill>
-                <a:latin typeface="Menlo" panose="020B0609030804020204" pitchFamily="49" charset="0"/>
-              </a:rPr>
-              <a:t>"</a:t>
-            </a:r>
-            <a:r>
-              <a:rPr lang="en-US" altLang="zh-TW" sz="1200" dirty="0">
-                <a:solidFill>
-                  <a:srgbClr val="D4D4D4"/>
-                </a:solidFill>
-                <a:latin typeface="Menlo" panose="020B0609030804020204" pitchFamily="49" charset="0"/>
-              </a:rPr>
-              <a:t>);</a:t>
-            </a:r>
-          </a:p>
-          <a:p>
-            <a:r>
-              <a:rPr lang="en-US" altLang="zh-TW" sz="1200" dirty="0">
-                <a:solidFill>
-                  <a:srgbClr val="D4D4D4"/>
-                </a:solidFill>
-                <a:latin typeface="Menlo" panose="020B0609030804020204" pitchFamily="49" charset="0"/>
-              </a:rPr>
-              <a:t>}</a:t>
+              <a:rPr lang="en-US" altLang="zh-TW" sz="2000" dirty="0"/>
+              <a:t>JS</a:t>
+            </a:r>
+            <a:r>
+              <a:rPr lang="zh-TW" altLang="en-US" sz="2000" dirty="0"/>
+              <a:t>的算術其實跟各位所寫的</a:t>
+            </a:r>
+            <a:r>
+              <a:rPr lang="en-US" altLang="zh-TW" sz="2000" dirty="0"/>
+              <a:t>Java</a:t>
+            </a:r>
+            <a:r>
+              <a:rPr lang="zh-TW" altLang="en-US" sz="2000" dirty="0"/>
+              <a:t>沒有太大不同，也是使用</a:t>
+            </a:r>
+            <a:r>
+              <a:rPr lang="en-US" altLang="zh-TW" sz="2000" dirty="0"/>
+              <a:t> +</a:t>
+            </a:r>
+            <a:r>
+              <a:rPr lang="zh-TW" altLang="en-US" sz="2000" dirty="0"/>
+              <a:t>、</a:t>
+            </a:r>
+            <a:r>
+              <a:rPr lang="en-US" altLang="zh-TW" sz="2000" dirty="0"/>
+              <a:t>-</a:t>
+            </a:r>
+            <a:r>
+              <a:rPr lang="zh-TW" altLang="en-US" sz="2000" dirty="0"/>
+              <a:t>、</a:t>
+            </a:r>
+            <a:r>
+              <a:rPr lang="en-US" altLang="zh-TW" sz="2000" dirty="0"/>
+              <a:t>*</a:t>
+            </a:r>
+            <a:r>
+              <a:rPr lang="zh-TW" altLang="en-US" sz="2000" dirty="0"/>
+              <a:t>、</a:t>
+            </a:r>
+            <a:r>
+              <a:rPr lang="en-US" altLang="zh-TW" sz="2000" dirty="0"/>
+              <a:t>/</a:t>
+            </a:r>
+            <a:r>
+              <a:rPr lang="zh-TW" altLang="en-US" sz="2000" dirty="0"/>
+              <a:t>，但</a:t>
+            </a:r>
+            <a:r>
+              <a:rPr lang="en-US" altLang="zh-TW" sz="2000" dirty="0"/>
+              <a:t>+</a:t>
+            </a:r>
+            <a:r>
+              <a:rPr lang="zh-TW" altLang="en-US" sz="2000" dirty="0"/>
+              <a:t>可以用來做字符串接</a:t>
             </a:r>
           </a:p>
         </p:txBody>
@@ -1809,7 +1454,7 @@
     </p:spTree>
     <p:extLst>
       <p:ext uri="{BB962C8B-B14F-4D97-AF65-F5344CB8AC3E}">
-        <p14:creationId xmlns:p14="http://schemas.microsoft.com/office/powerpoint/2010/main" val="1774085133"/>
+        <p14:creationId xmlns:p14="http://schemas.microsoft.com/office/powerpoint/2010/main" val="3560062510"/>
       </p:ext>
     </p:extLst>
   </p:cSld>
@@ -1864,233 +1509,50 @@
           <a:lstStyle/>
           <a:p>
             <a:r>
-              <a:rPr lang="en" altLang="zh-TW" sz="1200" dirty="0">
-                <a:solidFill>
-                  <a:srgbClr val="C586C0"/>
-                </a:solidFill>
-                <a:latin typeface="Menlo" panose="020B0609030804020204" pitchFamily="49" charset="0"/>
-              </a:rPr>
-              <a:t>for</a:t>
-            </a:r>
-            <a:r>
-              <a:rPr lang="en" altLang="zh-TW" sz="1200" dirty="0">
-                <a:solidFill>
-                  <a:srgbClr val="D4D4D4"/>
-                </a:solidFill>
-                <a:latin typeface="Menlo" panose="020B0609030804020204" pitchFamily="49" charset="0"/>
-              </a:rPr>
-              <a:t> (</a:t>
-            </a:r>
-            <a:r>
-              <a:rPr lang="en" altLang="zh-TW" sz="1200" dirty="0">
-                <a:solidFill>
-                  <a:srgbClr val="569CD6"/>
-                </a:solidFill>
-                <a:latin typeface="Menlo" panose="020B0609030804020204" pitchFamily="49" charset="0"/>
-              </a:rPr>
-              <a:t>var</a:t>
-            </a:r>
-            <a:r>
-              <a:rPr lang="en" altLang="zh-TW" sz="1200" dirty="0">
-                <a:solidFill>
-                  <a:srgbClr val="D4D4D4"/>
-                </a:solidFill>
-                <a:latin typeface="Menlo" panose="020B0609030804020204" pitchFamily="49" charset="0"/>
-              </a:rPr>
-              <a:t> </a:t>
-            </a:r>
-            <a:r>
-              <a:rPr lang="en" altLang="zh-TW" sz="1200" dirty="0" err="1">
-                <a:solidFill>
-                  <a:srgbClr val="9CDCFE"/>
-                </a:solidFill>
-                <a:latin typeface="Menlo" panose="020B0609030804020204" pitchFamily="49" charset="0"/>
-              </a:rPr>
-              <a:t>i</a:t>
-            </a:r>
-            <a:r>
-              <a:rPr lang="en" altLang="zh-TW" sz="1200" dirty="0">
-                <a:solidFill>
-                  <a:srgbClr val="D4D4D4"/>
-                </a:solidFill>
-                <a:latin typeface="Menlo" panose="020B0609030804020204" pitchFamily="49" charset="0"/>
-              </a:rPr>
-              <a:t> = </a:t>
-            </a:r>
-            <a:r>
-              <a:rPr lang="en" altLang="zh-TW" sz="1200" dirty="0">
-                <a:solidFill>
-                  <a:srgbClr val="B5CEA8"/>
-                </a:solidFill>
-                <a:latin typeface="Menlo" panose="020B0609030804020204" pitchFamily="49" charset="0"/>
-              </a:rPr>
-              <a:t>1</a:t>
-            </a:r>
-            <a:r>
-              <a:rPr lang="en" altLang="zh-TW" sz="1200" dirty="0">
-                <a:solidFill>
-                  <a:srgbClr val="D4D4D4"/>
-                </a:solidFill>
-                <a:latin typeface="Menlo" panose="020B0609030804020204" pitchFamily="49" charset="0"/>
-              </a:rPr>
-              <a:t>; </a:t>
-            </a:r>
-            <a:r>
-              <a:rPr lang="en" altLang="zh-TW" sz="1200" dirty="0" err="1">
-                <a:solidFill>
-                  <a:srgbClr val="9CDCFE"/>
-                </a:solidFill>
-                <a:latin typeface="Menlo" panose="020B0609030804020204" pitchFamily="49" charset="0"/>
-              </a:rPr>
-              <a:t>i</a:t>
-            </a:r>
-            <a:r>
-              <a:rPr lang="en" altLang="zh-TW" sz="1200" dirty="0">
-                <a:solidFill>
-                  <a:srgbClr val="D4D4D4"/>
-                </a:solidFill>
-                <a:latin typeface="Menlo" panose="020B0609030804020204" pitchFamily="49" charset="0"/>
-              </a:rPr>
-              <a:t> &lt; </a:t>
-            </a:r>
-            <a:r>
-              <a:rPr lang="en" altLang="zh-TW" sz="1200" dirty="0">
-                <a:solidFill>
-                  <a:srgbClr val="B5CEA8"/>
-                </a:solidFill>
-                <a:latin typeface="Menlo" panose="020B0609030804020204" pitchFamily="49" charset="0"/>
-              </a:rPr>
-              <a:t>10</a:t>
-            </a:r>
-            <a:r>
-              <a:rPr lang="en" altLang="zh-TW" sz="1200" dirty="0">
-                <a:solidFill>
-                  <a:srgbClr val="D4D4D4"/>
-                </a:solidFill>
-                <a:latin typeface="Menlo" panose="020B0609030804020204" pitchFamily="49" charset="0"/>
-              </a:rPr>
-              <a:t>; </a:t>
-            </a:r>
-            <a:r>
-              <a:rPr lang="en" altLang="zh-TW" sz="1200" dirty="0" err="1">
-                <a:solidFill>
-                  <a:srgbClr val="9CDCFE"/>
-                </a:solidFill>
-                <a:latin typeface="Menlo" panose="020B0609030804020204" pitchFamily="49" charset="0"/>
-              </a:rPr>
-              <a:t>i</a:t>
-            </a:r>
-            <a:r>
-              <a:rPr lang="en" altLang="zh-TW" sz="1200" dirty="0">
-                <a:solidFill>
-                  <a:srgbClr val="D4D4D4"/>
-                </a:solidFill>
-                <a:latin typeface="Menlo" panose="020B0609030804020204" pitchFamily="49" charset="0"/>
-              </a:rPr>
-              <a:t>++)</a:t>
-            </a:r>
-            <a:r>
-              <a:rPr lang="zh-TW" altLang="en-US" sz="1200" dirty="0">
-                <a:solidFill>
-                  <a:srgbClr val="D4D4D4"/>
-                </a:solidFill>
-                <a:latin typeface="Menlo" panose="020B0609030804020204" pitchFamily="49" charset="0"/>
-              </a:rPr>
-              <a:t> </a:t>
-            </a:r>
-            <a:endParaRPr lang="en-US" altLang="zh-TW" sz="1200" dirty="0">
+              <a:rPr lang="en" altLang="zh-TW" sz="1200" b="0" kern="1200" dirty="0" err="1">
+                <a:solidFill>
+                  <a:schemeClr val="tx1"/>
+                </a:solidFill>
+                <a:effectLst/>
+                <a:latin typeface="+mn-lt"/>
+                <a:ea typeface="微軟正黑體" panose="020B0604030504040204" pitchFamily="34" charset="-120"/>
+                <a:cs typeface="+mn-cs"/>
+              </a:rPr>
+              <a:t>console.log</a:t>
+            </a:r>
+            <a:r>
+              <a:rPr lang="en" altLang="zh-TW" sz="1200" b="0" kern="1200" dirty="0">
+                <a:solidFill>
+                  <a:schemeClr val="tx1"/>
+                </a:solidFill>
+                <a:effectLst/>
+                <a:latin typeface="+mn-lt"/>
+                <a:ea typeface="微軟正黑體" panose="020B0604030504040204" pitchFamily="34" charset="-120"/>
+                <a:cs typeface="+mn-cs"/>
+              </a:rPr>
+              <a:t>()</a:t>
+            </a:r>
+            <a:r>
+              <a:rPr lang="zh-TW" altLang="en-US" sz="1200" b="0" kern="1200" dirty="0">
+                <a:solidFill>
+                  <a:schemeClr val="tx1"/>
+                </a:solidFill>
+                <a:effectLst/>
+                <a:latin typeface="+mn-lt"/>
+                <a:ea typeface="微軟正黑體" panose="020B0604030504040204" pitchFamily="34" charset="-120"/>
+                <a:cs typeface="+mn-cs"/>
+              </a:rPr>
+              <a:t> 只會顯示於瀏覽器主控台，並不會造成什麼其他事情，所以很常拿來做除錯使用</a:t>
+            </a:r>
+            <a:endParaRPr lang="en" altLang="zh-TW" sz="1200" b="0" kern="1200" dirty="0">
               <a:solidFill>
-                <a:srgbClr val="D4D4D4"/>
+                <a:schemeClr val="tx1"/>
               </a:solidFill>
-              <a:latin typeface="Menlo" panose="020B0609030804020204" pitchFamily="49" charset="0"/>
+              <a:effectLst/>
+              <a:latin typeface="+mn-lt"/>
+              <a:ea typeface="微軟正黑體" panose="020B0604030504040204" pitchFamily="34" charset="-120"/>
+              <a:cs typeface="+mn-cs"/>
             </a:endParaRPr>
-          </a:p>
-          <a:p>
-            <a:r>
-              <a:rPr lang="en" altLang="zh-TW" sz="1200" dirty="0">
-                <a:solidFill>
-                  <a:srgbClr val="D4D4D4"/>
-                </a:solidFill>
-                <a:latin typeface="Menlo" panose="020B0609030804020204" pitchFamily="49" charset="0"/>
-              </a:rPr>
-              <a:t>{</a:t>
-            </a:r>
-          </a:p>
-          <a:p>
-            <a:r>
-              <a:rPr lang="en" altLang="zh-TW" sz="1200" dirty="0">
-                <a:solidFill>
-                  <a:srgbClr val="9CDCFE"/>
-                </a:solidFill>
-                <a:latin typeface="Menlo" panose="020B0609030804020204" pitchFamily="49" charset="0"/>
-              </a:rPr>
-              <a:t>        </a:t>
-            </a:r>
-            <a:r>
-              <a:rPr lang="en" altLang="zh-TW" sz="1200" dirty="0" err="1">
-                <a:solidFill>
-                  <a:srgbClr val="9CDCFE"/>
-                </a:solidFill>
-                <a:latin typeface="Menlo" panose="020B0609030804020204" pitchFamily="49" charset="0"/>
-              </a:rPr>
-              <a:t>console</a:t>
-            </a:r>
-            <a:r>
-              <a:rPr lang="en" altLang="zh-TW" sz="1200" dirty="0" err="1">
-                <a:solidFill>
-                  <a:srgbClr val="D4D4D4"/>
-                </a:solidFill>
-                <a:latin typeface="Menlo" panose="020B0609030804020204" pitchFamily="49" charset="0"/>
-              </a:rPr>
-              <a:t>.</a:t>
-            </a:r>
-            <a:r>
-              <a:rPr lang="en" altLang="zh-TW" sz="1200" dirty="0" err="1">
-                <a:solidFill>
-                  <a:srgbClr val="DCDCAA"/>
-                </a:solidFill>
-                <a:latin typeface="Menlo" panose="020B0609030804020204" pitchFamily="49" charset="0"/>
-              </a:rPr>
-              <a:t>log</a:t>
-            </a:r>
-            <a:r>
-              <a:rPr lang="en" altLang="zh-TW" sz="1200" dirty="0">
-                <a:solidFill>
-                  <a:srgbClr val="D4D4D4"/>
-                </a:solidFill>
-                <a:latin typeface="Menlo" panose="020B0609030804020204" pitchFamily="49" charset="0"/>
-              </a:rPr>
-              <a:t>(</a:t>
-            </a:r>
-            <a:r>
-              <a:rPr lang="en" altLang="zh-TW" sz="1200" dirty="0" err="1">
-                <a:solidFill>
-                  <a:srgbClr val="9CDCFE"/>
-                </a:solidFill>
-                <a:latin typeface="Menlo" panose="020B0609030804020204" pitchFamily="49" charset="0"/>
-              </a:rPr>
-              <a:t>i</a:t>
-            </a:r>
-            <a:r>
-              <a:rPr lang="en" altLang="zh-TW" sz="1200" dirty="0">
-                <a:solidFill>
-                  <a:srgbClr val="D4D4D4"/>
-                </a:solidFill>
-                <a:latin typeface="Menlo" panose="020B0609030804020204" pitchFamily="49" charset="0"/>
-              </a:rPr>
-              <a:t>);</a:t>
-            </a:r>
-          </a:p>
-          <a:p>
-            <a:r>
-              <a:rPr lang="en" altLang="zh-TW" sz="1200" dirty="0">
-                <a:solidFill>
-                  <a:srgbClr val="D4D4D4"/>
-                </a:solidFill>
-                <a:latin typeface="Menlo" panose="020B0609030804020204" pitchFamily="49" charset="0"/>
-              </a:rPr>
-              <a:t>}</a:t>
-            </a:r>
           </a:p>
         </p:txBody>
       </p:sp>
@@ -2120,7 +1582,7 @@
     </p:spTree>
     <p:extLst>
       <p:ext uri="{BB962C8B-B14F-4D97-AF65-F5344CB8AC3E}">
-        <p14:creationId xmlns:p14="http://schemas.microsoft.com/office/powerpoint/2010/main" val="697546235"/>
+        <p14:creationId xmlns:p14="http://schemas.microsoft.com/office/powerpoint/2010/main" val="3171209168"/>
       </p:ext>
     </p:extLst>
   </p:cSld>
@@ -2174,7 +1636,322 @@
           <a:bodyPr/>
           <a:lstStyle/>
           <a:p>
-            <a:endParaRPr lang="zh-TW" altLang="en-US" dirty="0"/>
+            <a:r>
+              <a:rPr lang="en" altLang="zh-TW" sz="1200" dirty="0">
+                <a:solidFill>
+                  <a:srgbClr val="569CD6"/>
+                </a:solidFill>
+                <a:latin typeface="Menlo" panose="020B0609030804020204" pitchFamily="49" charset="0"/>
+              </a:rPr>
+              <a:t>var</a:t>
+            </a:r>
+            <a:r>
+              <a:rPr lang="en" altLang="zh-TW" sz="1200" dirty="0">
+                <a:solidFill>
+                  <a:srgbClr val="D4D4D4"/>
+                </a:solidFill>
+                <a:latin typeface="Menlo" panose="020B0609030804020204" pitchFamily="49" charset="0"/>
+              </a:rPr>
+              <a:t> </a:t>
+            </a:r>
+            <a:r>
+              <a:rPr lang="en" altLang="zh-TW" sz="1200" dirty="0">
+                <a:solidFill>
+                  <a:srgbClr val="9CDCFE"/>
+                </a:solidFill>
+                <a:latin typeface="Menlo" panose="020B0609030804020204" pitchFamily="49" charset="0"/>
+              </a:rPr>
+              <a:t>age</a:t>
+            </a:r>
+            <a:r>
+              <a:rPr lang="en" altLang="zh-TW" sz="1200" dirty="0">
+                <a:solidFill>
+                  <a:srgbClr val="D4D4D4"/>
+                </a:solidFill>
+                <a:latin typeface="Menlo" panose="020B0609030804020204" pitchFamily="49" charset="0"/>
+              </a:rPr>
+              <a:t> = </a:t>
+            </a:r>
+            <a:r>
+              <a:rPr lang="en" altLang="zh-TW" sz="1200" dirty="0">
+                <a:solidFill>
+                  <a:srgbClr val="B5CEA8"/>
+                </a:solidFill>
+                <a:latin typeface="Menlo" panose="020B0609030804020204" pitchFamily="49" charset="0"/>
+              </a:rPr>
+              <a:t>22</a:t>
+            </a:r>
+            <a:r>
+              <a:rPr lang="en" altLang="zh-TW" sz="1200" dirty="0">
+                <a:solidFill>
+                  <a:srgbClr val="D4D4D4"/>
+                </a:solidFill>
+                <a:latin typeface="Menlo" panose="020B0609030804020204" pitchFamily="49" charset="0"/>
+              </a:rPr>
+              <a:t>;</a:t>
+            </a:r>
+          </a:p>
+          <a:p>
+            <a:r>
+              <a:rPr lang="en" altLang="zh-TW" sz="1200" dirty="0">
+                <a:solidFill>
+                  <a:srgbClr val="C586C0"/>
+                </a:solidFill>
+                <a:latin typeface="Menlo" panose="020B0609030804020204" pitchFamily="49" charset="0"/>
+              </a:rPr>
+              <a:t>if</a:t>
+            </a:r>
+            <a:r>
+              <a:rPr lang="en" altLang="zh-TW" sz="1200" dirty="0">
+                <a:solidFill>
+                  <a:srgbClr val="D4D4D4"/>
+                </a:solidFill>
+                <a:latin typeface="Menlo" panose="020B0609030804020204" pitchFamily="49" charset="0"/>
+              </a:rPr>
+              <a:t>(</a:t>
+            </a:r>
+            <a:r>
+              <a:rPr lang="en" altLang="zh-TW" sz="1200" dirty="0">
+                <a:solidFill>
+                  <a:srgbClr val="9CDCFE"/>
+                </a:solidFill>
+                <a:latin typeface="Menlo" panose="020B0609030804020204" pitchFamily="49" charset="0"/>
+              </a:rPr>
+              <a:t>age</a:t>
+            </a:r>
+            <a:r>
+              <a:rPr lang="en" altLang="zh-TW" sz="1200" dirty="0">
+                <a:solidFill>
+                  <a:srgbClr val="D4D4D4"/>
+                </a:solidFill>
+                <a:latin typeface="Menlo" panose="020B0609030804020204" pitchFamily="49" charset="0"/>
+              </a:rPr>
+              <a:t> &lt; </a:t>
+            </a:r>
+            <a:r>
+              <a:rPr lang="en" altLang="zh-TW" sz="1200" dirty="0">
+                <a:solidFill>
+                  <a:srgbClr val="B5CEA8"/>
+                </a:solidFill>
+                <a:latin typeface="Menlo" panose="020B0609030804020204" pitchFamily="49" charset="0"/>
+              </a:rPr>
+              <a:t>18</a:t>
+            </a:r>
+            <a:r>
+              <a:rPr lang="en" altLang="zh-TW" sz="1200" dirty="0">
+                <a:solidFill>
+                  <a:srgbClr val="D4D4D4"/>
+                </a:solidFill>
+                <a:latin typeface="Menlo" panose="020B0609030804020204" pitchFamily="49" charset="0"/>
+              </a:rPr>
+              <a:t>){</a:t>
+            </a:r>
+          </a:p>
+          <a:p>
+            <a:r>
+              <a:rPr lang="en" altLang="zh-TW" sz="1200" dirty="0">
+                <a:solidFill>
+                  <a:srgbClr val="9CDCFE"/>
+                </a:solidFill>
+                <a:latin typeface="Menlo" panose="020B0609030804020204" pitchFamily="49" charset="0"/>
+              </a:rPr>
+              <a:t>        </a:t>
+            </a:r>
+            <a:r>
+              <a:rPr lang="en" altLang="zh-TW" sz="1200" dirty="0" err="1">
+                <a:solidFill>
+                  <a:srgbClr val="9CDCFE"/>
+                </a:solidFill>
+                <a:latin typeface="Menlo" panose="020B0609030804020204" pitchFamily="49" charset="0"/>
+              </a:rPr>
+              <a:t>console</a:t>
+            </a:r>
+            <a:r>
+              <a:rPr lang="en" altLang="zh-TW" sz="1200" dirty="0" err="1">
+                <a:solidFill>
+                  <a:srgbClr val="D4D4D4"/>
+                </a:solidFill>
+                <a:latin typeface="Menlo" panose="020B0609030804020204" pitchFamily="49" charset="0"/>
+              </a:rPr>
+              <a:t>.</a:t>
+            </a:r>
+            <a:r>
+              <a:rPr lang="en" altLang="zh-TW" sz="1200" dirty="0" err="1">
+                <a:solidFill>
+                  <a:srgbClr val="DCDCAA"/>
+                </a:solidFill>
+                <a:latin typeface="Menlo" panose="020B0609030804020204" pitchFamily="49" charset="0"/>
+              </a:rPr>
+              <a:t>log</a:t>
+            </a:r>
+            <a:r>
+              <a:rPr lang="en" altLang="zh-TW" sz="1200" dirty="0">
+                <a:solidFill>
+                  <a:srgbClr val="D4D4D4"/>
+                </a:solidFill>
+                <a:latin typeface="Menlo" panose="020B0609030804020204" pitchFamily="49" charset="0"/>
+              </a:rPr>
+              <a:t>(</a:t>
+            </a:r>
+            <a:r>
+              <a:rPr lang="en" altLang="zh-TW" sz="1200" dirty="0">
+                <a:solidFill>
+                  <a:srgbClr val="CE9178"/>
+                </a:solidFill>
+                <a:latin typeface="Menlo" panose="020B0609030804020204" pitchFamily="49" charset="0"/>
+              </a:rPr>
+              <a:t>"</a:t>
+            </a:r>
+            <a:r>
+              <a:rPr lang="zh-TW" altLang="en-US" sz="1200" dirty="0">
+                <a:solidFill>
+                  <a:srgbClr val="CE9178"/>
+                </a:solidFill>
+                <a:latin typeface="Menlo" panose="020B0609030804020204" pitchFamily="49" charset="0"/>
+              </a:rPr>
+              <a:t>未成年</a:t>
+            </a:r>
+            <a:r>
+              <a:rPr lang="en-US" altLang="zh-TW" sz="1200" dirty="0">
+                <a:solidFill>
+                  <a:srgbClr val="CE9178"/>
+                </a:solidFill>
+                <a:latin typeface="Menlo" panose="020B0609030804020204" pitchFamily="49" charset="0"/>
+              </a:rPr>
+              <a:t>"</a:t>
+            </a:r>
+            <a:r>
+              <a:rPr lang="en-US" altLang="zh-TW" sz="1200" dirty="0">
+                <a:solidFill>
+                  <a:srgbClr val="D4D4D4"/>
+                </a:solidFill>
+                <a:latin typeface="Menlo" panose="020B0609030804020204" pitchFamily="49" charset="0"/>
+              </a:rPr>
+              <a:t>);</a:t>
+            </a:r>
+          </a:p>
+          <a:p>
+            <a:r>
+              <a:rPr lang="en-US" altLang="zh-TW" sz="1200" dirty="0">
+                <a:solidFill>
+                  <a:srgbClr val="D4D4D4"/>
+                </a:solidFill>
+                <a:latin typeface="Menlo" panose="020B0609030804020204" pitchFamily="49" charset="0"/>
+              </a:rPr>
+              <a:t>}</a:t>
+            </a:r>
+            <a:r>
+              <a:rPr lang="en" altLang="zh-TW" sz="1200" dirty="0">
+                <a:solidFill>
+                  <a:srgbClr val="C586C0"/>
+                </a:solidFill>
+                <a:latin typeface="Menlo" panose="020B0609030804020204" pitchFamily="49" charset="0"/>
+              </a:rPr>
+              <a:t>else</a:t>
+            </a:r>
+            <a:r>
+              <a:rPr lang="en" altLang="zh-TW" sz="1200" dirty="0">
+                <a:solidFill>
+                  <a:srgbClr val="D4D4D4"/>
+                </a:solidFill>
+                <a:latin typeface="Menlo" panose="020B0609030804020204" pitchFamily="49" charset="0"/>
+              </a:rPr>
+              <a:t>{</a:t>
+            </a:r>
+          </a:p>
+          <a:p>
+            <a:r>
+              <a:rPr lang="en" altLang="zh-TW" sz="1200" dirty="0">
+                <a:solidFill>
+                  <a:srgbClr val="D4D4D4"/>
+                </a:solidFill>
+                <a:latin typeface="Menlo" panose="020B0609030804020204" pitchFamily="49" charset="0"/>
+              </a:rPr>
+              <a:t>        </a:t>
+            </a:r>
+            <a:r>
+              <a:rPr lang="en" altLang="zh-TW" sz="1200" dirty="0" err="1">
+                <a:solidFill>
+                  <a:srgbClr val="9CDCFE"/>
+                </a:solidFill>
+                <a:latin typeface="Menlo" panose="020B0609030804020204" pitchFamily="49" charset="0"/>
+              </a:rPr>
+              <a:t>console</a:t>
+            </a:r>
+            <a:r>
+              <a:rPr lang="en" altLang="zh-TW" sz="1200" dirty="0" err="1">
+                <a:solidFill>
+                  <a:srgbClr val="D4D4D4"/>
+                </a:solidFill>
+                <a:latin typeface="Menlo" panose="020B0609030804020204" pitchFamily="49" charset="0"/>
+              </a:rPr>
+              <a:t>.</a:t>
+            </a:r>
+            <a:r>
+              <a:rPr lang="en" altLang="zh-TW" sz="1200" dirty="0" err="1">
+                <a:solidFill>
+                  <a:srgbClr val="DCDCAA"/>
+                </a:solidFill>
+                <a:latin typeface="Menlo" panose="020B0609030804020204" pitchFamily="49" charset="0"/>
+              </a:rPr>
+              <a:t>log</a:t>
+            </a:r>
+            <a:r>
+              <a:rPr lang="en" altLang="zh-TW" sz="1200" dirty="0">
+                <a:solidFill>
+                  <a:srgbClr val="D4D4D4"/>
+                </a:solidFill>
+                <a:latin typeface="Menlo" panose="020B0609030804020204" pitchFamily="49" charset="0"/>
+              </a:rPr>
+              <a:t>(</a:t>
+            </a:r>
+            <a:r>
+              <a:rPr lang="en" altLang="zh-TW" sz="1200" dirty="0">
+                <a:solidFill>
+                  <a:srgbClr val="CE9178"/>
+                </a:solidFill>
+                <a:latin typeface="Menlo" panose="020B0609030804020204" pitchFamily="49" charset="0"/>
+              </a:rPr>
+              <a:t>"</a:t>
+            </a:r>
+            <a:r>
+              <a:rPr lang="zh-TW" altLang="en-US" sz="1200" dirty="0">
+                <a:solidFill>
+                  <a:srgbClr val="CE9178"/>
+                </a:solidFill>
+                <a:latin typeface="Menlo" panose="020B0609030804020204" pitchFamily="49" charset="0"/>
+              </a:rPr>
+              <a:t>開始老了</a:t>
+            </a:r>
+            <a:r>
+              <a:rPr lang="en-US" altLang="zh-TW" sz="1200" dirty="0">
+                <a:solidFill>
+                  <a:srgbClr val="CE9178"/>
+                </a:solidFill>
+                <a:latin typeface="Menlo" panose="020B0609030804020204" pitchFamily="49" charset="0"/>
+              </a:rPr>
+              <a:t>"</a:t>
+            </a:r>
+            <a:r>
+              <a:rPr lang="en-US" altLang="zh-TW" sz="1200" dirty="0">
+                <a:solidFill>
+                  <a:srgbClr val="D4D4D4"/>
+                </a:solidFill>
+                <a:latin typeface="Menlo" panose="020B0609030804020204" pitchFamily="49" charset="0"/>
+              </a:rPr>
+              <a:t>);</a:t>
+            </a:r>
+          </a:p>
+          <a:p>
+            <a:r>
+              <a:rPr lang="en-US" altLang="zh-TW" sz="1200" dirty="0">
+                <a:solidFill>
+                  <a:srgbClr val="D4D4D4"/>
+                </a:solidFill>
+                <a:latin typeface="Menlo" panose="020B0609030804020204" pitchFamily="49" charset="0"/>
+              </a:rPr>
+              <a:t>}</a:t>
+            </a:r>
           </a:p>
         </p:txBody>
       </p:sp>
@@ -2204,7 +1981,7 @@
     </p:spTree>
     <p:extLst>
       <p:ext uri="{BB962C8B-B14F-4D97-AF65-F5344CB8AC3E}">
-        <p14:creationId xmlns:p14="http://schemas.microsoft.com/office/powerpoint/2010/main" val="2777034489"/>
+        <p14:creationId xmlns:p14="http://schemas.microsoft.com/office/powerpoint/2010/main" val="1774085133"/>
       </p:ext>
     </p:extLst>
   </p:cSld>
@@ -2258,7 +2035,234 @@
           <a:bodyPr/>
           <a:lstStyle/>
           <a:p>
-            <a:endParaRPr lang="zh-TW" altLang="en-US"/>
+            <a:r>
+              <a:rPr lang="en" altLang="zh-TW" sz="1200" dirty="0">
+                <a:solidFill>
+                  <a:srgbClr val="C586C0"/>
+                </a:solidFill>
+                <a:latin typeface="Menlo" panose="020B0609030804020204" pitchFamily="49" charset="0"/>
+              </a:rPr>
+              <a:t>for</a:t>
+            </a:r>
+            <a:r>
+              <a:rPr lang="en" altLang="zh-TW" sz="1200" dirty="0">
+                <a:solidFill>
+                  <a:srgbClr val="D4D4D4"/>
+                </a:solidFill>
+                <a:latin typeface="Menlo" panose="020B0609030804020204" pitchFamily="49" charset="0"/>
+              </a:rPr>
+              <a:t> (</a:t>
+            </a:r>
+            <a:r>
+              <a:rPr lang="en" altLang="zh-TW" sz="1200" dirty="0">
+                <a:solidFill>
+                  <a:srgbClr val="569CD6"/>
+                </a:solidFill>
+                <a:latin typeface="Menlo" panose="020B0609030804020204" pitchFamily="49" charset="0"/>
+              </a:rPr>
+              <a:t>var</a:t>
+            </a:r>
+            <a:r>
+              <a:rPr lang="en" altLang="zh-TW" sz="1200" dirty="0">
+                <a:solidFill>
+                  <a:srgbClr val="D4D4D4"/>
+                </a:solidFill>
+                <a:latin typeface="Menlo" panose="020B0609030804020204" pitchFamily="49" charset="0"/>
+              </a:rPr>
+              <a:t> </a:t>
+            </a:r>
+            <a:r>
+              <a:rPr lang="en" altLang="zh-TW" sz="1200" dirty="0" err="1">
+                <a:solidFill>
+                  <a:srgbClr val="9CDCFE"/>
+                </a:solidFill>
+                <a:latin typeface="Menlo" panose="020B0609030804020204" pitchFamily="49" charset="0"/>
+              </a:rPr>
+              <a:t>i</a:t>
+            </a:r>
+            <a:r>
+              <a:rPr lang="en" altLang="zh-TW" sz="1200" dirty="0">
+                <a:solidFill>
+                  <a:srgbClr val="D4D4D4"/>
+                </a:solidFill>
+                <a:latin typeface="Menlo" panose="020B0609030804020204" pitchFamily="49" charset="0"/>
+              </a:rPr>
+              <a:t> = </a:t>
+            </a:r>
+            <a:r>
+              <a:rPr lang="en" altLang="zh-TW" sz="1200" dirty="0">
+                <a:solidFill>
+                  <a:srgbClr val="B5CEA8"/>
+                </a:solidFill>
+                <a:latin typeface="Menlo" panose="020B0609030804020204" pitchFamily="49" charset="0"/>
+              </a:rPr>
+              <a:t>1</a:t>
+            </a:r>
+            <a:r>
+              <a:rPr lang="en" altLang="zh-TW" sz="1200" dirty="0">
+                <a:solidFill>
+                  <a:srgbClr val="D4D4D4"/>
+                </a:solidFill>
+                <a:latin typeface="Menlo" panose="020B0609030804020204" pitchFamily="49" charset="0"/>
+              </a:rPr>
+              <a:t>; </a:t>
+            </a:r>
+            <a:r>
+              <a:rPr lang="en" altLang="zh-TW" sz="1200" dirty="0" err="1">
+                <a:solidFill>
+                  <a:srgbClr val="9CDCFE"/>
+                </a:solidFill>
+                <a:latin typeface="Menlo" panose="020B0609030804020204" pitchFamily="49" charset="0"/>
+              </a:rPr>
+              <a:t>i</a:t>
+            </a:r>
+            <a:r>
+              <a:rPr lang="en" altLang="zh-TW" sz="1200" dirty="0">
+                <a:solidFill>
+                  <a:srgbClr val="D4D4D4"/>
+                </a:solidFill>
+                <a:latin typeface="Menlo" panose="020B0609030804020204" pitchFamily="49" charset="0"/>
+              </a:rPr>
+              <a:t> &lt; </a:t>
+            </a:r>
+            <a:r>
+              <a:rPr lang="en" altLang="zh-TW" sz="1200" dirty="0">
+                <a:solidFill>
+                  <a:srgbClr val="B5CEA8"/>
+                </a:solidFill>
+                <a:latin typeface="Menlo" panose="020B0609030804020204" pitchFamily="49" charset="0"/>
+              </a:rPr>
+              <a:t>10</a:t>
+            </a:r>
+            <a:r>
+              <a:rPr lang="en" altLang="zh-TW" sz="1200" dirty="0">
+                <a:solidFill>
+                  <a:srgbClr val="D4D4D4"/>
+                </a:solidFill>
+                <a:latin typeface="Menlo" panose="020B0609030804020204" pitchFamily="49" charset="0"/>
+              </a:rPr>
+              <a:t>; </a:t>
+            </a:r>
+            <a:r>
+              <a:rPr lang="en" altLang="zh-TW" sz="1200" dirty="0" err="1">
+                <a:solidFill>
+                  <a:srgbClr val="9CDCFE"/>
+                </a:solidFill>
+                <a:latin typeface="Menlo" panose="020B0609030804020204" pitchFamily="49" charset="0"/>
+              </a:rPr>
+              <a:t>i</a:t>
+            </a:r>
+            <a:r>
+              <a:rPr lang="en" altLang="zh-TW" sz="1200" dirty="0">
+                <a:solidFill>
+                  <a:srgbClr val="D4D4D4"/>
+                </a:solidFill>
+                <a:latin typeface="Menlo" panose="020B0609030804020204" pitchFamily="49" charset="0"/>
+              </a:rPr>
+              <a:t>++)</a:t>
+            </a:r>
+            <a:r>
+              <a:rPr lang="zh-TW" altLang="en-US" sz="1200" dirty="0">
+                <a:solidFill>
+                  <a:srgbClr val="D4D4D4"/>
+                </a:solidFill>
+                <a:latin typeface="Menlo" panose="020B0609030804020204" pitchFamily="49" charset="0"/>
+              </a:rPr>
+              <a:t> </a:t>
+            </a:r>
+            <a:endParaRPr lang="en-US" altLang="zh-TW" sz="1200" dirty="0">
+              <a:solidFill>
+                <a:srgbClr val="D4D4D4"/>
+              </a:solidFill>
+              <a:latin typeface="Menlo" panose="020B0609030804020204" pitchFamily="49" charset="0"/>
+            </a:endParaRPr>
+          </a:p>
+          <a:p>
+            <a:r>
+              <a:rPr lang="en" altLang="zh-TW" sz="1200" dirty="0">
+                <a:solidFill>
+                  <a:srgbClr val="D4D4D4"/>
+                </a:solidFill>
+                <a:latin typeface="Menlo" panose="020B0609030804020204" pitchFamily="49" charset="0"/>
+              </a:rPr>
+              <a:t>{</a:t>
+            </a:r>
+          </a:p>
+          <a:p>
+            <a:r>
+              <a:rPr lang="en" altLang="zh-TW" sz="1200" dirty="0">
+                <a:solidFill>
+                  <a:srgbClr val="9CDCFE"/>
+                </a:solidFill>
+                <a:latin typeface="Menlo" panose="020B0609030804020204" pitchFamily="49" charset="0"/>
+              </a:rPr>
+              <a:t>        </a:t>
+            </a:r>
+            <a:r>
+              <a:rPr lang="en" altLang="zh-TW" sz="1200" dirty="0" err="1">
+                <a:solidFill>
+                  <a:srgbClr val="9CDCFE"/>
+                </a:solidFill>
+                <a:latin typeface="Menlo" panose="020B0609030804020204" pitchFamily="49" charset="0"/>
+              </a:rPr>
+              <a:t>console</a:t>
+            </a:r>
+            <a:r>
+              <a:rPr lang="en" altLang="zh-TW" sz="1200" dirty="0" err="1">
+                <a:solidFill>
+                  <a:srgbClr val="D4D4D4"/>
+                </a:solidFill>
+                <a:latin typeface="Menlo" panose="020B0609030804020204" pitchFamily="49" charset="0"/>
+              </a:rPr>
+              <a:t>.</a:t>
+            </a:r>
+            <a:r>
+              <a:rPr lang="en" altLang="zh-TW" sz="1200" dirty="0" err="1">
+                <a:solidFill>
+                  <a:srgbClr val="DCDCAA"/>
+                </a:solidFill>
+                <a:latin typeface="Menlo" panose="020B0609030804020204" pitchFamily="49" charset="0"/>
+              </a:rPr>
+              <a:t>log</a:t>
+            </a:r>
+            <a:r>
+              <a:rPr lang="en" altLang="zh-TW" sz="1200" dirty="0">
+                <a:solidFill>
+                  <a:srgbClr val="D4D4D4"/>
+                </a:solidFill>
+                <a:latin typeface="Menlo" panose="020B0609030804020204" pitchFamily="49" charset="0"/>
+              </a:rPr>
+              <a:t>(</a:t>
+            </a:r>
+            <a:r>
+              <a:rPr lang="en" altLang="zh-TW" sz="1200" dirty="0" err="1">
+                <a:solidFill>
+                  <a:srgbClr val="9CDCFE"/>
+                </a:solidFill>
+                <a:latin typeface="Menlo" panose="020B0609030804020204" pitchFamily="49" charset="0"/>
+              </a:rPr>
+              <a:t>i</a:t>
+            </a:r>
+            <a:r>
+              <a:rPr lang="en" altLang="zh-TW" sz="1200" dirty="0">
+                <a:solidFill>
+                  <a:srgbClr val="D4D4D4"/>
+                </a:solidFill>
+                <a:latin typeface="Menlo" panose="020B0609030804020204" pitchFamily="49" charset="0"/>
+              </a:rPr>
+              <a:t>);</a:t>
+            </a:r>
+          </a:p>
+          <a:p>
+            <a:r>
+              <a:rPr lang="en" altLang="zh-TW" sz="1200" dirty="0">
+                <a:solidFill>
+                  <a:srgbClr val="D4D4D4"/>
+                </a:solidFill>
+                <a:latin typeface="Menlo" panose="020B0609030804020204" pitchFamily="49" charset="0"/>
+              </a:rPr>
+              <a:t>}</a:t>
+            </a:r>
           </a:p>
         </p:txBody>
       </p:sp>
@@ -2288,7 +2292,7 @@
     </p:spTree>
     <p:extLst>
       <p:ext uri="{BB962C8B-B14F-4D97-AF65-F5344CB8AC3E}">
-        <p14:creationId xmlns:p14="http://schemas.microsoft.com/office/powerpoint/2010/main" val="1183840442"/>
+        <p14:creationId xmlns:p14="http://schemas.microsoft.com/office/powerpoint/2010/main" val="697546235"/>
       </p:ext>
     </p:extLst>
   </p:cSld>
@@ -2373,6 +2377,174 @@
     <p:extLst>
       <p:ext uri="{BB962C8B-B14F-4D97-AF65-F5344CB8AC3E}">
         <p14:creationId xmlns:p14="http://schemas.microsoft.com/office/powerpoint/2010/main" val="136689113"/>
+      </p:ext>
+    </p:extLst>
+  </p:cSld>
+  <p:clrMapOvr>
+    <a:masterClrMapping/>
+  </p:clrMapOvr>
+</p:notes>
+</file>
+
+<file path=ppt/notesSlides/notesSlide20.xml><?xml version="1.0" encoding="utf-8"?>
+<p:notes xmlns:a="http://schemas.openxmlformats.org/drawingml/2006/main" xmlns:r="http://schemas.openxmlformats.org/officeDocument/2006/relationships" xmlns:p="http://schemas.openxmlformats.org/presentationml/2006/main">
+  <p:cSld>
+    <p:spTree>
+      <p:nvGrpSpPr>
+        <p:cNvPr id="1" name=""/>
+        <p:cNvGrpSpPr/>
+        <p:nvPr/>
+      </p:nvGrpSpPr>
+      <p:grpSpPr>
+        <a:xfrm>
+          <a:off x="0" y="0"/>
+          <a:ext cx="0" cy="0"/>
+          <a:chOff x="0" y="0"/>
+          <a:chExt cx="0" cy="0"/>
+        </a:xfrm>
+      </p:grpSpPr>
+      <p:sp>
+        <p:nvSpPr>
+          <p:cNvPr id="2" name="投影片圖像版面配置區 1"/>
+          <p:cNvSpPr>
+            <a:spLocks noGrp="1" noRot="1" noChangeAspect="1"/>
+          </p:cNvSpPr>
+          <p:nvPr>
+            <p:ph type="sldImg"/>
+          </p:nvPr>
+        </p:nvSpPr>
+        <p:spPr/>
+      </p:sp>
+      <p:sp>
+        <p:nvSpPr>
+          <p:cNvPr id="3" name="備忘稿版面配置區 2"/>
+          <p:cNvSpPr>
+            <a:spLocks noGrp="1"/>
+          </p:cNvSpPr>
+          <p:nvPr>
+            <p:ph type="body" idx="1"/>
+          </p:nvPr>
+        </p:nvSpPr>
+        <p:spPr/>
+        <p:txBody>
+          <a:bodyPr/>
+          <a:lstStyle/>
+          <a:p>
+            <a:endParaRPr lang="zh-TW" altLang="en-US" dirty="0"/>
+          </a:p>
+        </p:txBody>
+      </p:sp>
+      <p:sp>
+        <p:nvSpPr>
+          <p:cNvPr id="4" name="投影片編號版面配置區 3"/>
+          <p:cNvSpPr>
+            <a:spLocks noGrp="1"/>
+          </p:cNvSpPr>
+          <p:nvPr>
+            <p:ph type="sldNum" sz="quarter" idx="10"/>
+          </p:nvPr>
+        </p:nvSpPr>
+        <p:spPr/>
+        <p:txBody>
+          <a:bodyPr/>
+          <a:lstStyle/>
+          <a:p>
+            <a:fld id="{288A6225-17E4-4F1A-9B1B-5D6F54C0EC31}" type="slidenum">
+              <a:rPr lang="zh-TW" altLang="en-US" smtClean="0"/>
+              <a:t>20</a:t>
+            </a:fld>
+            <a:endParaRPr lang="zh-TW" altLang="en-US"/>
+          </a:p>
+        </p:txBody>
+      </p:sp>
+    </p:spTree>
+    <p:extLst>
+      <p:ext uri="{BB962C8B-B14F-4D97-AF65-F5344CB8AC3E}">
+        <p14:creationId xmlns:p14="http://schemas.microsoft.com/office/powerpoint/2010/main" val="2777034489"/>
+      </p:ext>
+    </p:extLst>
+  </p:cSld>
+  <p:clrMapOvr>
+    <a:masterClrMapping/>
+  </p:clrMapOvr>
+</p:notes>
+</file>
+
+<file path=ppt/notesSlides/notesSlide21.xml><?xml version="1.0" encoding="utf-8"?>
+<p:notes xmlns:a="http://schemas.openxmlformats.org/drawingml/2006/main" xmlns:r="http://schemas.openxmlformats.org/officeDocument/2006/relationships" xmlns:p="http://schemas.openxmlformats.org/presentationml/2006/main">
+  <p:cSld>
+    <p:spTree>
+      <p:nvGrpSpPr>
+        <p:cNvPr id="1" name=""/>
+        <p:cNvGrpSpPr/>
+        <p:nvPr/>
+      </p:nvGrpSpPr>
+      <p:grpSpPr>
+        <a:xfrm>
+          <a:off x="0" y="0"/>
+          <a:ext cx="0" cy="0"/>
+          <a:chOff x="0" y="0"/>
+          <a:chExt cx="0" cy="0"/>
+        </a:xfrm>
+      </p:grpSpPr>
+      <p:sp>
+        <p:nvSpPr>
+          <p:cNvPr id="2" name="投影片圖像版面配置區 1"/>
+          <p:cNvSpPr>
+            <a:spLocks noGrp="1" noRot="1" noChangeAspect="1"/>
+          </p:cNvSpPr>
+          <p:nvPr>
+            <p:ph type="sldImg"/>
+          </p:nvPr>
+        </p:nvSpPr>
+        <p:spPr/>
+      </p:sp>
+      <p:sp>
+        <p:nvSpPr>
+          <p:cNvPr id="3" name="備忘稿版面配置區 2"/>
+          <p:cNvSpPr>
+            <a:spLocks noGrp="1"/>
+          </p:cNvSpPr>
+          <p:nvPr>
+            <p:ph type="body" idx="1"/>
+          </p:nvPr>
+        </p:nvSpPr>
+        <p:spPr/>
+        <p:txBody>
+          <a:bodyPr/>
+          <a:lstStyle/>
+          <a:p>
+            <a:endParaRPr lang="zh-TW" altLang="en-US"/>
+          </a:p>
+        </p:txBody>
+      </p:sp>
+      <p:sp>
+        <p:nvSpPr>
+          <p:cNvPr id="4" name="投影片編號版面配置區 3"/>
+          <p:cNvSpPr>
+            <a:spLocks noGrp="1"/>
+          </p:cNvSpPr>
+          <p:nvPr>
+            <p:ph type="sldNum" sz="quarter" idx="10"/>
+          </p:nvPr>
+        </p:nvSpPr>
+        <p:spPr/>
+        <p:txBody>
+          <a:bodyPr/>
+          <a:lstStyle/>
+          <a:p>
+            <a:fld id="{288A6225-17E4-4F1A-9B1B-5D6F54C0EC31}" type="slidenum">
+              <a:rPr lang="zh-TW" altLang="en-US" smtClean="0"/>
+              <a:t>21</a:t>
+            </a:fld>
+            <a:endParaRPr lang="zh-TW" altLang="en-US"/>
+          </a:p>
+        </p:txBody>
+      </p:sp>
+    </p:spTree>
+    <p:extLst>
+      <p:ext uri="{BB962C8B-B14F-4D97-AF65-F5344CB8AC3E}">
+        <p14:creationId xmlns:p14="http://schemas.microsoft.com/office/powerpoint/2010/main" val="1183840442"/>
       </p:ext>
     </p:extLst>
   </p:cSld>
@@ -3694,7 +3866,7 @@
           <a:p>
             <a:fld id="{3D8CBC75-8284-403E-92F0-16B75D676E39}" type="datetimeFigureOut">
               <a:rPr lang="zh-TW" altLang="en-US" smtClean="0"/>
-              <a:t>2020/10/20</a:t>
+              <a:t>2020/10/21</a:t>
             </a:fld>
             <a:endParaRPr lang="zh-TW" altLang="en-US"/>
           </a:p>
@@ -3822,7 +3994,7 @@
           <a:p>
             <a:fld id="{3D8CBC75-8284-403E-92F0-16B75D676E39}" type="datetimeFigureOut">
               <a:rPr lang="zh-TW" altLang="en-US" smtClean="0"/>
-              <a:t>2020/10/20</a:t>
+              <a:t>2020/10/21</a:t>
             </a:fld>
             <a:endParaRPr lang="zh-TW" altLang="en-US"/>
           </a:p>
@@ -4165,7 +4337,7 @@
           <a:p>
             <a:fld id="{3D8CBC75-8284-403E-92F0-16B75D676E39}" type="datetimeFigureOut">
               <a:rPr lang="zh-TW" altLang="en-US" smtClean="0"/>
-              <a:t>2020/10/20</a:t>
+              <a:t>2020/10/21</a:t>
             </a:fld>
             <a:endParaRPr lang="zh-TW" altLang="en-US"/>
           </a:p>
@@ -4498,7 +4670,7 @@
           <a:p>
             <a:fld id="{3D8CBC75-8284-403E-92F0-16B75D676E39}" type="datetimeFigureOut">
               <a:rPr lang="zh-TW" altLang="en-US" smtClean="0"/>
-              <a:t>2020/10/20</a:t>
+              <a:t>2020/10/21</a:t>
             </a:fld>
             <a:endParaRPr lang="zh-TW" altLang="en-US"/>
           </a:p>
@@ -4867,7 +5039,7 @@
           <a:p>
             <a:fld id="{3D8CBC75-8284-403E-92F0-16B75D676E39}" type="datetimeFigureOut">
               <a:rPr lang="zh-TW" altLang="en-US" smtClean="0"/>
-              <a:t>2020/10/20</a:t>
+              <a:t>2020/10/21</a:t>
             </a:fld>
             <a:endParaRPr lang="zh-TW" altLang="en-US"/>
           </a:p>
@@ -5090,7 +5262,7 @@
           <a:p>
             <a:fld id="{3D8CBC75-8284-403E-92F0-16B75D676E39}" type="datetimeFigureOut">
               <a:rPr lang="zh-TW" altLang="en-US" smtClean="0"/>
-              <a:t>2020/10/20</a:t>
+              <a:t>2020/10/21</a:t>
             </a:fld>
             <a:endParaRPr lang="zh-TW" altLang="en-US"/>
           </a:p>
@@ -5620,7 +5792,7 @@
           <a:p>
             <a:fld id="{3D8CBC75-8284-403E-92F0-16B75D676E39}" type="datetimeFigureOut">
               <a:rPr lang="zh-TW" altLang="en-US" smtClean="0"/>
-              <a:t>2020/10/20</a:t>
+              <a:t>2020/10/21</a:t>
             </a:fld>
             <a:endParaRPr lang="zh-TW" altLang="en-US"/>
           </a:p>
@@ -5901,7 +6073,7 @@
           <a:p>
             <a:fld id="{3D8CBC75-8284-403E-92F0-16B75D676E39}" type="datetimeFigureOut">
               <a:rPr lang="zh-TW" altLang="en-US" smtClean="0"/>
-              <a:t>2020/10/20</a:t>
+              <a:t>2020/10/21</a:t>
             </a:fld>
             <a:endParaRPr lang="zh-TW" altLang="en-US"/>
           </a:p>
@@ -6088,7 +6260,7 @@
           <a:p>
             <a:fld id="{3D8CBC75-8284-403E-92F0-16B75D676E39}" type="datetimeFigureOut">
               <a:rPr lang="zh-TW" altLang="en-US" smtClean="0"/>
-              <a:t>2020/10/20</a:t>
+              <a:t>2020/10/21</a:t>
             </a:fld>
             <a:endParaRPr lang="zh-TW" altLang="en-US"/>
           </a:p>
@@ -6490,7 +6662,7 @@
           <a:p>
             <a:fld id="{3D8CBC75-8284-403E-92F0-16B75D676E39}" type="datetimeFigureOut">
               <a:rPr lang="zh-TW" altLang="en-US" smtClean="0"/>
-              <a:t>2020/10/20</a:t>
+              <a:t>2020/10/21</a:t>
             </a:fld>
             <a:endParaRPr lang="zh-TW" altLang="en-US"/>
           </a:p>
@@ -6910,7 +7082,7 @@
           <a:p>
             <a:fld id="{3D8CBC75-8284-403E-92F0-16B75D676E39}" type="datetimeFigureOut">
               <a:rPr lang="zh-TW" altLang="en-US" smtClean="0"/>
-              <a:t>2020/10/20</a:t>
+              <a:t>2020/10/21</a:t>
             </a:fld>
             <a:endParaRPr lang="zh-TW" altLang="en-US"/>
           </a:p>
@@ -7297,7 +7469,7 @@
             <a:fld id="{3D8CBC75-8284-403E-92F0-16B75D676E39}" type="datetimeFigureOut">
               <a:rPr lang="zh-TW" altLang="en-US" smtClean="0"/>
               <a:pPr/>
-              <a:t>2020/10/20</a:t>
+              <a:t>2020/10/21</a:t>
             </a:fld>
             <a:endParaRPr lang="zh-TW" altLang="en-US" dirty="0"/>
           </a:p>
@@ -8521,6 +8693,753 @@
           <a:p>
             <a:pPr algn="ctr"/>
             <a:r>
+              <a:rPr lang="zh-TW" altLang="en-US" sz="4000" dirty="0">
+                <a:solidFill>
+                  <a:srgbClr val="0070C0"/>
+                </a:solidFill>
+                <a:latin typeface="微軟正黑體" panose="020B0604030504040204" pitchFamily="34" charset="-120"/>
+                <a:ea typeface="微軟正黑體" panose="020B0604030504040204" pitchFamily="34" charset="-120"/>
+              </a:rPr>
+              <a:t>執行 </a:t>
+            </a:r>
+            <a:r>
+              <a:rPr lang="en-US" altLang="zh-TW" sz="4000" dirty="0">
+                <a:solidFill>
+                  <a:srgbClr val="0070C0"/>
+                </a:solidFill>
+                <a:latin typeface="微軟正黑體" panose="020B0604030504040204" pitchFamily="34" charset="-120"/>
+                <a:ea typeface="微軟正黑體" panose="020B0604030504040204" pitchFamily="34" charset="-120"/>
+              </a:rPr>
+              <a:t>JavaScript</a:t>
+            </a:r>
+            <a:endParaRPr lang="zh-TW" altLang="en-US" sz="4000" dirty="0">
+              <a:solidFill>
+                <a:srgbClr val="0070C0"/>
+              </a:solidFill>
+              <a:latin typeface="微軟正黑體" panose="020B0604030504040204" pitchFamily="34" charset="-120"/>
+              <a:ea typeface="微軟正黑體" panose="020B0604030504040204" pitchFamily="34" charset="-120"/>
+            </a:endParaRPr>
+          </a:p>
+        </p:txBody>
+      </p:sp>
+      <p:sp>
+        <p:nvSpPr>
+          <p:cNvPr id="3" name="內容版面配置區 2"/>
+          <p:cNvSpPr>
+            <a:spLocks noGrp="1"/>
+          </p:cNvSpPr>
+          <p:nvPr>
+            <p:ph idx="1"/>
+          </p:nvPr>
+        </p:nvSpPr>
+        <p:spPr>
+          <a:xfrm>
+            <a:off x="0" y="1052736"/>
+            <a:ext cx="9144000" cy="836712"/>
+          </a:xfrm>
+        </p:spPr>
+        <p:txBody>
+          <a:bodyPr>
+            <a:normAutofit/>
+          </a:bodyPr>
+          <a:lstStyle/>
+          <a:p>
+            <a:pPr marL="0" indent="0" algn="ctr">
+              <a:lnSpc>
+                <a:spcPct val="150000"/>
+              </a:lnSpc>
+              <a:buNone/>
+            </a:pPr>
+            <a:r>
+              <a:rPr lang="zh-TW" altLang="en-US" sz="3200" dirty="0">
+                <a:solidFill>
+                  <a:srgbClr val="0070C0"/>
+                </a:solidFill>
+                <a:latin typeface="微軟正黑體" panose="020B0604030504040204" pitchFamily="34" charset="-120"/>
+              </a:rPr>
+              <a:t>寫在</a:t>
+            </a:r>
+            <a:r>
+              <a:rPr lang="en" altLang="zh-TW" sz="3200" dirty="0">
+                <a:solidFill>
+                  <a:srgbClr val="0070C0"/>
+                </a:solidFill>
+                <a:latin typeface="微軟正黑體" panose="020B0604030504040204" pitchFamily="34" charset="-120"/>
+              </a:rPr>
+              <a:t>script </a:t>
+            </a:r>
+            <a:r>
+              <a:rPr lang="zh-TW" altLang="en-US" sz="3200" dirty="0">
+                <a:solidFill>
+                  <a:srgbClr val="0070C0"/>
+                </a:solidFill>
+                <a:latin typeface="微軟正黑體" panose="020B0604030504040204" pitchFamily="34" charset="-120"/>
+              </a:rPr>
+              <a:t>標籤 </a:t>
+            </a:r>
+            <a:r>
+              <a:rPr lang="en-US" altLang="zh-TW" sz="3200" dirty="0">
+                <a:solidFill>
+                  <a:srgbClr val="0070C0"/>
+                </a:solidFill>
+                <a:latin typeface="微軟正黑體" panose="020B0604030504040204" pitchFamily="34" charset="-120"/>
+              </a:rPr>
+              <a:t>(</a:t>
+            </a:r>
+            <a:r>
+              <a:rPr lang="en" altLang="zh-TW" sz="3200" dirty="0">
+                <a:solidFill>
+                  <a:srgbClr val="0070C0"/>
+                </a:solidFill>
+                <a:latin typeface="微軟正黑體" panose="020B0604030504040204" pitchFamily="34" charset="-120"/>
+              </a:rPr>
+              <a:t>HTML tag) </a:t>
+            </a:r>
+            <a:r>
+              <a:rPr lang="zh-TW" altLang="en-US" sz="3200" dirty="0">
+                <a:solidFill>
+                  <a:srgbClr val="0070C0"/>
+                </a:solidFill>
+                <a:latin typeface="微軟正黑體" panose="020B0604030504040204" pitchFamily="34" charset="-120"/>
+              </a:rPr>
+              <a:t>中被瀏覽器執行</a:t>
+            </a:r>
+            <a:endParaRPr lang="en-US" altLang="zh-TW" sz="3200" dirty="0">
+              <a:solidFill>
+                <a:srgbClr val="0070C0"/>
+              </a:solidFill>
+              <a:latin typeface="微軟正黑體" panose="020B0604030504040204" pitchFamily="34" charset="-120"/>
+            </a:endParaRPr>
+          </a:p>
+        </p:txBody>
+      </p:sp>
+      <p:pic>
+        <p:nvPicPr>
+          <p:cNvPr id="6" name="圖片 5">
+            <a:extLst>
+              <a:ext uri="{FF2B5EF4-FFF2-40B4-BE49-F238E27FC236}">
+                <a16:creationId xmlns:a16="http://schemas.microsoft.com/office/drawing/2014/main" id="{55332E24-F37D-454B-9879-778FC1105C6B}"/>
+              </a:ext>
+            </a:extLst>
+          </p:cNvPr>
+          <p:cNvPicPr>
+            <a:picLocks noChangeAspect="1"/>
+          </p:cNvPicPr>
+          <p:nvPr/>
+        </p:nvPicPr>
+        <p:blipFill>
+          <a:blip r:embed="rId3">
+            <a:extLst>
+              <a:ext uri="{28A0092B-C50C-407E-A947-70E740481C1C}">
+                <a14:useLocalDpi xmlns:a14="http://schemas.microsoft.com/office/drawing/2010/main" val="0"/>
+              </a:ext>
+            </a:extLst>
+          </a:blip>
+          <a:stretch>
+            <a:fillRect/>
+          </a:stretch>
+        </p:blipFill>
+        <p:spPr>
+          <a:xfrm>
+            <a:off x="2130450" y="2204864"/>
+            <a:ext cx="4883100" cy="1958075"/>
+          </a:xfrm>
+          <a:prstGeom prst="rect">
+            <a:avLst/>
+          </a:prstGeom>
+        </p:spPr>
+      </p:pic>
+      <p:sp>
+        <p:nvSpPr>
+          <p:cNvPr id="7" name="內容版面配置區 2">
+            <a:extLst>
+              <a:ext uri="{FF2B5EF4-FFF2-40B4-BE49-F238E27FC236}">
+                <a16:creationId xmlns:a16="http://schemas.microsoft.com/office/drawing/2014/main" id="{19DA2AF9-A5D7-C347-91C6-9875A2B78C21}"/>
+              </a:ext>
+            </a:extLst>
+          </p:cNvPr>
+          <p:cNvSpPr txBox="1">
+            <a:spLocks/>
+          </p:cNvSpPr>
+          <p:nvPr/>
+        </p:nvSpPr>
+        <p:spPr>
+          <a:xfrm>
+            <a:off x="0" y="4459390"/>
+            <a:ext cx="9144000" cy="1561897"/>
+          </a:xfrm>
+          <a:prstGeom prst="rect">
+            <a:avLst/>
+          </a:prstGeom>
+        </p:spPr>
+        <p:txBody>
+          <a:bodyPr vert="horz" lIns="91440" tIns="45720" rIns="91440" bIns="45720" rtlCol="0">
+            <a:normAutofit/>
+          </a:bodyPr>
+          <a:lstStyle>
+            <a:lvl1pPr marL="171450" indent="-171450" algn="l" defTabSz="685800" rtl="0" eaLnBrk="1" latinLnBrk="0" hangingPunct="1">
+              <a:lnSpc>
+                <a:spcPct val="90000"/>
+              </a:lnSpc>
+              <a:spcBef>
+                <a:spcPts val="750"/>
+              </a:spcBef>
+              <a:buFont typeface="Arial" panose="020B0604020202020204" pitchFamily="34" charset="0"/>
+              <a:buChar char="•"/>
+              <a:defRPr sz="2100" kern="1200">
+                <a:solidFill>
+                  <a:schemeClr val="tx1"/>
+                </a:solidFill>
+                <a:latin typeface="+mn-lt"/>
+                <a:ea typeface="微軟正黑體" panose="020B0604030504040204" pitchFamily="34" charset="-120"/>
+                <a:cs typeface="+mn-cs"/>
+              </a:defRPr>
+            </a:lvl1pPr>
+            <a:lvl2pPr marL="514350" indent="-171450" algn="l" defTabSz="685800" rtl="0" eaLnBrk="1" latinLnBrk="0" hangingPunct="1">
+              <a:lnSpc>
+                <a:spcPct val="90000"/>
+              </a:lnSpc>
+              <a:spcBef>
+                <a:spcPts val="375"/>
+              </a:spcBef>
+              <a:buFont typeface="Arial" panose="020B0604020202020204" pitchFamily="34" charset="0"/>
+              <a:buChar char="•"/>
+              <a:defRPr sz="1800" kern="1200">
+                <a:solidFill>
+                  <a:schemeClr val="tx1"/>
+                </a:solidFill>
+                <a:latin typeface="+mn-lt"/>
+                <a:ea typeface="微軟正黑體" panose="020B0604030504040204" pitchFamily="34" charset="-120"/>
+                <a:cs typeface="+mn-cs"/>
+              </a:defRPr>
+            </a:lvl2pPr>
+            <a:lvl3pPr marL="857250" indent="-171450" algn="l" defTabSz="685800" rtl="0" eaLnBrk="1" latinLnBrk="0" hangingPunct="1">
+              <a:lnSpc>
+                <a:spcPct val="90000"/>
+              </a:lnSpc>
+              <a:spcBef>
+                <a:spcPts val="375"/>
+              </a:spcBef>
+              <a:buFont typeface="Arial" panose="020B0604020202020204" pitchFamily="34" charset="0"/>
+              <a:buChar char="•"/>
+              <a:defRPr sz="1500" kern="1200">
+                <a:solidFill>
+                  <a:schemeClr val="tx1"/>
+                </a:solidFill>
+                <a:latin typeface="+mn-lt"/>
+                <a:ea typeface="微軟正黑體" panose="020B0604030504040204" pitchFamily="34" charset="-120"/>
+                <a:cs typeface="+mn-cs"/>
+              </a:defRPr>
+            </a:lvl3pPr>
+            <a:lvl4pPr marL="1200150" indent="-171450" algn="l" defTabSz="685800" rtl="0" eaLnBrk="1" latinLnBrk="0" hangingPunct="1">
+              <a:lnSpc>
+                <a:spcPct val="90000"/>
+              </a:lnSpc>
+              <a:spcBef>
+                <a:spcPts val="375"/>
+              </a:spcBef>
+              <a:buFont typeface="Arial" panose="020B0604020202020204" pitchFamily="34" charset="0"/>
+              <a:buChar char="•"/>
+              <a:defRPr sz="1350" kern="1200">
+                <a:solidFill>
+                  <a:schemeClr val="tx1"/>
+                </a:solidFill>
+                <a:latin typeface="+mn-lt"/>
+                <a:ea typeface="微軟正黑體" panose="020B0604030504040204" pitchFamily="34" charset="-120"/>
+                <a:cs typeface="+mn-cs"/>
+              </a:defRPr>
+            </a:lvl4pPr>
+            <a:lvl5pPr marL="1543050" indent="-171450" algn="l" defTabSz="685800" rtl="0" eaLnBrk="1" latinLnBrk="0" hangingPunct="1">
+              <a:lnSpc>
+                <a:spcPct val="90000"/>
+              </a:lnSpc>
+              <a:spcBef>
+                <a:spcPts val="375"/>
+              </a:spcBef>
+              <a:buFont typeface="Arial" panose="020B0604020202020204" pitchFamily="34" charset="0"/>
+              <a:buChar char="•"/>
+              <a:defRPr sz="1350" kern="1200">
+                <a:solidFill>
+                  <a:schemeClr val="tx1"/>
+                </a:solidFill>
+                <a:latin typeface="+mn-lt"/>
+                <a:ea typeface="微軟正黑體" panose="020B0604030504040204" pitchFamily="34" charset="-120"/>
+                <a:cs typeface="+mn-cs"/>
+              </a:defRPr>
+            </a:lvl5pPr>
+            <a:lvl6pPr marL="1885950" indent="-171450" algn="l" defTabSz="685800" rtl="0" eaLnBrk="1" latinLnBrk="0" hangingPunct="1">
+              <a:lnSpc>
+                <a:spcPct val="90000"/>
+              </a:lnSpc>
+              <a:spcBef>
+                <a:spcPts val="375"/>
+              </a:spcBef>
+              <a:buFont typeface="Arial" panose="020B0604020202020204" pitchFamily="34" charset="0"/>
+              <a:buChar char="•"/>
+              <a:defRPr sz="1350" kern="1200">
+                <a:solidFill>
+                  <a:schemeClr val="tx1"/>
+                </a:solidFill>
+                <a:latin typeface="+mn-lt"/>
+                <a:ea typeface="+mn-ea"/>
+                <a:cs typeface="+mn-cs"/>
+              </a:defRPr>
+            </a:lvl6pPr>
+            <a:lvl7pPr marL="2228850" indent="-171450" algn="l" defTabSz="685800" rtl="0" eaLnBrk="1" latinLnBrk="0" hangingPunct="1">
+              <a:lnSpc>
+                <a:spcPct val="90000"/>
+              </a:lnSpc>
+              <a:spcBef>
+                <a:spcPts val="375"/>
+              </a:spcBef>
+              <a:buFont typeface="Arial" panose="020B0604020202020204" pitchFamily="34" charset="0"/>
+              <a:buChar char="•"/>
+              <a:defRPr sz="1350" kern="1200">
+                <a:solidFill>
+                  <a:schemeClr val="tx1"/>
+                </a:solidFill>
+                <a:latin typeface="+mn-lt"/>
+                <a:ea typeface="+mn-ea"/>
+                <a:cs typeface="+mn-cs"/>
+              </a:defRPr>
+            </a:lvl7pPr>
+            <a:lvl8pPr marL="2571750" indent="-171450" algn="l" defTabSz="685800" rtl="0" eaLnBrk="1" latinLnBrk="0" hangingPunct="1">
+              <a:lnSpc>
+                <a:spcPct val="90000"/>
+              </a:lnSpc>
+              <a:spcBef>
+                <a:spcPts val="375"/>
+              </a:spcBef>
+              <a:buFont typeface="Arial" panose="020B0604020202020204" pitchFamily="34" charset="0"/>
+              <a:buChar char="•"/>
+              <a:defRPr sz="1350" kern="1200">
+                <a:solidFill>
+                  <a:schemeClr val="tx1"/>
+                </a:solidFill>
+                <a:latin typeface="+mn-lt"/>
+                <a:ea typeface="+mn-ea"/>
+                <a:cs typeface="+mn-cs"/>
+              </a:defRPr>
+            </a:lvl8pPr>
+            <a:lvl9pPr marL="2914650" indent="-171450" algn="l" defTabSz="685800" rtl="0" eaLnBrk="1" latinLnBrk="0" hangingPunct="1">
+              <a:lnSpc>
+                <a:spcPct val="90000"/>
+              </a:lnSpc>
+              <a:spcBef>
+                <a:spcPts val="375"/>
+              </a:spcBef>
+              <a:buFont typeface="Arial" panose="020B0604020202020204" pitchFamily="34" charset="0"/>
+              <a:buChar char="•"/>
+              <a:defRPr sz="1350" kern="1200">
+                <a:solidFill>
+                  <a:schemeClr val="tx1"/>
+                </a:solidFill>
+                <a:latin typeface="+mn-lt"/>
+                <a:ea typeface="+mn-ea"/>
+                <a:cs typeface="+mn-cs"/>
+              </a:defRPr>
+            </a:lvl9pPr>
+          </a:lstStyle>
+          <a:p>
+            <a:pPr marL="0" indent="0" algn="ctr">
+              <a:lnSpc>
+                <a:spcPct val="150000"/>
+              </a:lnSpc>
+              <a:buFont typeface="Arial" panose="020B0604020202020204" pitchFamily="34" charset="0"/>
+              <a:buNone/>
+            </a:pPr>
+            <a:r>
+              <a:rPr lang="en" altLang="zh-TW" sz="3200" dirty="0">
+                <a:solidFill>
+                  <a:srgbClr val="0070C0"/>
+                </a:solidFill>
+                <a:latin typeface="微軟正黑體" panose="020B0604030504040204" pitchFamily="34" charset="-120"/>
+              </a:rPr>
+              <a:t>script </a:t>
+            </a:r>
+            <a:r>
+              <a:rPr lang="zh-TW" altLang="en-US" sz="3200" dirty="0">
+                <a:solidFill>
+                  <a:srgbClr val="0070C0"/>
+                </a:solidFill>
+                <a:latin typeface="微軟正黑體" panose="020B0604030504040204" pitchFamily="34" charset="-120"/>
+              </a:rPr>
+              <a:t>標籤可以寫在</a:t>
+            </a:r>
+            <a:r>
+              <a:rPr lang="en-US" altLang="zh-TW" sz="3200" dirty="0">
+                <a:solidFill>
+                  <a:srgbClr val="0070C0"/>
+                </a:solidFill>
+                <a:latin typeface="微軟正黑體" panose="020B0604030504040204" pitchFamily="34" charset="-120"/>
+              </a:rPr>
+              <a:t>HTML</a:t>
+            </a:r>
+            <a:r>
+              <a:rPr lang="zh-TW" altLang="en-US" sz="3200" dirty="0">
+                <a:solidFill>
+                  <a:srgbClr val="0070C0"/>
+                </a:solidFill>
+                <a:latin typeface="微軟正黑體" panose="020B0604030504040204" pitchFamily="34" charset="-120"/>
+              </a:rPr>
+              <a:t>的任何地方</a:t>
+            </a:r>
+            <a:br>
+              <a:rPr lang="en-US" altLang="zh-TW" sz="3200" dirty="0">
+                <a:solidFill>
+                  <a:srgbClr val="0070C0"/>
+                </a:solidFill>
+                <a:latin typeface="微軟正黑體" panose="020B0604030504040204" pitchFamily="34" charset="-120"/>
+              </a:rPr>
+            </a:br>
+            <a:r>
+              <a:rPr lang="zh-TW" altLang="en-US" sz="3200" dirty="0">
+                <a:solidFill>
+                  <a:srgbClr val="0070C0"/>
+                </a:solidFill>
+                <a:latin typeface="微軟正黑體" panose="020B0604030504040204" pitchFamily="34" charset="-120"/>
+              </a:rPr>
+              <a:t>例如：</a:t>
+            </a:r>
+            <a:r>
+              <a:rPr lang="en-US" altLang="zh-TW" sz="3200" dirty="0">
+                <a:solidFill>
+                  <a:srgbClr val="0070C0"/>
+                </a:solidFill>
+                <a:latin typeface="微軟正黑體" panose="020B0604030504040204" pitchFamily="34" charset="-120"/>
+              </a:rPr>
+              <a:t>&lt;head&gt;</a:t>
+            </a:r>
+            <a:r>
+              <a:rPr lang="zh-TW" altLang="en-US" sz="3200" dirty="0">
+                <a:solidFill>
+                  <a:srgbClr val="0070C0"/>
+                </a:solidFill>
+                <a:latin typeface="微軟正黑體" panose="020B0604030504040204" pitchFamily="34" charset="-120"/>
+              </a:rPr>
+              <a:t>、</a:t>
+            </a:r>
+            <a:r>
+              <a:rPr lang="en-US" altLang="zh-TW" sz="3200" dirty="0">
+                <a:solidFill>
+                  <a:srgbClr val="0070C0"/>
+                </a:solidFill>
+                <a:latin typeface="微軟正黑體" panose="020B0604030504040204" pitchFamily="34" charset="-120"/>
+              </a:rPr>
+              <a:t>&lt;body&gt;</a:t>
+            </a:r>
+          </a:p>
+        </p:txBody>
+      </p:sp>
+    </p:spTree>
+    <p:extLst>
+      <p:ext uri="{BB962C8B-B14F-4D97-AF65-F5344CB8AC3E}">
+        <p14:creationId xmlns:p14="http://schemas.microsoft.com/office/powerpoint/2010/main" val="1629916381"/>
+      </p:ext>
+    </p:extLst>
+  </p:cSld>
+  <p:clrMapOvr>
+    <a:masterClrMapping/>
+  </p:clrMapOvr>
+</p:sld>
+</file>
+
+<file path=ppt/slides/slide14.xml><?xml version="1.0" encoding="utf-8"?>
+<p:sld xmlns:a="http://schemas.openxmlformats.org/drawingml/2006/main" xmlns:r="http://schemas.openxmlformats.org/officeDocument/2006/relationships" xmlns:p="http://schemas.openxmlformats.org/presentationml/2006/main">
+  <p:cSld>
+    <p:spTree>
+      <p:nvGrpSpPr>
+        <p:cNvPr id="1" name=""/>
+        <p:cNvGrpSpPr/>
+        <p:nvPr/>
+      </p:nvGrpSpPr>
+      <p:grpSpPr>
+        <a:xfrm>
+          <a:off x="0" y="0"/>
+          <a:ext cx="0" cy="0"/>
+          <a:chOff x="0" y="0"/>
+          <a:chExt cx="0" cy="0"/>
+        </a:xfrm>
+      </p:grpSpPr>
+      <p:sp>
+        <p:nvSpPr>
+          <p:cNvPr id="2" name="標題 1"/>
+          <p:cNvSpPr>
+            <a:spLocks noGrp="1"/>
+          </p:cNvSpPr>
+          <p:nvPr>
+            <p:ph type="title"/>
+          </p:nvPr>
+        </p:nvSpPr>
+        <p:spPr>
+          <a:xfrm>
+            <a:off x="0" y="1"/>
+            <a:ext cx="9144000" cy="836712"/>
+          </a:xfrm>
+        </p:spPr>
+        <p:txBody>
+          <a:bodyPr anchor="b">
+            <a:normAutofit/>
+          </a:bodyPr>
+          <a:lstStyle/>
+          <a:p>
+            <a:pPr algn="ctr"/>
+            <a:r>
+              <a:rPr lang="zh-TW" altLang="en-US" sz="4000" dirty="0">
+                <a:solidFill>
+                  <a:srgbClr val="0070C0"/>
+                </a:solidFill>
+                <a:latin typeface="微軟正黑體" panose="020B0604030504040204" pitchFamily="34" charset="-120"/>
+                <a:ea typeface="微軟正黑體" panose="020B0604030504040204" pitchFamily="34" charset="-120"/>
+              </a:rPr>
+              <a:t>執行 </a:t>
+            </a:r>
+            <a:r>
+              <a:rPr lang="en-US" altLang="zh-TW" sz="4000" dirty="0">
+                <a:solidFill>
+                  <a:srgbClr val="0070C0"/>
+                </a:solidFill>
+                <a:latin typeface="微軟正黑體" panose="020B0604030504040204" pitchFamily="34" charset="-120"/>
+                <a:ea typeface="微軟正黑體" panose="020B0604030504040204" pitchFamily="34" charset="-120"/>
+              </a:rPr>
+              <a:t>JavaScript</a:t>
+            </a:r>
+            <a:endParaRPr lang="zh-TW" altLang="en-US" sz="4000" dirty="0">
+              <a:solidFill>
+                <a:srgbClr val="0070C0"/>
+              </a:solidFill>
+              <a:latin typeface="微軟正黑體" panose="020B0604030504040204" pitchFamily="34" charset="-120"/>
+              <a:ea typeface="微軟正黑體" panose="020B0604030504040204" pitchFamily="34" charset="-120"/>
+            </a:endParaRPr>
+          </a:p>
+        </p:txBody>
+      </p:sp>
+      <p:sp>
+        <p:nvSpPr>
+          <p:cNvPr id="3" name="內容版面配置區 2"/>
+          <p:cNvSpPr>
+            <a:spLocks noGrp="1"/>
+          </p:cNvSpPr>
+          <p:nvPr>
+            <p:ph idx="1"/>
+          </p:nvPr>
+        </p:nvSpPr>
+        <p:spPr>
+          <a:xfrm>
+            <a:off x="-911" y="944725"/>
+            <a:ext cx="9144000" cy="612068"/>
+          </a:xfrm>
+        </p:spPr>
+        <p:txBody>
+          <a:bodyPr>
+            <a:normAutofit fontScale="85000" lnSpcReduction="10000"/>
+          </a:bodyPr>
+          <a:lstStyle/>
+          <a:p>
+            <a:pPr marL="0" indent="0" algn="ctr">
+              <a:lnSpc>
+                <a:spcPct val="150000"/>
+              </a:lnSpc>
+              <a:buNone/>
+            </a:pPr>
+            <a:r>
+              <a:rPr lang="zh-TW" altLang="en-US" sz="3200" dirty="0">
+                <a:solidFill>
+                  <a:srgbClr val="0070C0"/>
+                </a:solidFill>
+                <a:latin typeface="微軟正黑體" panose="020B0604030504040204" pitchFamily="34" charset="-120"/>
+              </a:rPr>
+              <a:t>寫在</a:t>
+            </a:r>
+            <a:r>
+              <a:rPr lang="en-US" altLang="zh-TW" sz="3200" dirty="0">
+                <a:solidFill>
+                  <a:srgbClr val="0070C0"/>
+                </a:solidFill>
+                <a:latin typeface="微軟正黑體" panose="020B0604030504040204" pitchFamily="34" charset="-120"/>
+              </a:rPr>
+              <a:t>JS</a:t>
+            </a:r>
+            <a:r>
+              <a:rPr lang="zh-TW" altLang="en-US" sz="3200" dirty="0">
+                <a:solidFill>
+                  <a:srgbClr val="0070C0"/>
+                </a:solidFill>
+                <a:latin typeface="微軟正黑體" panose="020B0604030504040204" pitchFamily="34" charset="-120"/>
+              </a:rPr>
+              <a:t>檔裡，並於</a:t>
+            </a:r>
+            <a:r>
+              <a:rPr lang="en-US" altLang="zh-TW" sz="3200" dirty="0">
+                <a:solidFill>
+                  <a:srgbClr val="0070C0"/>
+                </a:solidFill>
+                <a:latin typeface="微軟正黑體" panose="020B0604030504040204" pitchFamily="34" charset="-120"/>
+              </a:rPr>
+              <a:t>HTML</a:t>
+            </a:r>
+            <a:r>
+              <a:rPr lang="zh-TW" altLang="en-US" sz="3200" dirty="0">
+                <a:solidFill>
+                  <a:srgbClr val="0070C0"/>
+                </a:solidFill>
+                <a:latin typeface="微軟正黑體" panose="020B0604030504040204" pitchFamily="34" charset="-120"/>
+              </a:rPr>
+              <a:t>裡引入</a:t>
+            </a:r>
+            <a:r>
+              <a:rPr lang="en-US" altLang="zh-TW" sz="3200" dirty="0">
+                <a:solidFill>
+                  <a:srgbClr val="0070C0"/>
+                </a:solidFill>
+                <a:latin typeface="微軟正黑體" panose="020B0604030504040204" pitchFamily="34" charset="-120"/>
+              </a:rPr>
+              <a:t>JS</a:t>
+            </a:r>
+            <a:r>
+              <a:rPr lang="zh-TW" altLang="en-US" sz="3200" dirty="0">
+                <a:solidFill>
+                  <a:srgbClr val="0070C0"/>
+                </a:solidFill>
+                <a:latin typeface="微軟正黑體" panose="020B0604030504040204" pitchFamily="34" charset="-120"/>
+              </a:rPr>
+              <a:t>檔</a:t>
+            </a:r>
+            <a:endParaRPr lang="en-US" altLang="zh-TW" sz="3200" dirty="0">
+              <a:solidFill>
+                <a:srgbClr val="0070C0"/>
+              </a:solidFill>
+              <a:latin typeface="微軟正黑體" panose="020B0604030504040204" pitchFamily="34" charset="-120"/>
+            </a:endParaRPr>
+          </a:p>
+        </p:txBody>
+      </p:sp>
+      <p:pic>
+        <p:nvPicPr>
+          <p:cNvPr id="5" name="圖片 4" descr="一張含有 文字 的圖片&#10;&#10;自動產生的描述">
+            <a:extLst>
+              <a:ext uri="{FF2B5EF4-FFF2-40B4-BE49-F238E27FC236}">
+                <a16:creationId xmlns:a16="http://schemas.microsoft.com/office/drawing/2014/main" id="{1E62AAC6-6624-594B-9839-44284148E6BD}"/>
+              </a:ext>
+            </a:extLst>
+          </p:cNvPr>
+          <p:cNvPicPr>
+            <a:picLocks noChangeAspect="1"/>
+          </p:cNvPicPr>
+          <p:nvPr/>
+        </p:nvPicPr>
+        <p:blipFill>
+          <a:blip r:embed="rId3">
+            <a:extLst>
+              <a:ext uri="{28A0092B-C50C-407E-A947-70E740481C1C}">
+                <a14:useLocalDpi xmlns:a14="http://schemas.microsoft.com/office/drawing/2010/main" val="0"/>
+              </a:ext>
+            </a:extLst>
+          </a:blip>
+          <a:stretch>
+            <a:fillRect/>
+          </a:stretch>
+        </p:blipFill>
+        <p:spPr>
+          <a:xfrm>
+            <a:off x="-11307" y="1549723"/>
+            <a:ext cx="5824970" cy="2743373"/>
+          </a:xfrm>
+          <a:prstGeom prst="rect">
+            <a:avLst/>
+          </a:prstGeom>
+        </p:spPr>
+      </p:pic>
+      <p:pic>
+        <p:nvPicPr>
+          <p:cNvPr id="7" name="圖片 6" descr="一張含有 文字 的圖片&#10;&#10;自動產生的描述">
+            <a:extLst>
+              <a:ext uri="{FF2B5EF4-FFF2-40B4-BE49-F238E27FC236}">
+                <a16:creationId xmlns:a16="http://schemas.microsoft.com/office/drawing/2014/main" id="{2C8EAA58-CB4C-FE45-9A24-6335F5944398}"/>
+              </a:ext>
+            </a:extLst>
+          </p:cNvPr>
+          <p:cNvPicPr>
+            <a:picLocks noChangeAspect="1"/>
+          </p:cNvPicPr>
+          <p:nvPr/>
+        </p:nvPicPr>
+        <p:blipFill>
+          <a:blip r:embed="rId4">
+            <a:extLst>
+              <a:ext uri="{28A0092B-C50C-407E-A947-70E740481C1C}">
+                <a14:useLocalDpi xmlns:a14="http://schemas.microsoft.com/office/drawing/2010/main" val="0"/>
+              </a:ext>
+            </a:extLst>
+          </a:blip>
+          <a:stretch>
+            <a:fillRect/>
+          </a:stretch>
+        </p:blipFill>
+        <p:spPr>
+          <a:xfrm>
+            <a:off x="4909840" y="3985509"/>
+            <a:ext cx="4234160" cy="2251803"/>
+          </a:xfrm>
+          <a:prstGeom prst="rect">
+            <a:avLst/>
+          </a:prstGeom>
+        </p:spPr>
+      </p:pic>
+    </p:spTree>
+    <p:extLst>
+      <p:ext uri="{BB962C8B-B14F-4D97-AF65-F5344CB8AC3E}">
+        <p14:creationId xmlns:p14="http://schemas.microsoft.com/office/powerpoint/2010/main" val="2811012893"/>
+      </p:ext>
+    </p:extLst>
+  </p:cSld>
+  <p:clrMapOvr>
+    <a:masterClrMapping/>
+  </p:clrMapOvr>
+</p:sld>
+</file>
+
+<file path=ppt/slides/slide15.xml><?xml version="1.0" encoding="utf-8"?>
+<p:sld xmlns:a="http://schemas.openxmlformats.org/drawingml/2006/main" xmlns:r="http://schemas.openxmlformats.org/officeDocument/2006/relationships" xmlns:p="http://schemas.openxmlformats.org/presentationml/2006/main">
+  <p:cSld>
+    <p:spTree>
+      <p:nvGrpSpPr>
+        <p:cNvPr id="1" name=""/>
+        <p:cNvGrpSpPr/>
+        <p:nvPr/>
+      </p:nvGrpSpPr>
+      <p:grpSpPr>
+        <a:xfrm>
+          <a:off x="0" y="0"/>
+          <a:ext cx="0" cy="0"/>
+          <a:chOff x="0" y="0"/>
+          <a:chExt cx="0" cy="0"/>
+        </a:xfrm>
+      </p:grpSpPr>
+      <p:sp>
+        <p:nvSpPr>
+          <p:cNvPr id="2" name="標題 1"/>
+          <p:cNvSpPr>
+            <a:spLocks noGrp="1"/>
+          </p:cNvSpPr>
+          <p:nvPr>
+            <p:ph type="title"/>
+          </p:nvPr>
+        </p:nvSpPr>
+        <p:spPr>
+          <a:xfrm>
+            <a:off x="0" y="1"/>
+            <a:ext cx="9144000" cy="836712"/>
+          </a:xfrm>
+        </p:spPr>
+        <p:txBody>
+          <a:bodyPr anchor="b">
+            <a:normAutofit/>
+          </a:bodyPr>
+          <a:lstStyle/>
+          <a:p>
+            <a:pPr algn="ctr"/>
+            <a:r>
               <a:rPr lang="en-US" altLang="zh-TW" sz="4000" dirty="0">
                 <a:solidFill>
                   <a:srgbClr val="0070C0"/>
@@ -8713,7 +9632,7 @@
 </p:sld>
 </file>
 
-<file path=ppt/slides/slide14.xml><?xml version="1.0" encoding="utf-8"?>
+<file path=ppt/slides/slide16.xml><?xml version="1.0" encoding="utf-8"?>
 <p:sld xmlns:a="http://schemas.openxmlformats.org/drawingml/2006/main" xmlns:r="http://schemas.openxmlformats.org/officeDocument/2006/relationships" xmlns:p="http://schemas.openxmlformats.org/presentationml/2006/main">
   <p:cSld>
     <p:spTree>
@@ -9232,7 +10151,7 @@
 </p:sld>
 </file>
 
-<file path=ppt/slides/slide15.xml><?xml version="1.0" encoding="utf-8"?>
+<file path=ppt/slides/slide17.xml><?xml version="1.0" encoding="utf-8"?>
 <p:sld xmlns:a="http://schemas.openxmlformats.org/drawingml/2006/main" xmlns:r="http://schemas.openxmlformats.org/officeDocument/2006/relationships" xmlns:p="http://schemas.openxmlformats.org/presentationml/2006/main">
   <p:cSld>
     <p:spTree>
@@ -9396,7 +10315,7 @@
 </p:sld>
 </file>
 
-<file path=ppt/slides/slide16.xml><?xml version="1.0" encoding="utf-8"?>
+<file path=ppt/slides/slide18.xml><?xml version="1.0" encoding="utf-8"?>
 <p:sld xmlns:a="http://schemas.openxmlformats.org/drawingml/2006/main" xmlns:r="http://schemas.openxmlformats.org/officeDocument/2006/relationships" xmlns:p="http://schemas.openxmlformats.org/presentationml/2006/main">
   <p:cSld>
     <p:spTree>
@@ -9505,7 +10424,7 @@
 </p:sld>
 </file>
 
-<file path=ppt/slides/slide17.xml><?xml version="1.0" encoding="utf-8"?>
+<file path=ppt/slides/slide19.xml><?xml version="1.0" encoding="utf-8"?>
 <p:sld xmlns:a="http://schemas.openxmlformats.org/drawingml/2006/main" xmlns:r="http://schemas.openxmlformats.org/officeDocument/2006/relationships" xmlns:p="http://schemas.openxmlformats.org/presentationml/2006/main">
   <p:cSld>
     <p:spTree>
@@ -9617,7 +10536,7 @@
 </p:sld>
 </file>
 
-<file path=ppt/slides/slide18.xml><?xml version="1.0" encoding="utf-8"?>
+<file path=ppt/slides/slide2.xml><?xml version="1.0" encoding="utf-8"?>
 <p:sld xmlns:a="http://schemas.openxmlformats.org/drawingml/2006/main" xmlns:r="http://schemas.openxmlformats.org/officeDocument/2006/relationships" xmlns:p="http://schemas.openxmlformats.org/presentationml/2006/main">
   <p:cSld>
     <p:spTree>
@@ -9658,6 +10577,108 @@
           <a:p>
             <a:pPr algn="ctr"/>
             <a:r>
+              <a:rPr lang="en-US" altLang="zh-TW" sz="4000" dirty="0">
+                <a:solidFill>
+                  <a:srgbClr val="0070C0"/>
+                </a:solidFill>
+                <a:latin typeface="微軟正黑體" panose="020B0604030504040204" pitchFamily="34" charset="-120"/>
+                <a:ea typeface="微軟正黑體" panose="020B0604030504040204" pitchFamily="34" charset="-120"/>
+              </a:rPr>
+              <a:t>JavaScript</a:t>
+            </a:r>
+            <a:endParaRPr lang="zh-TW" altLang="en-US" sz="4000" dirty="0">
+              <a:solidFill>
+                <a:srgbClr val="0070C0"/>
+              </a:solidFill>
+              <a:latin typeface="微軟正黑體" panose="020B0604030504040204" pitchFamily="34" charset="-120"/>
+              <a:ea typeface="微軟正黑體" panose="020B0604030504040204" pitchFamily="34" charset="-120"/>
+            </a:endParaRPr>
+          </a:p>
+        </p:txBody>
+      </p:sp>
+      <p:pic>
+        <p:nvPicPr>
+          <p:cNvPr id="4" name="內容版面配置區 3"/>
+          <p:cNvPicPr>
+            <a:picLocks noGrp="1" noChangeAspect="1"/>
+          </p:cNvPicPr>
+          <p:nvPr>
+            <p:ph idx="1"/>
+          </p:nvPr>
+        </p:nvPicPr>
+        <p:blipFill>
+          <a:blip r:embed="rId3">
+            <a:extLst>
+              <a:ext uri="{28A0092B-C50C-407E-A947-70E740481C1C}">
+                <a14:useLocalDpi xmlns:a14="http://schemas.microsoft.com/office/drawing/2010/main" val="0"/>
+              </a:ext>
+            </a:extLst>
+          </a:blip>
+          <a:stretch>
+            <a:fillRect/>
+          </a:stretch>
+        </p:blipFill>
+        <p:spPr>
+          <a:xfrm>
+            <a:off x="-5847" y="1865212"/>
+            <a:ext cx="9149847" cy="3127576"/>
+          </a:xfrm>
+        </p:spPr>
+      </p:pic>
+    </p:spTree>
+    <p:extLst>
+      <p:ext uri="{BB962C8B-B14F-4D97-AF65-F5344CB8AC3E}">
+        <p14:creationId xmlns:p14="http://schemas.microsoft.com/office/powerpoint/2010/main" val="1951891258"/>
+      </p:ext>
+    </p:extLst>
+  </p:cSld>
+  <p:clrMapOvr>
+    <a:masterClrMapping/>
+  </p:clrMapOvr>
+</p:sld>
+</file>
+
+<file path=ppt/slides/slide20.xml><?xml version="1.0" encoding="utf-8"?>
+<p:sld xmlns:a="http://schemas.openxmlformats.org/drawingml/2006/main" xmlns:r="http://schemas.openxmlformats.org/officeDocument/2006/relationships" xmlns:p="http://schemas.openxmlformats.org/presentationml/2006/main">
+  <p:cSld>
+    <p:spTree>
+      <p:nvGrpSpPr>
+        <p:cNvPr id="1" name=""/>
+        <p:cNvGrpSpPr/>
+        <p:nvPr/>
+      </p:nvGrpSpPr>
+      <p:grpSpPr>
+        <a:xfrm>
+          <a:off x="0" y="0"/>
+          <a:ext cx="0" cy="0"/>
+          <a:chOff x="0" y="0"/>
+          <a:chExt cx="0" cy="0"/>
+        </a:xfrm>
+      </p:grpSpPr>
+      <p:sp>
+        <p:nvSpPr>
+          <p:cNvPr id="2" name="標題 1"/>
+          <p:cNvSpPr>
+            <a:spLocks noGrp="1"/>
+          </p:cNvSpPr>
+          <p:nvPr>
+            <p:ph type="title"/>
+          </p:nvPr>
+        </p:nvSpPr>
+        <p:spPr>
+          <a:xfrm>
+            <a:off x="0" y="1"/>
+            <a:ext cx="9144000" cy="836712"/>
+          </a:xfrm>
+        </p:spPr>
+        <p:txBody>
+          <a:bodyPr anchor="b">
+            <a:normAutofit/>
+          </a:bodyPr>
+          <a:lstStyle/>
+          <a:p>
+            <a:pPr algn="ctr"/>
+            <a:r>
               <a:rPr lang="zh-TW" altLang="en-US" sz="4000">
                 <a:solidFill>
                   <a:srgbClr val="0070C0"/>
@@ -9779,7 +10800,7 @@
 </p:sld>
 </file>
 
-<file path=ppt/slides/slide19.xml><?xml version="1.0" encoding="utf-8"?>
+<file path=ppt/slides/slide21.xml><?xml version="1.0" encoding="utf-8"?>
 <p:sld xmlns:a="http://schemas.openxmlformats.org/drawingml/2006/main" xmlns:r="http://schemas.openxmlformats.org/officeDocument/2006/relationships" xmlns:p="http://schemas.openxmlformats.org/presentationml/2006/main">
   <p:cSld>
     <p:spTree>
@@ -9917,108 +10938,6 @@
     <p:extLst>
       <p:ext uri="{BB962C8B-B14F-4D97-AF65-F5344CB8AC3E}">
         <p14:creationId xmlns:p14="http://schemas.microsoft.com/office/powerpoint/2010/main" val="379571826"/>
-      </p:ext>
-    </p:extLst>
-  </p:cSld>
-  <p:clrMapOvr>
-    <a:masterClrMapping/>
-  </p:clrMapOvr>
-</p:sld>
-</file>
-
-<file path=ppt/slides/slide2.xml><?xml version="1.0" encoding="utf-8"?>
-<p:sld xmlns:a="http://schemas.openxmlformats.org/drawingml/2006/main" xmlns:r="http://schemas.openxmlformats.org/officeDocument/2006/relationships" xmlns:p="http://schemas.openxmlformats.org/presentationml/2006/main">
-  <p:cSld>
-    <p:spTree>
-      <p:nvGrpSpPr>
-        <p:cNvPr id="1" name=""/>
-        <p:cNvGrpSpPr/>
-        <p:nvPr/>
-      </p:nvGrpSpPr>
-      <p:grpSpPr>
-        <a:xfrm>
-          <a:off x="0" y="0"/>
-          <a:ext cx="0" cy="0"/>
-          <a:chOff x="0" y="0"/>
-          <a:chExt cx="0" cy="0"/>
-        </a:xfrm>
-      </p:grpSpPr>
-      <p:sp>
-        <p:nvSpPr>
-          <p:cNvPr id="2" name="標題 1"/>
-          <p:cNvSpPr>
-            <a:spLocks noGrp="1"/>
-          </p:cNvSpPr>
-          <p:nvPr>
-            <p:ph type="title"/>
-          </p:nvPr>
-        </p:nvSpPr>
-        <p:spPr>
-          <a:xfrm>
-            <a:off x="0" y="1"/>
-            <a:ext cx="9144000" cy="836712"/>
-          </a:xfrm>
-        </p:spPr>
-        <p:txBody>
-          <a:bodyPr anchor="b">
-            <a:normAutofit/>
-          </a:bodyPr>
-          <a:lstStyle/>
-          <a:p>
-            <a:pPr algn="ctr"/>
-            <a:r>
-              <a:rPr lang="en-US" altLang="zh-TW" sz="4000" dirty="0">
-                <a:solidFill>
-                  <a:srgbClr val="0070C0"/>
-                </a:solidFill>
-                <a:latin typeface="微軟正黑體" panose="020B0604030504040204" pitchFamily="34" charset="-120"/>
-                <a:ea typeface="微軟正黑體" panose="020B0604030504040204" pitchFamily="34" charset="-120"/>
-              </a:rPr>
-              <a:t>JavaScript</a:t>
-            </a:r>
-            <a:endParaRPr lang="zh-TW" altLang="en-US" sz="4000" dirty="0">
-              <a:solidFill>
-                <a:srgbClr val="0070C0"/>
-              </a:solidFill>
-              <a:latin typeface="微軟正黑體" panose="020B0604030504040204" pitchFamily="34" charset="-120"/>
-              <a:ea typeface="微軟正黑體" panose="020B0604030504040204" pitchFamily="34" charset="-120"/>
-            </a:endParaRPr>
-          </a:p>
-        </p:txBody>
-      </p:sp>
-      <p:pic>
-        <p:nvPicPr>
-          <p:cNvPr id="4" name="內容版面配置區 3"/>
-          <p:cNvPicPr>
-            <a:picLocks noGrp="1" noChangeAspect="1"/>
-          </p:cNvPicPr>
-          <p:nvPr>
-            <p:ph idx="1"/>
-          </p:nvPr>
-        </p:nvPicPr>
-        <p:blipFill>
-          <a:blip r:embed="rId3">
-            <a:extLst>
-              <a:ext uri="{28A0092B-C50C-407E-A947-70E740481C1C}">
-                <a14:useLocalDpi xmlns:a14="http://schemas.microsoft.com/office/drawing/2010/main" val="0"/>
-              </a:ext>
-            </a:extLst>
-          </a:blip>
-          <a:stretch>
-            <a:fillRect/>
-          </a:stretch>
-        </p:blipFill>
-        <p:spPr>
-          <a:xfrm>
-            <a:off x="-5847" y="1865212"/>
-            <a:ext cx="9149847" cy="3127576"/>
-          </a:xfrm>
-        </p:spPr>
-      </p:pic>
-    </p:spTree>
-    <p:extLst>
-      <p:ext uri="{BB962C8B-B14F-4D97-AF65-F5344CB8AC3E}">
-        <p14:creationId xmlns:p14="http://schemas.microsoft.com/office/powerpoint/2010/main" val="1951891258"/>
       </p:ext>
     </p:extLst>
   </p:cSld>
